--- a/README.pptx
+++ b/README.pptx
@@ -252,7 +252,7 @@
           <a:p>
             <a:fld id="{138EF9FC-1996-498E-BB81-707C49C852FF}" type="datetimeFigureOut">
               <a:rPr lang="en-GB" smtClean="0"/>
-              <a:t>22/02/2018</a:t>
+              <a:t>23/02/2018</a:t>
             </a:fld>
             <a:endParaRPr lang="en-GB"/>
           </a:p>
@@ -422,7 +422,7 @@
           <a:p>
             <a:fld id="{138EF9FC-1996-498E-BB81-707C49C852FF}" type="datetimeFigureOut">
               <a:rPr lang="en-GB" smtClean="0"/>
-              <a:t>22/02/2018</a:t>
+              <a:t>23/02/2018</a:t>
             </a:fld>
             <a:endParaRPr lang="en-GB"/>
           </a:p>
@@ -602,7 +602,7 @@
           <a:p>
             <a:fld id="{138EF9FC-1996-498E-BB81-707C49C852FF}" type="datetimeFigureOut">
               <a:rPr lang="en-GB" smtClean="0"/>
-              <a:t>22/02/2018</a:t>
+              <a:t>23/02/2018</a:t>
             </a:fld>
             <a:endParaRPr lang="en-GB"/>
           </a:p>
@@ -772,7 +772,7 @@
           <a:p>
             <a:fld id="{138EF9FC-1996-498E-BB81-707C49C852FF}" type="datetimeFigureOut">
               <a:rPr lang="en-GB" smtClean="0"/>
-              <a:t>22/02/2018</a:t>
+              <a:t>23/02/2018</a:t>
             </a:fld>
             <a:endParaRPr lang="en-GB"/>
           </a:p>
@@ -1018,7 +1018,7 @@
           <a:p>
             <a:fld id="{138EF9FC-1996-498E-BB81-707C49C852FF}" type="datetimeFigureOut">
               <a:rPr lang="en-GB" smtClean="0"/>
-              <a:t>22/02/2018</a:t>
+              <a:t>23/02/2018</a:t>
             </a:fld>
             <a:endParaRPr lang="en-GB"/>
           </a:p>
@@ -1250,7 +1250,7 @@
           <a:p>
             <a:fld id="{138EF9FC-1996-498E-BB81-707C49C852FF}" type="datetimeFigureOut">
               <a:rPr lang="en-GB" smtClean="0"/>
-              <a:t>22/02/2018</a:t>
+              <a:t>23/02/2018</a:t>
             </a:fld>
             <a:endParaRPr lang="en-GB"/>
           </a:p>
@@ -1617,7 +1617,7 @@
           <a:p>
             <a:fld id="{138EF9FC-1996-498E-BB81-707C49C852FF}" type="datetimeFigureOut">
               <a:rPr lang="en-GB" smtClean="0"/>
-              <a:t>22/02/2018</a:t>
+              <a:t>23/02/2018</a:t>
             </a:fld>
             <a:endParaRPr lang="en-GB"/>
           </a:p>
@@ -1735,7 +1735,7 @@
           <a:p>
             <a:fld id="{138EF9FC-1996-498E-BB81-707C49C852FF}" type="datetimeFigureOut">
               <a:rPr lang="en-GB" smtClean="0"/>
-              <a:t>22/02/2018</a:t>
+              <a:t>23/02/2018</a:t>
             </a:fld>
             <a:endParaRPr lang="en-GB"/>
           </a:p>
@@ -1830,7 +1830,7 @@
           <a:p>
             <a:fld id="{138EF9FC-1996-498E-BB81-707C49C852FF}" type="datetimeFigureOut">
               <a:rPr lang="en-GB" smtClean="0"/>
-              <a:t>22/02/2018</a:t>
+              <a:t>23/02/2018</a:t>
             </a:fld>
             <a:endParaRPr lang="en-GB"/>
           </a:p>
@@ -2107,7 +2107,7 @@
           <a:p>
             <a:fld id="{138EF9FC-1996-498E-BB81-707C49C852FF}" type="datetimeFigureOut">
               <a:rPr lang="en-GB" smtClean="0"/>
-              <a:t>22/02/2018</a:t>
+              <a:t>23/02/2018</a:t>
             </a:fld>
             <a:endParaRPr lang="en-GB"/>
           </a:p>
@@ -2360,7 +2360,7 @@
           <a:p>
             <a:fld id="{138EF9FC-1996-498E-BB81-707C49C852FF}" type="datetimeFigureOut">
               <a:rPr lang="en-GB" smtClean="0"/>
-              <a:t>22/02/2018</a:t>
+              <a:t>23/02/2018</a:t>
             </a:fld>
             <a:endParaRPr lang="en-GB"/>
           </a:p>
@@ -2573,7 +2573,7 @@
           <a:p>
             <a:fld id="{138EF9FC-1996-498E-BB81-707C49C852FF}" type="datetimeFigureOut">
               <a:rPr lang="en-GB" smtClean="0"/>
-              <a:t>22/02/2018</a:t>
+              <a:t>23/02/2018</a:t>
             </a:fld>
             <a:endParaRPr lang="en-GB"/>
           </a:p>
@@ -2995,11 +2995,7 @@
           <a:p>
             <a:r>
               <a:rPr lang="en-US" dirty="0" smtClean="0"/>
-              <a:t>E</a:t>
-            </a:r>
-            <a:r>
-              <a:rPr lang="en-US" dirty="0" smtClean="0"/>
-              <a:t>WAS-fusion</a:t>
+              <a:t>EWAS-fusion</a:t>
             </a:r>
             <a:endParaRPr lang="en-GB" dirty="0"/>
           </a:p>
@@ -3164,6 +3160,13 @@
   <p:clrMapOvr>
     <a:masterClrMapping/>
   </p:clrMapOvr>
+  <p:timing>
+    <p:tnLst>
+      <p:par>
+        <p:cTn id="1" dur="indefinite" restart="never" nodeType="tmRoot"/>
+      </p:par>
+    </p:tnLst>
+  </p:timing>
 </p:sld>
 </file>
 
@@ -3223,7 +3226,7 @@
             <p:spPr/>
             <p:txBody>
               <a:bodyPr>
-                <a:normAutofit/>
+                <a:normAutofit lnSpcReduction="10000"/>
               </a:bodyPr>
               <a:lstStyle/>
               <a:p>
@@ -3231,17 +3234,62 @@
                   <a:buNone/>
                 </a:pPr>
                 <a:r>
-                  <a:rPr lang="en-GB" dirty="0" err="1" smtClean="0"/>
+                  <a:rPr lang="en-GB" dirty="0" smtClean="0"/>
                   <a:t>Transcriptomewide</a:t>
                 </a:r>
                 <a:r>
                   <a:rPr lang="en-GB" dirty="0" smtClean="0"/>
-                  <a:t> association statistic (TWAS) was originally proposed for gene express data</a:t>
+                  <a:t> association statistic (</a:t>
+                </a:r>
+                <a14:m>
+                  <m:oMath xmlns:m="http://schemas.openxmlformats.org/officeDocument/2006/math">
+                    <m:sSub>
+                      <m:sSubPr>
+                        <m:ctrlPr>
+                          <a:rPr lang="en-GB" i="1">
+                            <a:latin typeface="Cambria Math" panose="02040503050406030204" pitchFamily="18" charset="0"/>
+                          </a:rPr>
+                        </m:ctrlPr>
+                      </m:sSubPr>
+                      <m:e>
+                        <m:r>
+                          <a:rPr lang="en-GB" i="1">
+                            <a:latin typeface="Cambria Math" panose="02040503050406030204" pitchFamily="18" charset="0"/>
+                          </a:rPr>
+                          <m:t>𝑧</m:t>
+                        </m:r>
+                      </m:e>
+                      <m:sub>
+                        <m:r>
+                          <a:rPr lang="en-US" b="0" i="1" smtClean="0">
+                            <a:latin typeface="Cambria Math" panose="02040503050406030204" pitchFamily="18" charset="0"/>
+                          </a:rPr>
+                          <m:t>𝑇</m:t>
+                        </m:r>
+                        <m:r>
+                          <a:rPr lang="en-GB" i="1">
+                            <a:latin typeface="Cambria Math" panose="02040503050406030204" pitchFamily="18" charset="0"/>
+                          </a:rPr>
+                          <m:t>𝑊𝐴𝑆</m:t>
+                        </m:r>
+                      </m:sub>
+                    </m:sSub>
+                  </m:oMath>
+                </a14:m>
+                <a:r>
+                  <a:rPr lang="en-GB" dirty="0" smtClean="0"/>
+                  <a:t>) was originally proposed for gene express data</a:t>
                 </a:r>
                 <a:r>
                   <a:rPr lang="en-GB" dirty="0"/>
                   <a:t>. </a:t>
                 </a:r>
+                <a:endParaRPr lang="en-GB" dirty="0" smtClean="0"/>
+              </a:p>
+              <a:p>
+                <a:pPr marL="0" indent="0">
+                  <a:buNone/>
+                </a:pPr>
                 <a:endParaRPr lang="en-GB" dirty="0" smtClean="0"/>
               </a:p>
               <a:p>
@@ -3623,7 +3671,7 @@
               <a:blipFill>
                 <a:blip r:embed="rId2"/>
                 <a:stretch>
-                  <a:fillRect l="-1217" t="-2241" r="-1333" b="-140"/>
+                  <a:fillRect l="-1217" t="-3081" b="-1681"/>
                 </a:stretch>
               </a:blipFill>
             </p:spPr>
@@ -3652,6 +3700,13 @@
   <p:clrMapOvr>
     <a:masterClrMapping/>
   </p:clrMapOvr>
+  <p:timing>
+    <p:tnLst>
+      <p:par>
+        <p:cTn id="1" dur="indefinite" restart="never" nodeType="tmRoot"/>
+      </p:par>
+    </p:tnLst>
+  </p:timing>
 </p:sld>
 </file>
 
@@ -3871,15 +3926,7 @@
             </a:r>
             <a:r>
               <a:rPr lang="en-GB" sz="2300" dirty="0" smtClean="0"/>
-              <a:t>: 1. </a:t>
-            </a:r>
-            <a:r>
-              <a:rPr lang="en-GB" sz="2300" dirty="0" smtClean="0"/>
-              <a:t>I</a:t>
-            </a:r>
-            <a:r>
-              <a:rPr lang="en-GB" sz="2300" dirty="0" smtClean="0"/>
-              <a:t>t </a:t>
+              <a:t>: 1. It </a:t>
             </a:r>
             <a:r>
               <a:rPr lang="en-GB" sz="2300" dirty="0"/>
@@ -3907,15 +3954,7 @@
             </a:r>
             <a:r>
               <a:rPr lang="en-GB" sz="2300" dirty="0" smtClean="0"/>
-              <a:t>2. </a:t>
-            </a:r>
-            <a:r>
-              <a:rPr lang="en-GB" sz="2300" dirty="0" smtClean="0"/>
-              <a:t>I</a:t>
-            </a:r>
-            <a:r>
-              <a:rPr lang="en-GB" sz="2300" dirty="0" smtClean="0"/>
-              <a:t>t </a:t>
+              <a:t>2. It </a:t>
             </a:r>
             <a:r>
               <a:rPr lang="en-GB" sz="2300" dirty="0"/>
@@ -3978,6 +4017,13 @@
   <p:clrMapOvr>
     <a:masterClrMapping/>
   </p:clrMapOvr>
+  <p:timing>
+    <p:tnLst>
+      <p:par>
+        <p:cTn id="1" dur="indefinite" restart="never" nodeType="tmRoot"/>
+      </p:par>
+    </p:tnLst>
+  </p:timing>
 </p:sld>
 </file>
 
@@ -4071,6 +4117,13 @@
   <p:clrMapOvr>
     <a:masterClrMapping/>
   </p:clrMapOvr>
+  <p:timing>
+    <p:tnLst>
+      <p:par>
+        <p:cTn id="1" dur="indefinite" restart="never" nodeType="tmRoot"/>
+      </p:par>
+    </p:tnLst>
+  </p:timing>
 </p:sld>
 </file>
 
@@ -4846,6 +4899,13 @@
   <p:clrMapOvr>
     <a:masterClrMapping/>
   </p:clrMapOvr>
+  <p:timing>
+    <p:tnLst>
+      <p:par>
+        <p:cTn id="1" dur="indefinite" restart="never" nodeType="tmRoot"/>
+      </p:par>
+    </p:tnLst>
+  </p:timing>
 </p:sld>
 </file>
 
@@ -4890,8 +4950,8 @@
           </a:p>
         </p:txBody>
       </p:sp>
-      <mc:AlternateContent xmlns:mc="http://schemas.openxmlformats.org/markup-compatibility/2006" xmlns:a14="http://schemas.microsoft.com/office/drawing/2010/main">
-        <mc:Choice Requires="a14">
+      <mc:AlternateContent xmlns:mc="http://schemas.openxmlformats.org/markup-compatibility/2006">
+        <mc:Choice xmlns:a14="http://schemas.microsoft.com/office/drawing/2010/main" Requires="a14">
           <p:sp>
             <p:nvSpPr>
               <p:cNvPr id="3" name="Content Placeholder 2"/>
@@ -4922,7 +4982,44 @@
                 </a:r>
                 <a:r>
                   <a:rPr lang="en-GB" dirty="0"/>
-                  <a:t> association statistic (EWAS) is defined through methylation data so that</a:t>
+                  <a:t> association statistic </a:t>
+                </a:r>
+                <a:r>
+                  <a:rPr lang="en-GB" dirty="0" smtClean="0"/>
+                  <a:t>(</a:t>
+                </a:r>
+                <a14:m>
+                  <m:oMath xmlns:m="http://schemas.openxmlformats.org/officeDocument/2006/math">
+                    <m:sSub>
+                      <m:sSubPr>
+                        <m:ctrlPr>
+                          <a:rPr lang="en-GB" i="1">
+                            <a:latin typeface="Cambria Math" panose="02040503050406030204" pitchFamily="18" charset="0"/>
+                          </a:rPr>
+                        </m:ctrlPr>
+                      </m:sSubPr>
+                      <m:e>
+                        <m:r>
+                          <a:rPr lang="en-GB" i="1">
+                            <a:latin typeface="Cambria Math" panose="02040503050406030204" pitchFamily="18" charset="0"/>
+                          </a:rPr>
+                          <m:t>𝑧</m:t>
+                        </m:r>
+                      </m:e>
+                      <m:sub>
+                        <m:r>
+                          <a:rPr lang="en-GB" i="1">
+                            <a:latin typeface="Cambria Math" panose="02040503050406030204" pitchFamily="18" charset="0"/>
+                          </a:rPr>
+                          <m:t>𝐸𝑊𝐴𝑆</m:t>
+                        </m:r>
+                      </m:sub>
+                    </m:sSub>
+                  </m:oMath>
+                </a14:m>
+                <a:r>
+                  <a:rPr lang="en-GB" dirty="0"/>
+                  <a:t>) is defined through methylation data so that</a:t>
                 </a:r>
                 <a14:m>
                   <m:oMath xmlns:m="http://schemas.openxmlformats.org/officeDocument/2006/math">
@@ -5169,7 +5266,15 @@
                 </a:r>
                 <a:r>
                   <a:rPr lang="en-GB" dirty="0"/>
-                  <a:t> et al. (2016) called TWAS as well as in Mancuso et al. (2016) called Functional Summary-based Imputation (FUSION). The TWAS statistics from both approaches agreed very well</a:t>
+                  <a:t> et al. (2016) called TWAS as well as in Mancuso et al. (</a:t>
+                </a:r>
+                <a:r>
+                  <a:rPr lang="en-GB" dirty="0" smtClean="0"/>
+                  <a:t>2017) </a:t>
+                </a:r>
+                <a:r>
+                  <a:rPr lang="en-GB" dirty="0"/>
+                  <a:t>called Functional Summary-based Imputation (FUSION). The TWAS statistics from both approaches agreed very well</a:t>
                 </a:r>
                 <a:r>
                   <a:rPr lang="en-GB" dirty="0" smtClean="0"/>
@@ -5180,7 +5285,7 @@
             </p:txBody>
           </p:sp>
         </mc:Choice>
-        <mc:Fallback xmlns="">
+        <mc:Fallback>
           <p:sp>
             <p:nvSpPr>
               <p:cNvPr id="3" name="Content Placeholder 2"/>
@@ -5224,6 +5329,13 @@
   <p:clrMapOvr>
     <a:masterClrMapping/>
   </p:clrMapOvr>
+  <p:timing>
+    <p:tnLst>
+      <p:par>
+        <p:cTn id="1" dur="indefinite" restart="never" nodeType="tmRoot"/>
+      </p:par>
+    </p:tnLst>
+  </p:timing>
 </p:sld>
 </file>
 
@@ -5366,6 +5478,13 @@
   <p:clrMapOvr>
     <a:masterClrMapping/>
   </p:clrMapOvr>
+  <p:timing>
+    <p:tnLst>
+      <p:par>
+        <p:cTn id="1" dur="indefinite" restart="never" nodeType="tmRoot"/>
+      </p:par>
+    </p:tnLst>
+  </p:timing>
 </p:sld>
 </file>
 

--- a/README.pptx
+++ b/README.pptx
@@ -13,8 +13,8 @@
     <p:sldId id="257" r:id="rId7"/>
     <p:sldId id="267" r:id="rId8"/>
     <p:sldId id="259" r:id="rId9"/>
-    <p:sldId id="262" r:id="rId10"/>
-    <p:sldId id="266" r:id="rId11"/>
+    <p:sldId id="266" r:id="rId10"/>
+    <p:sldId id="262" r:id="rId11"/>
   </p:sldIdLst>
   <p:sldSz cx="12192000" cy="6858000"/>
   <p:notesSz cx="6858000" cy="9144000"/>
@@ -252,7 +252,7 @@
           <a:p>
             <a:fld id="{138EF9FC-1996-498E-BB81-707C49C852FF}" type="datetimeFigureOut">
               <a:rPr lang="en-GB" smtClean="0"/>
-              <a:t>23/02/2018</a:t>
+              <a:t>24/02/2018</a:t>
             </a:fld>
             <a:endParaRPr lang="en-GB"/>
           </a:p>
@@ -422,7 +422,7 @@
           <a:p>
             <a:fld id="{138EF9FC-1996-498E-BB81-707C49C852FF}" type="datetimeFigureOut">
               <a:rPr lang="en-GB" smtClean="0"/>
-              <a:t>23/02/2018</a:t>
+              <a:t>24/02/2018</a:t>
             </a:fld>
             <a:endParaRPr lang="en-GB"/>
           </a:p>
@@ -602,7 +602,7 @@
           <a:p>
             <a:fld id="{138EF9FC-1996-498E-BB81-707C49C852FF}" type="datetimeFigureOut">
               <a:rPr lang="en-GB" smtClean="0"/>
-              <a:t>23/02/2018</a:t>
+              <a:t>24/02/2018</a:t>
             </a:fld>
             <a:endParaRPr lang="en-GB"/>
           </a:p>
@@ -772,7 +772,7 @@
           <a:p>
             <a:fld id="{138EF9FC-1996-498E-BB81-707C49C852FF}" type="datetimeFigureOut">
               <a:rPr lang="en-GB" smtClean="0"/>
-              <a:t>23/02/2018</a:t>
+              <a:t>24/02/2018</a:t>
             </a:fld>
             <a:endParaRPr lang="en-GB"/>
           </a:p>
@@ -1018,7 +1018,7 @@
           <a:p>
             <a:fld id="{138EF9FC-1996-498E-BB81-707C49C852FF}" type="datetimeFigureOut">
               <a:rPr lang="en-GB" smtClean="0"/>
-              <a:t>23/02/2018</a:t>
+              <a:t>24/02/2018</a:t>
             </a:fld>
             <a:endParaRPr lang="en-GB"/>
           </a:p>
@@ -1250,7 +1250,7 @@
           <a:p>
             <a:fld id="{138EF9FC-1996-498E-BB81-707C49C852FF}" type="datetimeFigureOut">
               <a:rPr lang="en-GB" smtClean="0"/>
-              <a:t>23/02/2018</a:t>
+              <a:t>24/02/2018</a:t>
             </a:fld>
             <a:endParaRPr lang="en-GB"/>
           </a:p>
@@ -1617,7 +1617,7 @@
           <a:p>
             <a:fld id="{138EF9FC-1996-498E-BB81-707C49C852FF}" type="datetimeFigureOut">
               <a:rPr lang="en-GB" smtClean="0"/>
-              <a:t>23/02/2018</a:t>
+              <a:t>24/02/2018</a:t>
             </a:fld>
             <a:endParaRPr lang="en-GB"/>
           </a:p>
@@ -1735,7 +1735,7 @@
           <a:p>
             <a:fld id="{138EF9FC-1996-498E-BB81-707C49C852FF}" type="datetimeFigureOut">
               <a:rPr lang="en-GB" smtClean="0"/>
-              <a:t>23/02/2018</a:t>
+              <a:t>24/02/2018</a:t>
             </a:fld>
             <a:endParaRPr lang="en-GB"/>
           </a:p>
@@ -1830,7 +1830,7 @@
           <a:p>
             <a:fld id="{138EF9FC-1996-498E-BB81-707C49C852FF}" type="datetimeFigureOut">
               <a:rPr lang="en-GB" smtClean="0"/>
-              <a:t>23/02/2018</a:t>
+              <a:t>24/02/2018</a:t>
             </a:fld>
             <a:endParaRPr lang="en-GB"/>
           </a:p>
@@ -2107,7 +2107,7 @@
           <a:p>
             <a:fld id="{138EF9FC-1996-498E-BB81-707C49C852FF}" type="datetimeFigureOut">
               <a:rPr lang="en-GB" smtClean="0"/>
-              <a:t>23/02/2018</a:t>
+              <a:t>24/02/2018</a:t>
             </a:fld>
             <a:endParaRPr lang="en-GB"/>
           </a:p>
@@ -2360,7 +2360,7 @@
           <a:p>
             <a:fld id="{138EF9FC-1996-498E-BB81-707C49C852FF}" type="datetimeFigureOut">
               <a:rPr lang="en-GB" smtClean="0"/>
-              <a:t>23/02/2018</a:t>
+              <a:t>24/02/2018</a:t>
             </a:fld>
             <a:endParaRPr lang="en-GB"/>
           </a:p>
@@ -2573,7 +2573,7 @@
           <a:p>
             <a:fld id="{138EF9FC-1996-498E-BB81-707C49C852FF}" type="datetimeFigureOut">
               <a:rPr lang="en-GB" smtClean="0"/>
-              <a:t>23/02/2018</a:t>
+              <a:t>24/02/2018</a:t>
             </a:fld>
             <a:endParaRPr lang="en-GB"/>
           </a:p>
@@ -3056,7 +3056,11 @@
             <a:pPr algn="ctr"/>
             <a:r>
               <a:rPr lang="en-US" dirty="0" smtClean="0"/>
-              <a:t>EWAS-fusion II</a:t>
+              <a:t>EWAS-fusion </a:t>
+            </a:r>
+            <a:r>
+              <a:rPr lang="en-US" dirty="0" smtClean="0"/>
+              <a:t>II</a:t>
             </a:r>
             <a:endParaRPr lang="en-GB" dirty="0"/>
           </a:p>
@@ -3075,73 +3079,83 @@
         <p:spPr/>
         <p:txBody>
           <a:bodyPr>
-            <a:normAutofit fontScale="92500" lnSpcReduction="20000"/>
+            <a:normAutofit/>
           </a:bodyPr>
           <a:lstStyle/>
           <a:p>
+            <a:pPr marL="0" indent="0">
+              <a:buNone/>
+            </a:pPr>
             <a:r>
               <a:rPr lang="en-GB" dirty="0" smtClean="0"/>
-              <a:t>A </a:t>
+              <a:t>EWAS-fusion has the following components,</a:t>
+            </a:r>
+            <a:endParaRPr lang="en-US" dirty="0" smtClean="0"/>
+          </a:p>
+          <a:p>
+            <a:endParaRPr lang="en-US" dirty="0"/>
+          </a:p>
+          <a:p>
+            <a:r>
+              <a:rPr lang="en-US" dirty="0" err="1" smtClean="0"/>
+              <a:t>get_weight.qsub</a:t>
+            </a:r>
+            <a:r>
+              <a:rPr lang="en-US" dirty="0" smtClean="0"/>
+              <a:t> </a:t>
+            </a:r>
+            <a:r>
+              <a:rPr lang="en-US" dirty="0"/>
+              <a:t>is a revised script to generate probe-specific weights </a:t>
+            </a:r>
+            <a:r>
+              <a:rPr lang="en-US" dirty="0" smtClean="0"/>
+              <a:t>and </a:t>
+            </a:r>
+            <a:r>
+              <a:rPr lang="en-US" dirty="0" smtClean="0"/>
+              <a:t>ewas-fusion.sh is the script for association analysis both via </a:t>
+            </a:r>
+            <a:r>
+              <a:rPr lang="en-US" dirty="0" err="1"/>
+              <a:t>sge</a:t>
+            </a:r>
+            <a:r>
+              <a:rPr lang="en-US" dirty="0"/>
+              <a:t>.</a:t>
+            </a:r>
+            <a:endParaRPr lang="en-GB" dirty="0"/>
+          </a:p>
+          <a:p>
+            <a:r>
+              <a:rPr lang="en-GB" dirty="0" smtClean="0"/>
+              <a:t>ewas-fusion.sh conducts association </a:t>
             </a:r>
             <a:r>
               <a:rPr lang="en-GB" dirty="0"/>
-              <a:t>total of 442,920 </a:t>
-            </a:r>
-            <a:r>
-              <a:rPr lang="en-GB" dirty="0" err="1"/>
-              <a:t>CpG</a:t>
-            </a:r>
-            <a:r>
-              <a:rPr lang="en-GB" dirty="0"/>
-              <a:t> sites based on Illumina humanmethylation450 chips on 1,146 individuals in EPIC-Norfolk study were available. Among these, 1,117 individuals also had genotype data from </a:t>
-            </a:r>
-            <a:r>
-              <a:rPr lang="en-GB" dirty="0" err="1"/>
-              <a:t>Affymetrix</a:t>
-            </a:r>
-            <a:r>
-              <a:rPr lang="en-GB" dirty="0"/>
-              <a:t> </a:t>
-            </a:r>
-            <a:r>
-              <a:rPr lang="en-GB" dirty="0" err="1"/>
-              <a:t>BioBank</a:t>
-            </a:r>
-            <a:r>
-              <a:rPr lang="en-GB" dirty="0"/>
-              <a:t> Axiom chips. </a:t>
-            </a:r>
-          </a:p>
-          <a:p>
-            <a:r>
-              <a:rPr lang="en-GB" dirty="0"/>
-              <a:t>HapMap2 SNPs from genetic data of these individuals were extracted via PLINK2 according to cis-positions of each probe and subsequently used to build weight analogous to gene expression data as implemented in computer software TWAS. </a:t>
-            </a:r>
-          </a:p>
-          <a:p>
-            <a:r>
-              <a:rPr lang="en-GB" dirty="0"/>
-              <a:t>We filtered probes according to their </a:t>
-            </a:r>
-            <a:r>
-              <a:rPr lang="en-GB" dirty="0" err="1"/>
-              <a:t>heritabilities</a:t>
-            </a:r>
-            <a:r>
-              <a:rPr lang="en-GB" dirty="0"/>
-              <a:t> estimated from software GCTA at significant level of 0.01. We then performed EWAS for given GWAS summary statistics. The weight generation and methylation imputation was implemented in software called TWAS-pipeline, which allows for whole </a:t>
-            </a:r>
-            <a:r>
-              <a:rPr lang="en-GB" dirty="0" err="1"/>
-              <a:t>epigenome</a:t>
-            </a:r>
-            <a:r>
-              <a:rPr lang="en-GB" dirty="0"/>
-              <a:t> computation</a:t>
+              <a:t>as well as joint/conditional analysis using our weights and LD panel </a:t>
             </a:r>
             <a:r>
               <a:rPr lang="en-GB" dirty="0" smtClean="0"/>
-              <a:t>.</a:t>
+              <a:t>as distributed by software FUSION.</a:t>
+            </a:r>
+          </a:p>
+          <a:p>
+            <a:r>
+              <a:rPr lang="en-US" dirty="0" err="1" smtClean="0"/>
+              <a:t>ewas-annotate.R</a:t>
+            </a:r>
+            <a:r>
+              <a:rPr lang="en-US" dirty="0" smtClean="0"/>
+              <a:t> and </a:t>
+            </a:r>
+            <a:r>
+              <a:rPr lang="en-US" dirty="0" err="1" smtClean="0"/>
+              <a:t>ewas-plot.R</a:t>
+            </a:r>
+            <a:r>
+              <a:rPr lang="en-US" dirty="0" smtClean="0"/>
+              <a:t> facilitate analysis described above.</a:t>
             </a:r>
             <a:endParaRPr lang="en-GB" dirty="0"/>
           </a:p>
@@ -3153,7 +3167,7 @@
     </p:spTree>
     <p:extLst>
       <p:ext uri="{BB962C8B-B14F-4D97-AF65-F5344CB8AC3E}">
-        <p14:creationId xmlns:p14="http://schemas.microsoft.com/office/powerpoint/2010/main" val="2782179926"/>
+        <p14:creationId xmlns:p14="http://schemas.microsoft.com/office/powerpoint/2010/main" val="1064561388"/>
       </p:ext>
     </p:extLst>
   </p:cSld>
@@ -3211,8 +3225,8 @@
           </a:p>
         </p:txBody>
       </p:sp>
-      <mc:AlternateContent xmlns:mc="http://schemas.openxmlformats.org/markup-compatibility/2006">
-        <mc:Choice xmlns:a14="http://schemas.microsoft.com/office/drawing/2010/main" Requires="a14">
+      <mc:AlternateContent xmlns:mc="http://schemas.openxmlformats.org/markup-compatibility/2006" xmlns:a14="http://schemas.microsoft.com/office/drawing/2010/main">
+        <mc:Choice Requires="a14">
           <p:sp>
             <p:nvSpPr>
               <p:cNvPr id="3" name="Content Placeholder 2"/>
@@ -3235,11 +3249,7 @@
                 </a:pPr>
                 <a:r>
                   <a:rPr lang="en-GB" dirty="0" smtClean="0"/>
-                  <a:t>Transcriptomewide</a:t>
-                </a:r>
-                <a:r>
-                  <a:rPr lang="en-GB" dirty="0" smtClean="0"/>
-                  <a:t> association statistic (</a:t>
+                  <a:t>Transcriptomewide association statistic (</a:t>
                 </a:r>
                 <a14:m>
                   <m:oMath xmlns:m="http://schemas.openxmlformats.org/officeDocument/2006/math">
@@ -3656,7 +3666,7 @@
             </p:txBody>
           </p:sp>
         </mc:Choice>
-        <mc:Fallback>
+        <mc:Fallback xmlns="">
           <p:sp>
             <p:nvSpPr>
               <p:cNvPr id="3" name="Content Placeholder 2"/>
@@ -4161,8 +4171,8 @@
           <a:p>
             <a:pPr algn="ctr"/>
             <a:r>
-              <a:rPr lang="en-US" dirty="0" smtClean="0"/>
-              <a:t>XWAS</a:t>
+              <a:rPr lang="en-US" smtClean="0"/>
+              <a:t>XWAS-fusion</a:t>
             </a:r>
             <a:endParaRPr lang="en-GB" dirty="0"/>
           </a:p>
@@ -4221,13 +4231,24 @@
           </a:p>
           <a:p>
             <a:r>
-              <a:rPr lang="en-US" smtClean="0"/>
+              <a:rPr lang="en-US" dirty="0" err="1" smtClean="0"/>
               <a:t>Proteomewide</a:t>
             </a:r>
             <a:r>
               <a:rPr lang="en-US" dirty="0" smtClean="0"/>
-              <a:t> … (PWAS)</a:t>
-            </a:r>
+              <a:t> … (PWAS</a:t>
+            </a:r>
+            <a:r>
+              <a:rPr lang="en-US" dirty="0" smtClean="0"/>
+              <a:t>)</a:t>
+            </a:r>
+          </a:p>
+          <a:p>
+            <a:r>
+              <a:rPr lang="en-US" dirty="0" smtClean="0"/>
+              <a:t>Microbiome … (MWAS)</a:t>
+            </a:r>
+            <a:endParaRPr lang="en-US" dirty="0" smtClean="0"/>
           </a:p>
           <a:p>
             <a:r>
@@ -4889,6 +4910,36 @@
           </a:p>
         </p:txBody>
       </p:sp>
+      <p:sp>
+        <p:nvSpPr>
+          <p:cNvPr id="2" name="TextBox 1"/>
+          <p:cNvSpPr txBox="1"/>
+          <p:nvPr/>
+        </p:nvSpPr>
+        <p:spPr>
+          <a:xfrm>
+            <a:off x="1459345" y="4867564"/>
+            <a:ext cx="3602205" cy="523220"/>
+          </a:xfrm>
+          <a:prstGeom prst="rect">
+            <a:avLst/>
+          </a:prstGeom>
+          <a:noFill/>
+        </p:spPr>
+        <p:txBody>
+          <a:bodyPr wrap="none" rtlCol="0">
+            <a:spAutoFit/>
+          </a:bodyPr>
+          <a:lstStyle/>
+          <a:p>
+            <a:r>
+              <a:rPr lang="en-US" sz="2800" b="1" dirty="0" smtClean="0"/>
+              <a:t>EWAS-fusion flowchart</a:t>
+            </a:r>
+            <a:endParaRPr lang="en-GB" sz="2800" b="1" dirty="0"/>
+          </a:p>
+        </p:txBody>
+      </p:sp>
     </p:spTree>
     <p:extLst>
       <p:ext uri="{BB962C8B-B14F-4D97-AF65-F5344CB8AC3E}">
@@ -4950,8 +5001,8 @@
           </a:p>
         </p:txBody>
       </p:sp>
-      <mc:AlternateContent xmlns:mc="http://schemas.openxmlformats.org/markup-compatibility/2006">
-        <mc:Choice xmlns:a14="http://schemas.microsoft.com/office/drawing/2010/main" Requires="a14">
+      <mc:AlternateContent xmlns:mc="http://schemas.openxmlformats.org/markup-compatibility/2006" xmlns:a14="http://schemas.microsoft.com/office/drawing/2010/main">
+        <mc:Choice Requires="a14">
           <p:sp>
             <p:nvSpPr>
               <p:cNvPr id="3" name="Content Placeholder 2"/>
@@ -5285,7 +5336,7 @@
             </p:txBody>
           </p:sp>
         </mc:Choice>
-        <mc:Fallback>
+        <mc:Fallback xmlns="">
           <p:sp>
             <p:nvSpPr>
               <p:cNvPr id="3" name="Content Placeholder 2"/>
@@ -5374,7 +5425,11 @@
             <a:pPr algn="ctr"/>
             <a:r>
               <a:rPr lang="en-US" dirty="0" smtClean="0"/>
-              <a:t>EWAS-fusion I</a:t>
+              <a:t>EWAS-fusion </a:t>
+            </a:r>
+            <a:r>
+              <a:rPr lang="en-US" dirty="0" smtClean="0"/>
+              <a:t>I</a:t>
             </a:r>
             <a:endParaRPr lang="en-GB" dirty="0"/>
           </a:p>
@@ -5393,75 +5448,99 @@
         <p:spPr/>
         <p:txBody>
           <a:bodyPr>
-            <a:normAutofit lnSpcReduction="10000"/>
+            <a:normAutofit fontScale="92500" lnSpcReduction="10000"/>
           </a:bodyPr>
           <a:lstStyle/>
           <a:p>
             <a:r>
+              <a:rPr lang="en-GB" dirty="0" smtClean="0"/>
+              <a:t>A </a:t>
+            </a:r>
+            <a:r>
               <a:rPr lang="en-GB" dirty="0"/>
-              <a:t>EWAS-fusion is a </a:t>
+              <a:t>total of 442,920 </a:t>
             </a:r>
             <a:r>
               <a:rPr lang="en-GB" dirty="0" err="1"/>
-              <a:t>sge</a:t>
+              <a:t>CpG</a:t>
             </a:r>
             <a:r>
               <a:rPr lang="en-GB" dirty="0"/>
-              <a:t>/parallel implementation using weights generated from Illumina </a:t>
+              <a:t> sites based on Illumina humanmethylation450 chips on 1,146 individuals in EPIC-Norfolk study were available. Among these, 1,117 individuals also had genotype data from </a:t>
             </a:r>
             <a:r>
               <a:rPr lang="en-GB" dirty="0" err="1"/>
-              <a:t>infinium</a:t>
+              <a:t>Affymetrix</a:t>
             </a:r>
             <a:r>
               <a:rPr lang="en-GB" dirty="0"/>
-              <a:t> humanmethylation450 </a:t>
+              <a:t> </a:t>
             </a:r>
             <a:r>
               <a:rPr lang="en-GB" dirty="0" err="1"/>
-              <a:t>beadchip</a:t>
+              <a:t>BioBank</a:t>
             </a:r>
             <a:r>
               <a:rPr lang="en-GB" dirty="0"/>
-              <a:t> analogous to TWAS</a:t>
-            </a:r>
+              <a:t> Axiom chips. </a:t>
+            </a:r>
+          </a:p>
+          <a:p>
+            <a:r>
+              <a:rPr lang="en-GB" dirty="0"/>
+              <a:t>HapMap2 SNPs from genetic data of these individuals were extracted via PLINK2 according to cis-positions of each probe and subsequently used to build weight analogous to gene expression data as implemented in computer software TWAS. </a:t>
+            </a:r>
+          </a:p>
+          <a:p>
             <a:r>
               <a:rPr lang="en-GB" dirty="0" smtClean="0"/>
-              <a:t>.</a:t>
-            </a:r>
-          </a:p>
-          <a:p>
-            <a:r>
-              <a:rPr lang="en-US" dirty="0" err="1"/>
-              <a:t>get_weight.qsub</a:t>
-            </a:r>
-            <a:r>
-              <a:rPr lang="en-US" dirty="0"/>
-              <a:t> is a revised script to generate probe-specific weights </a:t>
-            </a:r>
-            <a:r>
-              <a:rPr lang="en-US" dirty="0" smtClean="0"/>
-              <a:t>and ewas-fusion.sh is the script for association analysis both via </a:t>
-            </a:r>
-            <a:r>
-              <a:rPr lang="en-US" dirty="0" err="1"/>
-              <a:t>sge</a:t>
-            </a:r>
-            <a:r>
-              <a:rPr lang="en-US" dirty="0"/>
-              <a:t>.</a:t>
+              <a:t>Probes </a:t>
+            </a:r>
+            <a:r>
+              <a:rPr lang="en-GB" dirty="0" smtClean="0"/>
+              <a:t>were </a:t>
+            </a:r>
+            <a:r>
+              <a:rPr lang="en-GB" dirty="0" smtClean="0"/>
+              <a:t>filtered according </a:t>
+            </a:r>
+            <a:r>
+              <a:rPr lang="en-GB" dirty="0"/>
+              <a:t>to their </a:t>
+            </a:r>
+            <a:r>
+              <a:rPr lang="en-GB" dirty="0" err="1"/>
+              <a:t>heritabilities</a:t>
+            </a:r>
+            <a:r>
+              <a:rPr lang="en-GB" dirty="0"/>
+              <a:t> </a:t>
+            </a:r>
+            <a:r>
+              <a:rPr lang="en-GB" dirty="0" smtClean="0"/>
+              <a:t>from a revised version of GCTA with software FUSION at significant level </a:t>
+            </a:r>
+            <a:r>
+              <a:rPr lang="en-GB" dirty="0"/>
+              <a:t>of 0.01. </a:t>
+            </a:r>
+            <a:r>
+              <a:rPr lang="en-GB" dirty="0" smtClean="0"/>
+              <a:t>The </a:t>
+            </a:r>
+            <a:r>
+              <a:rPr lang="en-GB" dirty="0"/>
+              <a:t>weight generation and methylation imputation </a:t>
+            </a:r>
+            <a:r>
+              <a:rPr lang="en-GB" dirty="0" smtClean="0"/>
+              <a:t>is now part of </a:t>
+            </a:r>
+            <a:r>
+              <a:rPr lang="en-GB" dirty="0"/>
+              <a:t>EWAS-fusion. We then performed EWAS for given GWAS summary statistics. </a:t>
             </a:r>
             <a:endParaRPr lang="en-GB" dirty="0"/>
-          </a:p>
-          <a:p>
-            <a:r>
-              <a:rPr lang="en-GB" dirty="0" smtClean="0"/>
-              <a:t>Our </a:t>
-            </a:r>
-            <a:r>
-              <a:rPr lang="en-GB" dirty="0"/>
-              <a:t>reference panel for EWAS imputation contains 79,569 probes reaching the heritability p value threshold of 0.01. The association as well as joint/conditional analysis using our weights and LD panel is implemented in software called EWAS-fusion. Like the original TWAS, our implementation will enable a range of GWAS summary statistics to be used coupled with downstream analysis.</a:t>
-            </a:r>
           </a:p>
           <a:p>
             <a:endParaRPr lang="en-GB" dirty="0"/>
@@ -5471,7 +5550,7 @@
     </p:spTree>
     <p:extLst>
       <p:ext uri="{BB962C8B-B14F-4D97-AF65-F5344CB8AC3E}">
-        <p14:creationId xmlns:p14="http://schemas.microsoft.com/office/powerpoint/2010/main" val="1064561388"/>
+        <p14:creationId xmlns:p14="http://schemas.microsoft.com/office/powerpoint/2010/main" val="2782179926"/>
       </p:ext>
     </p:extLst>
   </p:cSld>

--- a/README.pptx
+++ b/README.pptx
@@ -3056,11 +3056,7 @@
             <a:pPr algn="ctr"/>
             <a:r>
               <a:rPr lang="en-US" dirty="0" smtClean="0"/>
-              <a:t>EWAS-fusion </a:t>
-            </a:r>
-            <a:r>
-              <a:rPr lang="en-US" dirty="0" smtClean="0"/>
-              <a:t>II</a:t>
+              <a:t>EWAS-fusion II</a:t>
             </a:r>
             <a:endParaRPr lang="en-GB" dirty="0"/>
           </a:p>
@@ -3110,11 +3106,7 @@
             </a:r>
             <a:r>
               <a:rPr lang="en-US" dirty="0" smtClean="0"/>
-              <a:t>and </a:t>
-            </a:r>
-            <a:r>
-              <a:rPr lang="en-US" dirty="0" smtClean="0"/>
-              <a:t>ewas-fusion.sh is the script for association analysis both via </a:t>
+              <a:t>and ewas-fusion.sh is the script for association analysis both via </a:t>
             </a:r>
             <a:r>
               <a:rPr lang="en-US" dirty="0" err="1"/>
@@ -4236,11 +4228,7 @@
             </a:r>
             <a:r>
               <a:rPr lang="en-US" dirty="0" smtClean="0"/>
-              <a:t> … (PWAS</a:t>
-            </a:r>
-            <a:r>
-              <a:rPr lang="en-US" dirty="0" smtClean="0"/>
-              <a:t>)</a:t>
+              <a:t> … (PWAS)</a:t>
             </a:r>
           </a:p>
           <a:p>
@@ -4248,7 +4236,6 @@
               <a:rPr lang="en-US" dirty="0" smtClean="0"/>
               <a:t>Microbiome … (MWAS)</a:t>
             </a:r>
-            <a:endParaRPr lang="en-US" dirty="0" smtClean="0"/>
           </a:p>
           <a:p>
             <a:r>
@@ -4896,7 +4883,11 @@
           <a:p>
             <a:r>
               <a:rPr lang="en-US" sz="2400" b="1" dirty="0" smtClean="0"/>
-              <a:t>(Bed, </a:t>
+              <a:t>(bed</a:t>
+            </a:r>
+            <a:r>
+              <a:rPr lang="en-US" sz="2400" b="1" dirty="0" smtClean="0"/>
+              <a:t>, </a:t>
             </a:r>
             <a:r>
               <a:rPr lang="en-US" sz="2400" b="1" dirty="0" err="1" smtClean="0"/>
@@ -4918,7 +4909,7 @@
         </p:nvSpPr>
         <p:spPr>
           <a:xfrm>
-            <a:off x="1459345" y="4867564"/>
+            <a:off x="4895274" y="4781966"/>
             <a:ext cx="3602205" cy="523220"/>
           </a:xfrm>
           <a:prstGeom prst="rect">
@@ -5425,11 +5416,7 @@
             <a:pPr algn="ctr"/>
             <a:r>
               <a:rPr lang="en-US" dirty="0" smtClean="0"/>
-              <a:t>EWAS-fusion </a:t>
-            </a:r>
-            <a:r>
-              <a:rPr lang="en-US" dirty="0" smtClean="0"/>
-              <a:t>I</a:t>
+              <a:t>EWAS-fusion I</a:t>
             </a:r>
             <a:endParaRPr lang="en-GB" dirty="0"/>
           </a:p>
@@ -5494,15 +5481,7 @@
           <a:p>
             <a:r>
               <a:rPr lang="en-GB" dirty="0" smtClean="0"/>
-              <a:t>Probes </a:t>
-            </a:r>
-            <a:r>
-              <a:rPr lang="en-GB" dirty="0" smtClean="0"/>
-              <a:t>were </a:t>
-            </a:r>
-            <a:r>
-              <a:rPr lang="en-GB" dirty="0" smtClean="0"/>
-              <a:t>filtered according </a:t>
+              <a:t>Probes were filtered according </a:t>
             </a:r>
             <a:r>
               <a:rPr lang="en-GB" dirty="0"/>
@@ -5540,7 +5519,6 @@
               <a:rPr lang="en-GB" dirty="0"/>
               <a:t>EWAS-fusion. We then performed EWAS for given GWAS summary statistics. </a:t>
             </a:r>
-            <a:endParaRPr lang="en-GB" dirty="0"/>
           </a:p>
           <a:p>
             <a:endParaRPr lang="en-GB" dirty="0"/>

--- a/README.pptx
+++ b/README.pptx
@@ -9,12 +9,11 @@
     <p:sldId id="258" r:id="rId3"/>
     <p:sldId id="264" r:id="rId4"/>
     <p:sldId id="261" r:id="rId5"/>
-    <p:sldId id="265" r:id="rId6"/>
-    <p:sldId id="257" r:id="rId7"/>
+    <p:sldId id="257" r:id="rId6"/>
+    <p:sldId id="259" r:id="rId7"/>
     <p:sldId id="267" r:id="rId8"/>
-    <p:sldId id="259" r:id="rId9"/>
-    <p:sldId id="266" r:id="rId10"/>
-    <p:sldId id="262" r:id="rId11"/>
+    <p:sldId id="266" r:id="rId9"/>
+    <p:sldId id="262" r:id="rId10"/>
   </p:sldIdLst>
   <p:sldSz cx="12192000" cy="6858000"/>
   <p:notesSz cx="6858000" cy="9144000"/>
@@ -3021,161 +3020,6 @@
 </p:sld>
 </file>
 
-<file path=ppt/slides/slide10.xml><?xml version="1.0" encoding="utf-8"?>
-<p:sld xmlns:a="http://schemas.openxmlformats.org/drawingml/2006/main" xmlns:r="http://schemas.openxmlformats.org/officeDocument/2006/relationships" xmlns:p="http://schemas.openxmlformats.org/presentationml/2006/main">
-  <p:cSld>
-    <p:spTree>
-      <p:nvGrpSpPr>
-        <p:cNvPr id="1" name=""/>
-        <p:cNvGrpSpPr/>
-        <p:nvPr/>
-      </p:nvGrpSpPr>
-      <p:grpSpPr>
-        <a:xfrm>
-          <a:off x="0" y="0"/>
-          <a:ext cx="0" cy="0"/>
-          <a:chOff x="0" y="0"/>
-          <a:chExt cx="0" cy="0"/>
-        </a:xfrm>
-      </p:grpSpPr>
-      <p:sp>
-        <p:nvSpPr>
-          <p:cNvPr id="2" name="Title 1"/>
-          <p:cNvSpPr>
-            <a:spLocks noGrp="1"/>
-          </p:cNvSpPr>
-          <p:nvPr>
-            <p:ph type="title"/>
-          </p:nvPr>
-        </p:nvSpPr>
-        <p:spPr/>
-        <p:txBody>
-          <a:bodyPr/>
-          <a:lstStyle/>
-          <a:p>
-            <a:pPr algn="ctr"/>
-            <a:r>
-              <a:rPr lang="en-US" dirty="0" smtClean="0"/>
-              <a:t>EWAS-fusion II</a:t>
-            </a:r>
-            <a:endParaRPr lang="en-GB" dirty="0"/>
-          </a:p>
-        </p:txBody>
-      </p:sp>
-      <p:sp>
-        <p:nvSpPr>
-          <p:cNvPr id="3" name="Content Placeholder 2"/>
-          <p:cNvSpPr>
-            <a:spLocks noGrp="1"/>
-          </p:cNvSpPr>
-          <p:nvPr>
-            <p:ph idx="1"/>
-          </p:nvPr>
-        </p:nvSpPr>
-        <p:spPr/>
-        <p:txBody>
-          <a:bodyPr>
-            <a:normAutofit/>
-          </a:bodyPr>
-          <a:lstStyle/>
-          <a:p>
-            <a:pPr marL="0" indent="0">
-              <a:buNone/>
-            </a:pPr>
-            <a:r>
-              <a:rPr lang="en-GB" dirty="0" smtClean="0"/>
-              <a:t>EWAS-fusion has the following components,</a:t>
-            </a:r>
-            <a:endParaRPr lang="en-US" dirty="0" smtClean="0"/>
-          </a:p>
-          <a:p>
-            <a:endParaRPr lang="en-US" dirty="0"/>
-          </a:p>
-          <a:p>
-            <a:r>
-              <a:rPr lang="en-US" dirty="0" err="1" smtClean="0"/>
-              <a:t>get_weight.qsub</a:t>
-            </a:r>
-            <a:r>
-              <a:rPr lang="en-US" dirty="0" smtClean="0"/>
-              <a:t> </a:t>
-            </a:r>
-            <a:r>
-              <a:rPr lang="en-US" dirty="0"/>
-              <a:t>is a revised script to generate probe-specific weights </a:t>
-            </a:r>
-            <a:r>
-              <a:rPr lang="en-US" dirty="0" smtClean="0"/>
-              <a:t>and ewas-fusion.sh is the script for association analysis both via </a:t>
-            </a:r>
-            <a:r>
-              <a:rPr lang="en-US" dirty="0" err="1"/>
-              <a:t>sge</a:t>
-            </a:r>
-            <a:r>
-              <a:rPr lang="en-US" dirty="0"/>
-              <a:t>.</a:t>
-            </a:r>
-            <a:endParaRPr lang="en-GB" dirty="0"/>
-          </a:p>
-          <a:p>
-            <a:r>
-              <a:rPr lang="en-GB" dirty="0" smtClean="0"/>
-              <a:t>ewas-fusion.sh conducts association </a:t>
-            </a:r>
-            <a:r>
-              <a:rPr lang="en-GB" dirty="0"/>
-              <a:t>as well as joint/conditional analysis using our weights and LD panel </a:t>
-            </a:r>
-            <a:r>
-              <a:rPr lang="en-GB" dirty="0" smtClean="0"/>
-              <a:t>as distributed by software FUSION.</a:t>
-            </a:r>
-          </a:p>
-          <a:p>
-            <a:r>
-              <a:rPr lang="en-US" dirty="0" err="1" smtClean="0"/>
-              <a:t>ewas-annotate.R</a:t>
-            </a:r>
-            <a:r>
-              <a:rPr lang="en-US" dirty="0" smtClean="0"/>
-              <a:t> and </a:t>
-            </a:r>
-            <a:r>
-              <a:rPr lang="en-US" dirty="0" err="1" smtClean="0"/>
-              <a:t>ewas-plot.R</a:t>
-            </a:r>
-            <a:r>
-              <a:rPr lang="en-US" dirty="0" smtClean="0"/>
-              <a:t> facilitate analysis described above.</a:t>
-            </a:r>
-            <a:endParaRPr lang="en-GB" dirty="0"/>
-          </a:p>
-          <a:p>
-            <a:endParaRPr lang="en-GB" dirty="0"/>
-          </a:p>
-        </p:txBody>
-      </p:sp>
-    </p:spTree>
-    <p:extLst>
-      <p:ext uri="{BB962C8B-B14F-4D97-AF65-F5344CB8AC3E}">
-        <p14:creationId xmlns:p14="http://schemas.microsoft.com/office/powerpoint/2010/main" val="1064561388"/>
-      </p:ext>
-    </p:extLst>
-  </p:cSld>
-  <p:clrMapOvr>
-    <a:masterClrMapping/>
-  </p:clrMapOvr>
-  <p:timing>
-    <p:tnLst>
-      <p:par>
-        <p:cTn id="1" dur="indefinite" restart="never" nodeType="tmRoot"/>
-      </p:par>
-    </p:tnLst>
-  </p:timing>
-</p:sld>
-</file>
-
 <file path=ppt/slides/slide2.xml><?xml version="1.0" encoding="utf-8"?>
 <p:sld xmlns:a="http://schemas.openxmlformats.org/drawingml/2006/main" xmlns:r="http://schemas.openxmlformats.org/officeDocument/2006/relationships" xmlns:p="http://schemas.openxmlformats.org/presentationml/2006/main">
   <p:cSld>
@@ -3217,8 +3061,8 @@
           </a:p>
         </p:txBody>
       </p:sp>
-      <mc:AlternateContent xmlns:mc="http://schemas.openxmlformats.org/markup-compatibility/2006" xmlns:a14="http://schemas.microsoft.com/office/drawing/2010/main">
-        <mc:Choice Requires="a14">
+      <mc:AlternateContent xmlns:mc="http://schemas.openxmlformats.org/markup-compatibility/2006">
+        <mc:Choice xmlns:a14="http://schemas.microsoft.com/office/drawing/2010/main" Requires="a14">
           <p:sp>
             <p:nvSpPr>
               <p:cNvPr id="3" name="Content Placeholder 2"/>
@@ -3232,7 +3076,7 @@
             <p:spPr/>
             <p:txBody>
               <a:bodyPr>
-                <a:normAutofit lnSpcReduction="10000"/>
+                <a:normAutofit fontScale="92500" lnSpcReduction="20000"/>
               </a:bodyPr>
               <a:lstStyle/>
               <a:p>
@@ -3286,18 +3130,6 @@
                   <a:rPr lang="en-GB" dirty="0"/>
                   <a:t>. </a:t>
                 </a:r>
-                <a:endParaRPr lang="en-GB" dirty="0" smtClean="0"/>
-              </a:p>
-              <a:p>
-                <a:pPr marL="0" indent="0">
-                  <a:buNone/>
-                </a:pPr>
-                <a:endParaRPr lang="en-GB" dirty="0" smtClean="0"/>
-              </a:p>
-              <a:p>
-                <a:pPr marL="0" indent="0">
-                  <a:buNone/>
-                </a:pPr>
                 <a:r>
                   <a:rPr lang="en-GB" dirty="0" smtClean="0"/>
                   <a:t>For </a:t>
@@ -3359,194 +3191,213 @@
                   <a:rPr lang="en-GB" dirty="0"/>
                   <a:t> is available, the corresponding Wald statistic for TWAS is defined such that</a:t>
                 </a:r>
+                <a:endParaRPr lang="en-US" i="1" dirty="0" smtClean="0">
+                  <a:latin typeface="Cambria Math" panose="02040503050406030204" pitchFamily="18" charset="0"/>
+                </a:endParaRPr>
+              </a:p>
+              <a:p>
+                <a:pPr marL="0" indent="0">
+                  <a:buNone/>
+                </a:pPr>
                 <a14:m>
-                  <m:oMath xmlns:m="http://schemas.openxmlformats.org/officeDocument/2006/math">
-                    <m:r>
-                      <a:rPr lang="en-GB" i="1">
-                        <a:latin typeface="Cambria Math" panose="02040503050406030204" pitchFamily="18" charset="0"/>
-                      </a:rPr>
-                      <m:t> </m:t>
-                    </m:r>
-                    <m:sSub>
-                      <m:sSubPr>
-                        <m:ctrlPr>
-                          <a:rPr lang="en-GB" i="1">
-                            <a:latin typeface="Cambria Math" panose="02040503050406030204" pitchFamily="18" charset="0"/>
-                          </a:rPr>
-                        </m:ctrlPr>
-                      </m:sSubPr>
-                      <m:e>
-                        <m:r>
-                          <a:rPr lang="en-GB" i="1">
-                            <a:latin typeface="Cambria Math" panose="02040503050406030204" pitchFamily="18" charset="0"/>
-                          </a:rPr>
-                          <m:t>𝑧</m:t>
-                        </m:r>
-                      </m:e>
-                      <m:sub>
-                        <m:r>
-                          <a:rPr lang="en-GB" i="1">
-                            <a:latin typeface="Cambria Math" panose="02040503050406030204" pitchFamily="18" charset="0"/>
-                          </a:rPr>
-                          <m:t>𝑇𝑊𝐴𝑆</m:t>
-                        </m:r>
-                      </m:sub>
-                    </m:sSub>
-                    <m:r>
-                      <a:rPr lang="en-GB">
-                        <a:latin typeface="Cambria Math" panose="02040503050406030204" pitchFamily="18" charset="0"/>
-                      </a:rPr>
-                      <m:t>=</m:t>
-                    </m:r>
-                    <m:f>
-                      <m:fPr>
-                        <m:ctrlPr>
-                          <a:rPr lang="en-GB" i="1">
-                            <a:latin typeface="Cambria Math" panose="02040503050406030204" pitchFamily="18" charset="0"/>
-                          </a:rPr>
-                        </m:ctrlPr>
-                      </m:fPr>
-                      <m:num>
-                        <m:sSub>
-                          <m:sSubPr>
-                            <m:ctrlPr>
-                              <a:rPr lang="en-GB" i="1">
-                                <a:latin typeface="Cambria Math" panose="02040503050406030204" pitchFamily="18" charset="0"/>
-                              </a:rPr>
-                            </m:ctrlPr>
-                          </m:sSubPr>
-                          <m:e>
-                            <m:r>
-                              <a:rPr lang="en-GB" i="1">
-                                <a:latin typeface="Cambria Math" panose="02040503050406030204" pitchFamily="18" charset="0"/>
-                              </a:rPr>
-                              <m:t>𝑤</m:t>
-                            </m:r>
-                            <m:r>
-                              <a:rPr lang="en-GB" i="1">
-                                <a:latin typeface="Cambria Math" panose="02040503050406030204" pitchFamily="18" charset="0"/>
-                              </a:rPr>
-                              <m:t>′</m:t>
-                            </m:r>
-                          </m:e>
-                          <m:sub>
-                            <m:r>
-                              <a:rPr lang="en-GB" i="1">
-                                <a:latin typeface="Cambria Math" panose="02040503050406030204" pitchFamily="18" charset="0"/>
-                              </a:rPr>
-                              <m:t>𝑔𝑒</m:t>
-                            </m:r>
-                          </m:sub>
-                        </m:sSub>
-                        <m:sSub>
-                          <m:sSubPr>
-                            <m:ctrlPr>
-                              <a:rPr lang="en-GB" i="1">
-                                <a:latin typeface="Cambria Math" panose="02040503050406030204" pitchFamily="18" charset="0"/>
-                              </a:rPr>
-                            </m:ctrlPr>
-                          </m:sSubPr>
-                          <m:e>
-                            <m:r>
-                              <a:rPr lang="en-GB" i="1">
-                                <a:latin typeface="Cambria Math" panose="02040503050406030204" pitchFamily="18" charset="0"/>
-                              </a:rPr>
-                              <m:t>𝑧</m:t>
-                            </m:r>
-                          </m:e>
-                          <m:sub>
-                            <m:r>
-                              <a:rPr lang="en-GB" i="1">
-                                <a:latin typeface="Cambria Math" panose="02040503050406030204" pitchFamily="18" charset="0"/>
-                              </a:rPr>
-                              <m:t>𝑇</m:t>
-                            </m:r>
-                          </m:sub>
-                        </m:sSub>
-                      </m:num>
-                      <m:den>
-                        <m:rad>
-                          <m:radPr>
-                            <m:degHide m:val="on"/>
-                            <m:ctrlPr>
-                              <a:rPr lang="en-GB" i="1">
-                                <a:latin typeface="Cambria Math" panose="02040503050406030204" pitchFamily="18" charset="0"/>
-                              </a:rPr>
-                            </m:ctrlPr>
-                          </m:radPr>
-                          <m:deg/>
-                          <m:e>
-                            <m:sSub>
-                              <m:sSubPr>
-                                <m:ctrlPr>
-                                  <a:rPr lang="en-GB" i="1">
-                                    <a:latin typeface="Cambria Math" panose="02040503050406030204" pitchFamily="18" charset="0"/>
-                                  </a:rPr>
-                                </m:ctrlPr>
-                              </m:sSubPr>
-                              <m:e>
-                                <m:r>
-                                  <a:rPr lang="en-GB" i="1">
-                                    <a:latin typeface="Cambria Math" panose="02040503050406030204" pitchFamily="18" charset="0"/>
-                                  </a:rPr>
-                                  <m:t>𝑤</m:t>
-                                </m:r>
-                                <m:r>
-                                  <a:rPr lang="en-GB" i="1">
-                                    <a:latin typeface="Cambria Math" panose="02040503050406030204" pitchFamily="18" charset="0"/>
-                                  </a:rPr>
-                                  <m:t>′</m:t>
-                                </m:r>
-                              </m:e>
-                              <m:sub>
-                                <m:r>
-                                  <a:rPr lang="en-GB" i="1">
-                                    <a:latin typeface="Cambria Math" panose="02040503050406030204" pitchFamily="18" charset="0"/>
-                                  </a:rPr>
-                                  <m:t>𝑔𝑒</m:t>
-                                </m:r>
-                              </m:sub>
-                            </m:sSub>
-                            <m:r>
-                              <a:rPr lang="en-GB" i="1">
-                                <a:latin typeface="Cambria Math" panose="02040503050406030204" pitchFamily="18" charset="0"/>
-                              </a:rPr>
-                              <m:t>𝑉</m:t>
-                            </m:r>
-                            <m:sSub>
-                              <m:sSubPr>
-                                <m:ctrlPr>
-                                  <a:rPr lang="en-GB" i="1">
-                                    <a:latin typeface="Cambria Math" panose="02040503050406030204" pitchFamily="18" charset="0"/>
-                                  </a:rPr>
-                                </m:ctrlPr>
-                              </m:sSubPr>
-                              <m:e>
-                                <m:r>
-                                  <a:rPr lang="en-GB" i="1">
-                                    <a:latin typeface="Cambria Math" panose="02040503050406030204" pitchFamily="18" charset="0"/>
-                                  </a:rPr>
-                                  <m:t>𝑤</m:t>
-                                </m:r>
-                              </m:e>
-                              <m:sub>
-                                <m:r>
-                                  <a:rPr lang="en-GB" i="1">
-                                    <a:latin typeface="Cambria Math" panose="02040503050406030204" pitchFamily="18" charset="0"/>
-                                  </a:rPr>
-                                  <m:t>𝑔𝑒</m:t>
-                                </m:r>
-                              </m:sub>
-                            </m:sSub>
-                          </m:e>
-                        </m:rad>
-                      </m:den>
-                    </m:f>
-                  </m:oMath>
+                  <m:oMathPara xmlns:m="http://schemas.openxmlformats.org/officeDocument/2006/math">
+                    <m:oMathParaPr>
+                      <m:jc m:val="centerGroup"/>
+                    </m:oMathParaPr>
+                    <m:oMath xmlns:m="http://schemas.openxmlformats.org/officeDocument/2006/math">
+                      <m:r>
+                        <a:rPr lang="en-GB" i="1">
+                          <a:latin typeface="Cambria Math" panose="02040503050406030204" pitchFamily="18" charset="0"/>
+                        </a:rPr>
+                        <m:t> </m:t>
+                      </m:r>
+                      <m:sSub>
+                        <m:sSubPr>
+                          <m:ctrlPr>
+                            <a:rPr lang="en-GB" i="1">
+                              <a:latin typeface="Cambria Math" panose="02040503050406030204" pitchFamily="18" charset="0"/>
+                            </a:rPr>
+                          </m:ctrlPr>
+                        </m:sSubPr>
+                        <m:e>
+                          <m:r>
+                            <a:rPr lang="en-GB" i="1">
+                              <a:latin typeface="Cambria Math" panose="02040503050406030204" pitchFamily="18" charset="0"/>
+                            </a:rPr>
+                            <m:t>𝑧</m:t>
+                          </m:r>
+                        </m:e>
+                        <m:sub>
+                          <m:r>
+                            <a:rPr lang="en-GB" i="1">
+                              <a:latin typeface="Cambria Math" panose="02040503050406030204" pitchFamily="18" charset="0"/>
+                            </a:rPr>
+                            <m:t>𝑇𝑊𝐴𝑆</m:t>
+                          </m:r>
+                        </m:sub>
+                      </m:sSub>
+                      <m:r>
+                        <a:rPr lang="en-GB">
+                          <a:latin typeface="Cambria Math" panose="02040503050406030204" pitchFamily="18" charset="0"/>
+                        </a:rPr>
+                        <m:t>=</m:t>
+                      </m:r>
+                      <m:f>
+                        <m:fPr>
+                          <m:ctrlPr>
+                            <a:rPr lang="en-GB" i="1">
+                              <a:latin typeface="Cambria Math" panose="02040503050406030204" pitchFamily="18" charset="0"/>
+                            </a:rPr>
+                          </m:ctrlPr>
+                        </m:fPr>
+                        <m:num>
+                          <m:sSub>
+                            <m:sSubPr>
+                              <m:ctrlPr>
+                                <a:rPr lang="en-GB" i="1">
+                                  <a:latin typeface="Cambria Math" panose="02040503050406030204" pitchFamily="18" charset="0"/>
+                                </a:rPr>
+                              </m:ctrlPr>
+                            </m:sSubPr>
+                            <m:e>
+                              <m:r>
+                                <a:rPr lang="en-GB" i="1">
+                                  <a:latin typeface="Cambria Math" panose="02040503050406030204" pitchFamily="18" charset="0"/>
+                                </a:rPr>
+                                <m:t>𝑤</m:t>
+                              </m:r>
+                              <m:r>
+                                <a:rPr lang="en-GB" i="1">
+                                  <a:latin typeface="Cambria Math" panose="02040503050406030204" pitchFamily="18" charset="0"/>
+                                </a:rPr>
+                                <m:t>′</m:t>
+                              </m:r>
+                            </m:e>
+                            <m:sub>
+                              <m:r>
+                                <a:rPr lang="en-GB" i="1">
+                                  <a:latin typeface="Cambria Math" panose="02040503050406030204" pitchFamily="18" charset="0"/>
+                                </a:rPr>
+                                <m:t>𝑔𝑒</m:t>
+                              </m:r>
+                            </m:sub>
+                          </m:sSub>
+                          <m:sSub>
+                            <m:sSubPr>
+                              <m:ctrlPr>
+                                <a:rPr lang="en-GB" i="1">
+                                  <a:latin typeface="Cambria Math" panose="02040503050406030204" pitchFamily="18" charset="0"/>
+                                </a:rPr>
+                              </m:ctrlPr>
+                            </m:sSubPr>
+                            <m:e>
+                              <m:r>
+                                <a:rPr lang="en-GB" i="1">
+                                  <a:latin typeface="Cambria Math" panose="02040503050406030204" pitchFamily="18" charset="0"/>
+                                </a:rPr>
+                                <m:t>𝑧</m:t>
+                              </m:r>
+                            </m:e>
+                            <m:sub>
+                              <m:r>
+                                <a:rPr lang="en-GB" i="1">
+                                  <a:latin typeface="Cambria Math" panose="02040503050406030204" pitchFamily="18" charset="0"/>
+                                </a:rPr>
+                                <m:t>𝑇</m:t>
+                              </m:r>
+                            </m:sub>
+                          </m:sSub>
+                        </m:num>
+                        <m:den>
+                          <m:rad>
+                            <m:radPr>
+                              <m:degHide m:val="on"/>
+                              <m:ctrlPr>
+                                <a:rPr lang="en-GB" i="1">
+                                  <a:latin typeface="Cambria Math" panose="02040503050406030204" pitchFamily="18" charset="0"/>
+                                </a:rPr>
+                              </m:ctrlPr>
+                            </m:radPr>
+                            <m:deg/>
+                            <m:e>
+                              <m:sSub>
+                                <m:sSubPr>
+                                  <m:ctrlPr>
+                                    <a:rPr lang="en-GB" i="1">
+                                      <a:latin typeface="Cambria Math" panose="02040503050406030204" pitchFamily="18" charset="0"/>
+                                    </a:rPr>
+                                  </m:ctrlPr>
+                                </m:sSubPr>
+                                <m:e>
+                                  <m:r>
+                                    <a:rPr lang="en-GB" i="1">
+                                      <a:latin typeface="Cambria Math" panose="02040503050406030204" pitchFamily="18" charset="0"/>
+                                    </a:rPr>
+                                    <m:t>𝑤</m:t>
+                                  </m:r>
+                                  <m:r>
+                                    <a:rPr lang="en-GB" i="1">
+                                      <a:latin typeface="Cambria Math" panose="02040503050406030204" pitchFamily="18" charset="0"/>
+                                    </a:rPr>
+                                    <m:t>′</m:t>
+                                  </m:r>
+                                </m:e>
+                                <m:sub>
+                                  <m:r>
+                                    <a:rPr lang="en-GB" i="1">
+                                      <a:latin typeface="Cambria Math" panose="02040503050406030204" pitchFamily="18" charset="0"/>
+                                    </a:rPr>
+                                    <m:t>𝑔𝑒</m:t>
+                                  </m:r>
+                                </m:sub>
+                              </m:sSub>
+                              <m:r>
+                                <a:rPr lang="en-GB" i="1">
+                                  <a:latin typeface="Cambria Math" panose="02040503050406030204" pitchFamily="18" charset="0"/>
+                                </a:rPr>
+                                <m:t>𝑉</m:t>
+                              </m:r>
+                              <m:sSub>
+                                <m:sSubPr>
+                                  <m:ctrlPr>
+                                    <a:rPr lang="en-GB" i="1">
+                                      <a:latin typeface="Cambria Math" panose="02040503050406030204" pitchFamily="18" charset="0"/>
+                                    </a:rPr>
+                                  </m:ctrlPr>
+                                </m:sSubPr>
+                                <m:e>
+                                  <m:r>
+                                    <a:rPr lang="en-GB" i="1">
+                                      <a:latin typeface="Cambria Math" panose="02040503050406030204" pitchFamily="18" charset="0"/>
+                                    </a:rPr>
+                                    <m:t>𝑤</m:t>
+                                  </m:r>
+                                </m:e>
+                                <m:sub>
+                                  <m:r>
+                                    <a:rPr lang="en-GB" i="1">
+                                      <a:latin typeface="Cambria Math" panose="02040503050406030204" pitchFamily="18" charset="0"/>
+                                    </a:rPr>
+                                    <m:t>𝑔𝑒</m:t>
+                                  </m:r>
+                                </m:sub>
+                              </m:sSub>
+                            </m:e>
+                          </m:rad>
+                        </m:den>
+                      </m:f>
+                    </m:oMath>
+                  </m:oMathPara>
                 </a14:m>
+                <a:endParaRPr lang="en-US" dirty="0" smtClean="0"/>
+              </a:p>
+              <a:p>
+                <a:pPr marL="0" indent="0">
+                  <a:buNone/>
+                </a:pPr>
                 <a:r>
-                  <a:rPr lang="en-GB" dirty="0"/>
-                  <a:t>, where </a:t>
+                  <a:rPr lang="en-GB" dirty="0" smtClean="0"/>
+                  <a:t>where </a:t>
                 </a:r>
                 <a14:m>
                   <m:oMath xmlns:m="http://schemas.openxmlformats.org/officeDocument/2006/math">
@@ -3658,7 +3509,7 @@
             </p:txBody>
           </p:sp>
         </mc:Choice>
-        <mc:Fallback xmlns="">
+        <mc:Fallback>
           <p:sp>
             <p:nvSpPr>
               <p:cNvPr id="3" name="Content Placeholder 2"/>
@@ -3673,7 +3524,7 @@
               <a:blipFill>
                 <a:blip r:embed="rId2"/>
                 <a:stretch>
-                  <a:fillRect l="-1217" t="-3081" b="-1681"/>
+                  <a:fillRect l="-1043" t="-3501" r="-1043"/>
                 </a:stretch>
               </a:blipFill>
             </p:spPr>
@@ -3776,13 +3627,23 @@
             </a:r>
             <a:r>
               <a:rPr lang="en-GB" dirty="0"/>
-              <a:t>Summary-based Imputation (FUSION)</a:t>
-            </a:r>
-          </a:p>
-          <a:p>
+              <a:t>Summary-based Imputation (</a:t>
+            </a:r>
             <a:r>
               <a:rPr lang="en-GB" dirty="0" smtClean="0"/>
-              <a:t>It is </a:t>
+              <a:t>FUSION) </a:t>
+            </a:r>
+            <a:r>
+              <a:rPr lang="en-GB" dirty="0" smtClean="0"/>
+              <a:t>and </a:t>
+            </a:r>
+            <a:r>
+              <a:rPr lang="en-GB" dirty="0" smtClean="0"/>
+              <a:t> </a:t>
+            </a:r>
+            <a:r>
+              <a:rPr lang="en-GB" dirty="0" smtClean="0"/>
+              <a:t>is </a:t>
             </a:r>
             <a:r>
               <a:rPr lang="en-GB" dirty="0"/>
@@ -3932,31 +3793,19 @@
             </a:r>
             <a:r>
               <a:rPr lang="en-GB" sz="2300" dirty="0"/>
-              <a:t>integrates heritability estimation and covariate adjustment for whole-chromosomes with additional </a:t>
-            </a:r>
-            <a:r>
-              <a:rPr lang="en-GB" sz="2300"/>
-              <a:t>models </a:t>
-            </a:r>
-            <a:r>
-              <a:rPr lang="en-GB" sz="2300" smtClean="0"/>
+              <a:t>integrates heritability estimation and covariate adjustment for whole-chromosomes with additional models </a:t>
+            </a:r>
+            <a:r>
+              <a:rPr lang="en-GB" sz="2300" dirty="0" smtClean="0"/>
               <a:t>LASSO</a:t>
             </a:r>
             <a:r>
               <a:rPr lang="en-GB" sz="2300" dirty="0"/>
-              <a:t>, elastic net</a:t>
-            </a:r>
-            <a:r>
-              <a:rPr lang="en-GB" sz="2300"/>
-              <a:t>, </a:t>
-            </a:r>
-            <a:r>
-              <a:rPr lang="en-GB" sz="2300" smtClean="0"/>
-              <a:t>BLUP and BSLMM.  </a:t>
+              <a:t>, elastic net, </a:t>
             </a:r>
             <a:r>
               <a:rPr lang="en-GB" sz="2300" dirty="0" smtClean="0"/>
-              <a:t>2. It </a:t>
+              <a:t>BLUP and BSLMM.  2. It </a:t>
             </a:r>
             <a:r>
               <a:rPr lang="en-GB" sz="2300" dirty="0"/>
@@ -4063,56 +3912,93 @@
           <a:p>
             <a:pPr algn="ctr"/>
             <a:r>
+              <a:rPr lang="en-US" smtClean="0"/>
+              <a:t>XWAS-fusion</a:t>
+            </a:r>
+            <a:endParaRPr lang="en-GB" dirty="0"/>
+          </a:p>
+        </p:txBody>
+      </p:sp>
+      <p:sp>
+        <p:nvSpPr>
+          <p:cNvPr id="3" name="Content Placeholder 2"/>
+          <p:cNvSpPr>
+            <a:spLocks noGrp="1"/>
+          </p:cNvSpPr>
+          <p:nvPr>
+            <p:ph idx="1"/>
+          </p:nvPr>
+        </p:nvSpPr>
+        <p:spPr/>
+        <p:txBody>
+          <a:bodyPr/>
+          <a:lstStyle/>
+          <a:p>
+            <a:r>
+              <a:rPr lang="en-US" dirty="0" err="1" smtClean="0"/>
+              <a:t>Transcriptomewide</a:t>
+            </a:r>
+            <a:r>
               <a:rPr lang="en-US" dirty="0" smtClean="0"/>
-              <a:t>TWAS-Pipeline</a:t>
-            </a:r>
-            <a:endParaRPr lang="en-GB" dirty="0"/>
-          </a:p>
-        </p:txBody>
-      </p:sp>
-      <p:sp>
-        <p:nvSpPr>
-          <p:cNvPr id="3" name="Content Placeholder 2"/>
-          <p:cNvSpPr>
-            <a:spLocks noGrp="1"/>
-          </p:cNvSpPr>
-          <p:nvPr>
-            <p:ph idx="1"/>
-          </p:nvPr>
-        </p:nvSpPr>
-        <p:spPr/>
-        <p:txBody>
-          <a:bodyPr/>
-          <a:lstStyle/>
-          <a:p>
+              <a:t> association studies (TWAS)</a:t>
+            </a:r>
+            <a:endParaRPr lang="en-GB" dirty="0" smtClean="0"/>
+          </a:p>
+          <a:p>
+            <a:r>
+              <a:rPr lang="en-GB" dirty="0" err="1" smtClean="0"/>
+              <a:t>Epigenomewide</a:t>
+            </a:r>
             <a:r>
               <a:rPr lang="en-GB" dirty="0" smtClean="0"/>
-              <a:t>twas.sh</a:t>
+              <a:t> </a:t>
             </a:r>
             <a:r>
               <a:rPr lang="en-GB" dirty="0"/>
-              <a:t>, twas-single.sh uses weights in the original paper in three populations, while gtex.* covers those for 53 tissues</a:t>
+              <a:t>association </a:t>
             </a:r>
             <a:r>
               <a:rPr lang="en-GB" dirty="0" smtClean="0"/>
-              <a:t>.</a:t>
-            </a:r>
-          </a:p>
-          <a:p>
+              <a:t>(</a:t>
+            </a:r>
             <a:r>
               <a:rPr lang="en-GB" dirty="0"/>
-              <a:t>ge-fusion.* sets up TWAS using FUSION models for five expression weights, whereas gtex-fusion.* conducts FUSION analysis for all 43 tissues.</a:t>
-            </a:r>
-          </a:p>
-          <a:p>
-            <a:endParaRPr lang="en-GB" dirty="0"/>
+              <a:t>EWAS</a:t>
+            </a:r>
+            <a:r>
+              <a:rPr lang="en-GB" dirty="0" smtClean="0"/>
+              <a:t>)</a:t>
+            </a:r>
+          </a:p>
+          <a:p>
+            <a:r>
+              <a:rPr lang="en-US" dirty="0" err="1" smtClean="0"/>
+              <a:t>Proteomewide</a:t>
+            </a:r>
+            <a:r>
+              <a:rPr lang="en-US" dirty="0" smtClean="0"/>
+              <a:t> … (PWAS)</a:t>
+            </a:r>
+          </a:p>
+          <a:p>
+            <a:r>
+              <a:rPr lang="en-US" dirty="0" smtClean="0"/>
+              <a:t>Microbiome … (MWAS)</a:t>
+            </a:r>
+          </a:p>
+          <a:p>
+            <a:r>
+              <a:rPr lang="en-US" dirty="0" smtClean="0"/>
+              <a:t>…</a:t>
+            </a:r>
+            <a:endParaRPr lang="en-GB" dirty="0" smtClean="0"/>
           </a:p>
         </p:txBody>
       </p:sp>
     </p:spTree>
     <p:extLst>
       <p:ext uri="{BB962C8B-B14F-4D97-AF65-F5344CB8AC3E}">
-        <p14:creationId xmlns:p14="http://schemas.microsoft.com/office/powerpoint/2010/main" val="4199534110"/>
+        <p14:creationId xmlns:p14="http://schemas.microsoft.com/office/powerpoint/2010/main" val="3010612123"/>
       </p:ext>
     </p:extLst>
   </p:cSld>
@@ -4163,93 +4049,388 @@
           <a:p>
             <a:pPr algn="ctr"/>
             <a:r>
-              <a:rPr lang="en-US" smtClean="0"/>
-              <a:t>XWAS-fusion</a:t>
+              <a:rPr lang="en-US" dirty="0" smtClean="0"/>
+              <a:t>EWAS</a:t>
             </a:r>
             <a:endParaRPr lang="en-GB" dirty="0"/>
           </a:p>
         </p:txBody>
       </p:sp>
-      <p:sp>
-        <p:nvSpPr>
-          <p:cNvPr id="3" name="Content Placeholder 2"/>
-          <p:cNvSpPr>
-            <a:spLocks noGrp="1"/>
-          </p:cNvSpPr>
-          <p:nvPr>
-            <p:ph idx="1"/>
-          </p:nvPr>
-        </p:nvSpPr>
-        <p:spPr/>
-        <p:txBody>
-          <a:bodyPr/>
-          <a:lstStyle/>
-          <a:p>
-            <a:r>
-              <a:rPr lang="en-US" dirty="0" err="1" smtClean="0"/>
-              <a:t>Transcriptomewide</a:t>
-            </a:r>
-            <a:r>
-              <a:rPr lang="en-US" dirty="0" smtClean="0"/>
-              <a:t> association studies (TWAS)</a:t>
-            </a:r>
-            <a:endParaRPr lang="en-GB" dirty="0" smtClean="0"/>
-          </a:p>
-          <a:p>
-            <a:r>
-              <a:rPr lang="en-GB" dirty="0" err="1" smtClean="0"/>
-              <a:t>Epigenomewide</a:t>
-            </a:r>
-            <a:r>
-              <a:rPr lang="en-GB" dirty="0" smtClean="0"/>
-              <a:t> </a:t>
-            </a:r>
-            <a:r>
-              <a:rPr lang="en-GB" dirty="0"/>
-              <a:t>association </a:t>
-            </a:r>
-            <a:r>
-              <a:rPr lang="en-GB" dirty="0" smtClean="0"/>
-              <a:t>(</a:t>
-            </a:r>
-            <a:r>
-              <a:rPr lang="en-GB" dirty="0"/>
-              <a:t>EWAS</a:t>
-            </a:r>
-            <a:r>
-              <a:rPr lang="en-GB" dirty="0" smtClean="0"/>
-              <a:t>)</a:t>
-            </a:r>
-          </a:p>
-          <a:p>
-            <a:r>
-              <a:rPr lang="en-US" dirty="0" err="1" smtClean="0"/>
-              <a:t>Proteomewide</a:t>
-            </a:r>
-            <a:r>
-              <a:rPr lang="en-US" dirty="0" smtClean="0"/>
-              <a:t> … (PWAS)</a:t>
-            </a:r>
-          </a:p>
-          <a:p>
-            <a:r>
-              <a:rPr lang="en-US" dirty="0" smtClean="0"/>
-              <a:t>Microbiome … (MWAS)</a:t>
-            </a:r>
-          </a:p>
-          <a:p>
-            <a:r>
-              <a:rPr lang="en-US" dirty="0" smtClean="0"/>
-              <a:t>…</a:t>
-            </a:r>
-            <a:endParaRPr lang="en-GB" dirty="0" smtClean="0"/>
-          </a:p>
-        </p:txBody>
-      </p:sp>
+      <mc:AlternateContent xmlns:mc="http://schemas.openxmlformats.org/markup-compatibility/2006">
+        <mc:Choice xmlns:a14="http://schemas.microsoft.com/office/drawing/2010/main" Requires="a14">
+          <p:sp>
+            <p:nvSpPr>
+              <p:cNvPr id="3" name="Content Placeholder 2"/>
+              <p:cNvSpPr>
+                <a:spLocks noGrp="1"/>
+              </p:cNvSpPr>
+              <p:nvPr>
+                <p:ph idx="1"/>
+              </p:nvPr>
+            </p:nvSpPr>
+            <p:spPr>
+              <a:xfrm>
+                <a:off x="828964" y="1825625"/>
+                <a:ext cx="10515600" cy="4351338"/>
+              </a:xfrm>
+            </p:spPr>
+            <p:txBody>
+              <a:bodyPr>
+                <a:normAutofit/>
+              </a:bodyPr>
+              <a:lstStyle/>
+              <a:p>
+                <a:pPr marL="0" indent="0">
+                  <a:buNone/>
+                </a:pPr>
+                <a:r>
+                  <a:rPr lang="en-GB" dirty="0" smtClean="0"/>
+                  <a:t>Analogous to </a:t>
+                </a:r>
+                <a:r>
+                  <a:rPr lang="en-GB" dirty="0" err="1" smtClean="0"/>
+                  <a:t>tWAS</a:t>
+                </a:r>
+                <a:r>
+                  <a:rPr lang="en-GB" dirty="0" smtClean="0"/>
+                  <a:t>, </a:t>
+                </a:r>
+                <a:r>
+                  <a:rPr lang="en-GB" dirty="0"/>
+                  <a:t>an </a:t>
+                </a:r>
+                <a:r>
+                  <a:rPr lang="en-GB" dirty="0" err="1"/>
+                  <a:t>epigenomewide</a:t>
+                </a:r>
+                <a:r>
+                  <a:rPr lang="en-GB" dirty="0"/>
+                  <a:t> association statistic </a:t>
+                </a:r>
+                <a:r>
+                  <a:rPr lang="en-GB" dirty="0" smtClean="0"/>
+                  <a:t>(</a:t>
+                </a:r>
+                <a14:m>
+                  <m:oMath xmlns:m="http://schemas.openxmlformats.org/officeDocument/2006/math">
+                    <m:sSub>
+                      <m:sSubPr>
+                        <m:ctrlPr>
+                          <a:rPr lang="en-GB" i="1">
+                            <a:latin typeface="Cambria Math" panose="02040503050406030204" pitchFamily="18" charset="0"/>
+                          </a:rPr>
+                        </m:ctrlPr>
+                      </m:sSubPr>
+                      <m:e>
+                        <m:r>
+                          <a:rPr lang="en-GB" i="1">
+                            <a:latin typeface="Cambria Math" panose="02040503050406030204" pitchFamily="18" charset="0"/>
+                          </a:rPr>
+                          <m:t>𝑧</m:t>
+                        </m:r>
+                      </m:e>
+                      <m:sub>
+                        <m:r>
+                          <a:rPr lang="en-GB" i="1">
+                            <a:latin typeface="Cambria Math" panose="02040503050406030204" pitchFamily="18" charset="0"/>
+                          </a:rPr>
+                          <m:t>𝐸𝑊𝐴𝑆</m:t>
+                        </m:r>
+                      </m:sub>
+                    </m:sSub>
+                  </m:oMath>
+                </a14:m>
+                <a:r>
+                  <a:rPr lang="en-GB" dirty="0"/>
+                  <a:t>) is defined through methylation data so </a:t>
+                </a:r>
+                <a:r>
+                  <a:rPr lang="en-GB" dirty="0" smtClean="0"/>
+                  <a:t>that</a:t>
+                </a:r>
+              </a:p>
+              <a:p>
+                <a:pPr marL="0" indent="0">
+                  <a:buNone/>
+                </a:pPr>
+                <a14:m>
+                  <m:oMathPara xmlns:m="http://schemas.openxmlformats.org/officeDocument/2006/math">
+                    <m:oMathParaPr>
+                      <m:jc m:val="centerGroup"/>
+                    </m:oMathParaPr>
+                    <m:oMath xmlns:m="http://schemas.openxmlformats.org/officeDocument/2006/math">
+                      <m:sSub>
+                        <m:sSubPr>
+                          <m:ctrlPr>
+                            <a:rPr lang="en-GB" i="1">
+                              <a:latin typeface="Cambria Math" panose="02040503050406030204" pitchFamily="18" charset="0"/>
+                            </a:rPr>
+                          </m:ctrlPr>
+                        </m:sSubPr>
+                        <m:e>
+                          <m:r>
+                            <a:rPr lang="en-GB" i="1">
+                              <a:latin typeface="Cambria Math" panose="02040503050406030204" pitchFamily="18" charset="0"/>
+                            </a:rPr>
+                            <m:t>𝑧</m:t>
+                          </m:r>
+                        </m:e>
+                        <m:sub>
+                          <m:r>
+                            <a:rPr lang="en-GB" i="1">
+                              <a:latin typeface="Cambria Math" panose="02040503050406030204" pitchFamily="18" charset="0"/>
+                            </a:rPr>
+                            <m:t>𝐸𝑊𝐴𝑆</m:t>
+                          </m:r>
+                        </m:sub>
+                      </m:sSub>
+                      <m:r>
+                        <a:rPr lang="en-GB">
+                          <a:latin typeface="Cambria Math" panose="02040503050406030204" pitchFamily="18" charset="0"/>
+                        </a:rPr>
+                        <m:t>=</m:t>
+                      </m:r>
+                      <m:f>
+                        <m:fPr>
+                          <m:ctrlPr>
+                            <a:rPr lang="en-GB" i="1">
+                              <a:latin typeface="Cambria Math" panose="02040503050406030204" pitchFamily="18" charset="0"/>
+                            </a:rPr>
+                          </m:ctrlPr>
+                        </m:fPr>
+                        <m:num>
+                          <m:sSub>
+                            <m:sSubPr>
+                              <m:ctrlPr>
+                                <a:rPr lang="en-GB" i="1">
+                                  <a:latin typeface="Cambria Math" panose="02040503050406030204" pitchFamily="18" charset="0"/>
+                                </a:rPr>
+                              </m:ctrlPr>
+                            </m:sSubPr>
+                            <m:e>
+                              <m:r>
+                                <a:rPr lang="en-GB" i="1">
+                                  <a:latin typeface="Cambria Math" panose="02040503050406030204" pitchFamily="18" charset="0"/>
+                                </a:rPr>
+                                <m:t>𝑤</m:t>
+                              </m:r>
+                              <m:r>
+                                <a:rPr lang="en-GB" i="1">
+                                  <a:latin typeface="Cambria Math" panose="02040503050406030204" pitchFamily="18" charset="0"/>
+                                </a:rPr>
+                                <m:t>′</m:t>
+                              </m:r>
+                            </m:e>
+                            <m:sub>
+                              <m:r>
+                                <a:rPr lang="en-GB" i="1">
+                                  <a:latin typeface="Cambria Math" panose="02040503050406030204" pitchFamily="18" charset="0"/>
+                                </a:rPr>
+                                <m:t>𝑚𝑒</m:t>
+                              </m:r>
+                            </m:sub>
+                          </m:sSub>
+                          <m:sSub>
+                            <m:sSubPr>
+                              <m:ctrlPr>
+                                <a:rPr lang="en-GB" i="1">
+                                  <a:latin typeface="Cambria Math" panose="02040503050406030204" pitchFamily="18" charset="0"/>
+                                </a:rPr>
+                              </m:ctrlPr>
+                            </m:sSubPr>
+                            <m:e>
+                              <m:r>
+                                <a:rPr lang="en-GB" i="1">
+                                  <a:latin typeface="Cambria Math" panose="02040503050406030204" pitchFamily="18" charset="0"/>
+                                </a:rPr>
+                                <m:t>𝑧</m:t>
+                              </m:r>
+                            </m:e>
+                            <m:sub>
+                              <m:r>
+                                <a:rPr lang="en-GB" i="1">
+                                  <a:latin typeface="Cambria Math" panose="02040503050406030204" pitchFamily="18" charset="0"/>
+                                </a:rPr>
+                                <m:t>𝑇</m:t>
+                              </m:r>
+                            </m:sub>
+                          </m:sSub>
+                        </m:num>
+                        <m:den>
+                          <m:rad>
+                            <m:radPr>
+                              <m:degHide m:val="on"/>
+                              <m:ctrlPr>
+                                <a:rPr lang="en-GB" i="1">
+                                  <a:latin typeface="Cambria Math" panose="02040503050406030204" pitchFamily="18" charset="0"/>
+                                </a:rPr>
+                              </m:ctrlPr>
+                            </m:radPr>
+                            <m:deg/>
+                            <m:e>
+                              <m:sSub>
+                                <m:sSubPr>
+                                  <m:ctrlPr>
+                                    <a:rPr lang="en-GB" i="1">
+                                      <a:latin typeface="Cambria Math" panose="02040503050406030204" pitchFamily="18" charset="0"/>
+                                    </a:rPr>
+                                  </m:ctrlPr>
+                                </m:sSubPr>
+                                <m:e>
+                                  <m:r>
+                                    <a:rPr lang="en-GB" i="1">
+                                      <a:latin typeface="Cambria Math" panose="02040503050406030204" pitchFamily="18" charset="0"/>
+                                    </a:rPr>
+                                    <m:t>𝑤</m:t>
+                                  </m:r>
+                                  <m:r>
+                                    <a:rPr lang="en-GB" i="1">
+                                      <a:latin typeface="Cambria Math" panose="02040503050406030204" pitchFamily="18" charset="0"/>
+                                    </a:rPr>
+                                    <m:t>′</m:t>
+                                  </m:r>
+                                </m:e>
+                                <m:sub>
+                                  <m:r>
+                                    <a:rPr lang="en-GB" i="1">
+                                      <a:latin typeface="Cambria Math" panose="02040503050406030204" pitchFamily="18" charset="0"/>
+                                    </a:rPr>
+                                    <m:t>𝑚𝑒</m:t>
+                                  </m:r>
+                                </m:sub>
+                              </m:sSub>
+                              <m:r>
+                                <a:rPr lang="en-GB" i="1">
+                                  <a:latin typeface="Cambria Math" panose="02040503050406030204" pitchFamily="18" charset="0"/>
+                                </a:rPr>
+                                <m:t>𝑉</m:t>
+                              </m:r>
+                              <m:sSub>
+                                <m:sSubPr>
+                                  <m:ctrlPr>
+                                    <a:rPr lang="en-GB" i="1">
+                                      <a:latin typeface="Cambria Math" panose="02040503050406030204" pitchFamily="18" charset="0"/>
+                                    </a:rPr>
+                                  </m:ctrlPr>
+                                </m:sSubPr>
+                                <m:e>
+                                  <m:r>
+                                    <a:rPr lang="en-GB" i="1">
+                                      <a:latin typeface="Cambria Math" panose="02040503050406030204" pitchFamily="18" charset="0"/>
+                                    </a:rPr>
+                                    <m:t>𝑤</m:t>
+                                  </m:r>
+                                </m:e>
+                                <m:sub>
+                                  <m:r>
+                                    <a:rPr lang="en-GB" i="1">
+                                      <a:latin typeface="Cambria Math" panose="02040503050406030204" pitchFamily="18" charset="0"/>
+                                    </a:rPr>
+                                    <m:t>𝑚𝑒</m:t>
+                                  </m:r>
+                                </m:sub>
+                              </m:sSub>
+                            </m:e>
+                          </m:rad>
+                        </m:den>
+                      </m:f>
+                    </m:oMath>
+                  </m:oMathPara>
+                </a14:m>
+                <a:endParaRPr lang="en-GB" dirty="0" smtClean="0"/>
+              </a:p>
+              <a:p>
+                <a:pPr marL="0" indent="0">
+                  <a:buNone/>
+                </a:pPr>
+                <a:r>
+                  <a:rPr lang="en-GB" dirty="0" smtClean="0"/>
+                  <a:t>where </a:t>
+                </a:r>
+                <a14:m>
+                  <m:oMath xmlns:m="http://schemas.openxmlformats.org/officeDocument/2006/math">
+                    <m:sSub>
+                      <m:sSubPr>
+                        <m:ctrlPr>
+                          <a:rPr lang="en-GB" i="1">
+                            <a:latin typeface="Cambria Math" panose="02040503050406030204" pitchFamily="18" charset="0"/>
+                          </a:rPr>
+                        </m:ctrlPr>
+                      </m:sSubPr>
+                      <m:e>
+                        <m:r>
+                          <a:rPr lang="en-GB" i="1">
+                            <a:latin typeface="Cambria Math" panose="02040503050406030204" pitchFamily="18" charset="0"/>
+                          </a:rPr>
+                          <m:t>𝑤</m:t>
+                        </m:r>
+                      </m:e>
+                      <m:sub>
+                        <m:r>
+                          <a:rPr lang="en-GB" i="1">
+                            <a:latin typeface="Cambria Math" panose="02040503050406030204" pitchFamily="18" charset="0"/>
+                          </a:rPr>
+                          <m:t>𝑚𝑒</m:t>
+                        </m:r>
+                      </m:sub>
+                    </m:sSub>
+                  </m:oMath>
+                </a14:m>
+                <a:r>
+                  <a:rPr lang="en-GB" dirty="0"/>
+                  <a:t> is the weight associated with methylation. Both approaches allow for imputation using GWAS summary statistics</a:t>
+                </a:r>
+                <a:r>
+                  <a:rPr lang="en-GB" dirty="0" smtClean="0"/>
+                  <a:t>.</a:t>
+                </a:r>
+                <a:endParaRPr lang="en-GB" dirty="0" smtClean="0"/>
+              </a:p>
+            </p:txBody>
+          </p:sp>
+        </mc:Choice>
+        <mc:Fallback>
+          <p:sp>
+            <p:nvSpPr>
+              <p:cNvPr id="3" name="Content Placeholder 2"/>
+              <p:cNvSpPr>
+                <a:spLocks noGrp="1" noRot="1" noChangeAspect="1" noMove="1" noResize="1" noEditPoints="1" noAdjustHandles="1" noChangeArrowheads="1" noChangeShapeType="1" noTextEdit="1"/>
+              </p:cNvSpPr>
+              <p:nvPr>
+                <p:ph idx="1"/>
+              </p:nvPr>
+            </p:nvSpPr>
+            <p:spPr>
+              <a:xfrm>
+                <a:off x="828964" y="1825625"/>
+                <a:ext cx="10515600" cy="4351338"/>
+              </a:xfrm>
+              <a:blipFill>
+                <a:blip r:embed="rId2"/>
+                <a:stretch>
+                  <a:fillRect l="-1217" t="-2241" r="-1797"/>
+                </a:stretch>
+              </a:blipFill>
+            </p:spPr>
+            <p:txBody>
+              <a:bodyPr/>
+              <a:lstStyle/>
+              <a:p>
+                <a:r>
+                  <a:rPr lang="en-GB">
+                    <a:noFill/>
+                  </a:rPr>
+                  <a:t> </a:t>
+                </a:r>
+              </a:p>
+            </p:txBody>
+          </p:sp>
+        </mc:Fallback>
+      </mc:AlternateContent>
     </p:spTree>
     <p:extLst>
       <p:ext uri="{BB962C8B-B14F-4D97-AF65-F5344CB8AC3E}">
-        <p14:creationId xmlns:p14="http://schemas.microsoft.com/office/powerpoint/2010/main" val="3010612123"/>
+        <p14:creationId xmlns:p14="http://schemas.microsoft.com/office/powerpoint/2010/main" val="69305675"/>
       </p:ext>
     </p:extLst>
   </p:cSld>
@@ -4883,11 +5064,7 @@
           <a:p>
             <a:r>
               <a:rPr lang="en-US" sz="2400" b="1" dirty="0" smtClean="0"/>
-              <a:t>(bed</a:t>
-            </a:r>
-            <a:r>
-              <a:rPr lang="en-US" sz="2400" b="1" dirty="0" smtClean="0"/>
-              <a:t>, </a:t>
+              <a:t>(bed, </a:t>
             </a:r>
             <a:r>
               <a:rPr lang="en-US" sz="2400" b="1" dirty="0" err="1" smtClean="0"/>
@@ -4986,385 +5163,139 @@
             <a:pPr algn="ctr"/>
             <a:r>
               <a:rPr lang="en-US" dirty="0" smtClean="0"/>
-              <a:t>EWAS</a:t>
+              <a:t>EWAS-fusion I</a:t>
             </a:r>
             <a:endParaRPr lang="en-GB" dirty="0"/>
           </a:p>
         </p:txBody>
       </p:sp>
-      <mc:AlternateContent xmlns:mc="http://schemas.openxmlformats.org/markup-compatibility/2006" xmlns:a14="http://schemas.microsoft.com/office/drawing/2010/main">
-        <mc:Choice Requires="a14">
-          <p:sp>
-            <p:nvSpPr>
-              <p:cNvPr id="3" name="Content Placeholder 2"/>
-              <p:cNvSpPr>
-                <a:spLocks noGrp="1"/>
-              </p:cNvSpPr>
-              <p:nvPr>
-                <p:ph idx="1"/>
-              </p:nvPr>
-            </p:nvSpPr>
-            <p:spPr/>
-            <p:txBody>
-              <a:bodyPr>
-                <a:normAutofit/>
-              </a:bodyPr>
-              <a:lstStyle/>
-              <a:p>
-                <a:pPr marL="0" indent="0">
-                  <a:buNone/>
-                </a:pPr>
-                <a:r>
-                  <a:rPr lang="en-GB" dirty="0"/>
-                  <a:t>By analogy, an </a:t>
-                </a:r>
-                <a:r>
-                  <a:rPr lang="en-GB" dirty="0" err="1"/>
-                  <a:t>epigenomewide</a:t>
-                </a:r>
-                <a:r>
-                  <a:rPr lang="en-GB" dirty="0"/>
-                  <a:t> association statistic </a:t>
-                </a:r>
-                <a:r>
-                  <a:rPr lang="en-GB" dirty="0" smtClean="0"/>
-                  <a:t>(</a:t>
-                </a:r>
-                <a14:m>
-                  <m:oMath xmlns:m="http://schemas.openxmlformats.org/officeDocument/2006/math">
-                    <m:sSub>
-                      <m:sSubPr>
-                        <m:ctrlPr>
-                          <a:rPr lang="en-GB" i="1">
-                            <a:latin typeface="Cambria Math" panose="02040503050406030204" pitchFamily="18" charset="0"/>
-                          </a:rPr>
-                        </m:ctrlPr>
-                      </m:sSubPr>
-                      <m:e>
-                        <m:r>
-                          <a:rPr lang="en-GB" i="1">
-                            <a:latin typeface="Cambria Math" panose="02040503050406030204" pitchFamily="18" charset="0"/>
-                          </a:rPr>
-                          <m:t>𝑧</m:t>
-                        </m:r>
-                      </m:e>
-                      <m:sub>
-                        <m:r>
-                          <a:rPr lang="en-GB" i="1">
-                            <a:latin typeface="Cambria Math" panose="02040503050406030204" pitchFamily="18" charset="0"/>
-                          </a:rPr>
-                          <m:t>𝐸𝑊𝐴𝑆</m:t>
-                        </m:r>
-                      </m:sub>
-                    </m:sSub>
-                  </m:oMath>
-                </a14:m>
-                <a:r>
-                  <a:rPr lang="en-GB" dirty="0"/>
-                  <a:t>) is defined through methylation data so that</a:t>
-                </a:r>
-                <a14:m>
-                  <m:oMath xmlns:m="http://schemas.openxmlformats.org/officeDocument/2006/math">
-                    <m:r>
-                      <a:rPr lang="en-GB" i="1">
-                        <a:latin typeface="Cambria Math" panose="02040503050406030204" pitchFamily="18" charset="0"/>
-                      </a:rPr>
-                      <m:t> </m:t>
-                    </m:r>
-                    <m:sSub>
-                      <m:sSubPr>
-                        <m:ctrlPr>
-                          <a:rPr lang="en-GB" i="1">
-                            <a:latin typeface="Cambria Math" panose="02040503050406030204" pitchFamily="18" charset="0"/>
-                          </a:rPr>
-                        </m:ctrlPr>
-                      </m:sSubPr>
-                      <m:e>
-                        <m:r>
-                          <a:rPr lang="en-GB" i="1">
-                            <a:latin typeface="Cambria Math" panose="02040503050406030204" pitchFamily="18" charset="0"/>
-                          </a:rPr>
-                          <m:t>𝑧</m:t>
-                        </m:r>
-                      </m:e>
-                      <m:sub>
-                        <m:r>
-                          <a:rPr lang="en-GB" i="1">
-                            <a:latin typeface="Cambria Math" panose="02040503050406030204" pitchFamily="18" charset="0"/>
-                          </a:rPr>
-                          <m:t>𝐸𝑊𝐴𝑆</m:t>
-                        </m:r>
-                      </m:sub>
-                    </m:sSub>
-                    <m:r>
-                      <a:rPr lang="en-GB">
-                        <a:latin typeface="Cambria Math" panose="02040503050406030204" pitchFamily="18" charset="0"/>
-                      </a:rPr>
-                      <m:t>=</m:t>
-                    </m:r>
-                    <m:f>
-                      <m:fPr>
-                        <m:ctrlPr>
-                          <a:rPr lang="en-GB" i="1">
-                            <a:latin typeface="Cambria Math" panose="02040503050406030204" pitchFamily="18" charset="0"/>
-                          </a:rPr>
-                        </m:ctrlPr>
-                      </m:fPr>
-                      <m:num>
-                        <m:sSub>
-                          <m:sSubPr>
-                            <m:ctrlPr>
-                              <a:rPr lang="en-GB" i="1">
-                                <a:latin typeface="Cambria Math" panose="02040503050406030204" pitchFamily="18" charset="0"/>
-                              </a:rPr>
-                            </m:ctrlPr>
-                          </m:sSubPr>
-                          <m:e>
-                            <m:r>
-                              <a:rPr lang="en-GB" i="1">
-                                <a:latin typeface="Cambria Math" panose="02040503050406030204" pitchFamily="18" charset="0"/>
-                              </a:rPr>
-                              <m:t>𝑤</m:t>
-                            </m:r>
-                            <m:r>
-                              <a:rPr lang="en-GB" i="1">
-                                <a:latin typeface="Cambria Math" panose="02040503050406030204" pitchFamily="18" charset="0"/>
-                              </a:rPr>
-                              <m:t>′</m:t>
-                            </m:r>
-                          </m:e>
-                          <m:sub>
-                            <m:r>
-                              <a:rPr lang="en-GB" i="1">
-                                <a:latin typeface="Cambria Math" panose="02040503050406030204" pitchFamily="18" charset="0"/>
-                              </a:rPr>
-                              <m:t>𝑚𝑒</m:t>
-                            </m:r>
-                          </m:sub>
-                        </m:sSub>
-                        <m:sSub>
-                          <m:sSubPr>
-                            <m:ctrlPr>
-                              <a:rPr lang="en-GB" i="1">
-                                <a:latin typeface="Cambria Math" panose="02040503050406030204" pitchFamily="18" charset="0"/>
-                              </a:rPr>
-                            </m:ctrlPr>
-                          </m:sSubPr>
-                          <m:e>
-                            <m:r>
-                              <a:rPr lang="en-GB" i="1">
-                                <a:latin typeface="Cambria Math" panose="02040503050406030204" pitchFamily="18" charset="0"/>
-                              </a:rPr>
-                              <m:t>𝑧</m:t>
-                            </m:r>
-                          </m:e>
-                          <m:sub>
-                            <m:r>
-                              <a:rPr lang="en-GB" i="1">
-                                <a:latin typeface="Cambria Math" panose="02040503050406030204" pitchFamily="18" charset="0"/>
-                              </a:rPr>
-                              <m:t>𝑇</m:t>
-                            </m:r>
-                          </m:sub>
-                        </m:sSub>
-                      </m:num>
-                      <m:den>
-                        <m:rad>
-                          <m:radPr>
-                            <m:degHide m:val="on"/>
-                            <m:ctrlPr>
-                              <a:rPr lang="en-GB" i="1">
-                                <a:latin typeface="Cambria Math" panose="02040503050406030204" pitchFamily="18" charset="0"/>
-                              </a:rPr>
-                            </m:ctrlPr>
-                          </m:radPr>
-                          <m:deg/>
-                          <m:e>
-                            <m:sSub>
-                              <m:sSubPr>
-                                <m:ctrlPr>
-                                  <a:rPr lang="en-GB" i="1">
-                                    <a:latin typeface="Cambria Math" panose="02040503050406030204" pitchFamily="18" charset="0"/>
-                                  </a:rPr>
-                                </m:ctrlPr>
-                              </m:sSubPr>
-                              <m:e>
-                                <m:r>
-                                  <a:rPr lang="en-GB" i="1">
-                                    <a:latin typeface="Cambria Math" panose="02040503050406030204" pitchFamily="18" charset="0"/>
-                                  </a:rPr>
-                                  <m:t>𝑤</m:t>
-                                </m:r>
-                                <m:r>
-                                  <a:rPr lang="en-GB" i="1">
-                                    <a:latin typeface="Cambria Math" panose="02040503050406030204" pitchFamily="18" charset="0"/>
-                                  </a:rPr>
-                                  <m:t>′</m:t>
-                                </m:r>
-                              </m:e>
-                              <m:sub>
-                                <m:r>
-                                  <a:rPr lang="en-GB" i="1">
-                                    <a:latin typeface="Cambria Math" panose="02040503050406030204" pitchFamily="18" charset="0"/>
-                                  </a:rPr>
-                                  <m:t>𝑚𝑒</m:t>
-                                </m:r>
-                              </m:sub>
-                            </m:sSub>
-                            <m:r>
-                              <a:rPr lang="en-GB" i="1">
-                                <a:latin typeface="Cambria Math" panose="02040503050406030204" pitchFamily="18" charset="0"/>
-                              </a:rPr>
-                              <m:t>𝑉</m:t>
-                            </m:r>
-                            <m:sSub>
-                              <m:sSubPr>
-                                <m:ctrlPr>
-                                  <a:rPr lang="en-GB" i="1">
-                                    <a:latin typeface="Cambria Math" panose="02040503050406030204" pitchFamily="18" charset="0"/>
-                                  </a:rPr>
-                                </m:ctrlPr>
-                              </m:sSubPr>
-                              <m:e>
-                                <m:r>
-                                  <a:rPr lang="en-GB" i="1">
-                                    <a:latin typeface="Cambria Math" panose="02040503050406030204" pitchFamily="18" charset="0"/>
-                                  </a:rPr>
-                                  <m:t>𝑤</m:t>
-                                </m:r>
-                              </m:e>
-                              <m:sub>
-                                <m:r>
-                                  <a:rPr lang="en-GB" i="1">
-                                    <a:latin typeface="Cambria Math" panose="02040503050406030204" pitchFamily="18" charset="0"/>
-                                  </a:rPr>
-                                  <m:t>𝑚𝑒</m:t>
-                                </m:r>
-                              </m:sub>
-                            </m:sSub>
-                          </m:e>
-                        </m:rad>
-                      </m:den>
-                    </m:f>
-                  </m:oMath>
-                </a14:m>
-                <a:r>
-                  <a:rPr lang="en-GB" dirty="0"/>
-                  <a:t>, where </a:t>
-                </a:r>
-                <a14:m>
-                  <m:oMath xmlns:m="http://schemas.openxmlformats.org/officeDocument/2006/math">
-                    <m:sSub>
-                      <m:sSubPr>
-                        <m:ctrlPr>
-                          <a:rPr lang="en-GB" i="1">
-                            <a:latin typeface="Cambria Math" panose="02040503050406030204" pitchFamily="18" charset="0"/>
-                          </a:rPr>
-                        </m:ctrlPr>
-                      </m:sSubPr>
-                      <m:e>
-                        <m:r>
-                          <a:rPr lang="en-GB" i="1">
-                            <a:latin typeface="Cambria Math" panose="02040503050406030204" pitchFamily="18" charset="0"/>
-                          </a:rPr>
-                          <m:t>𝑤</m:t>
-                        </m:r>
-                      </m:e>
-                      <m:sub>
-                        <m:r>
-                          <a:rPr lang="en-GB" i="1">
-                            <a:latin typeface="Cambria Math" panose="02040503050406030204" pitchFamily="18" charset="0"/>
-                          </a:rPr>
-                          <m:t>𝑚𝑒</m:t>
-                        </m:r>
-                      </m:sub>
-                    </m:sSub>
-                  </m:oMath>
-                </a14:m>
-                <a:r>
-                  <a:rPr lang="en-GB" dirty="0"/>
-                  <a:t> is the weight associated with methylation. Both approaches allow for imputation using GWAS summary statistics</a:t>
-                </a:r>
-                <a:r>
-                  <a:rPr lang="en-GB" dirty="0" smtClean="0"/>
-                  <a:t>.</a:t>
-                </a:r>
-              </a:p>
-              <a:p>
-                <a:pPr marL="0" indent="0">
-                  <a:buNone/>
-                </a:pPr>
-                <a:r>
-                  <a:rPr lang="en-GB" dirty="0" smtClean="0"/>
-                  <a:t>The </a:t>
-                </a:r>
-                <a:r>
-                  <a:rPr lang="en-GB" dirty="0"/>
-                  <a:t>derivation of these weights and imputation were done using methods as described in </a:t>
-                </a:r>
-                <a:r>
-                  <a:rPr lang="en-GB" dirty="0" err="1"/>
-                  <a:t>Gusev</a:t>
-                </a:r>
-                <a:r>
-                  <a:rPr lang="en-GB" dirty="0"/>
-                  <a:t> et al. (2016) called TWAS as well as in Mancuso et al. (</a:t>
-                </a:r>
-                <a:r>
-                  <a:rPr lang="en-GB" dirty="0" smtClean="0"/>
-                  <a:t>2017) </a:t>
-                </a:r>
-                <a:r>
-                  <a:rPr lang="en-GB" dirty="0"/>
-                  <a:t>called Functional Summary-based Imputation (FUSION). The TWAS statistics from both approaches agreed very well</a:t>
-                </a:r>
-                <a:r>
-                  <a:rPr lang="en-GB" dirty="0" smtClean="0"/>
-                  <a:t>.</a:t>
-                </a:r>
-                <a:endParaRPr lang="en-GB" dirty="0"/>
-              </a:p>
-            </p:txBody>
-          </p:sp>
-        </mc:Choice>
-        <mc:Fallback xmlns="">
-          <p:sp>
-            <p:nvSpPr>
-              <p:cNvPr id="3" name="Content Placeholder 2"/>
-              <p:cNvSpPr>
-                <a:spLocks noGrp="1" noRot="1" noChangeAspect="1" noMove="1" noResize="1" noEditPoints="1" noAdjustHandles="1" noChangeArrowheads="1" noChangeShapeType="1" noTextEdit="1"/>
-              </p:cNvSpPr>
-              <p:nvPr>
-                <p:ph idx="1"/>
-              </p:nvPr>
-            </p:nvSpPr>
-            <p:spPr>
-              <a:blipFill>
-                <a:blip r:embed="rId2"/>
-                <a:stretch>
-                  <a:fillRect l="-1217" t="-2241"/>
-                </a:stretch>
-              </a:blipFill>
-            </p:spPr>
-            <p:txBody>
-              <a:bodyPr/>
-              <a:lstStyle/>
-              <a:p>
-                <a:r>
-                  <a:rPr lang="en-GB">
-                    <a:noFill/>
-                  </a:rPr>
-                  <a:t> </a:t>
-                </a:r>
-              </a:p>
-            </p:txBody>
-          </p:sp>
-        </mc:Fallback>
-      </mc:AlternateContent>
+      <p:sp>
+        <p:nvSpPr>
+          <p:cNvPr id="3" name="Content Placeholder 2"/>
+          <p:cNvSpPr>
+            <a:spLocks noGrp="1"/>
+          </p:cNvSpPr>
+          <p:nvPr>
+            <p:ph idx="1"/>
+          </p:nvPr>
+        </p:nvSpPr>
+        <p:spPr/>
+        <p:txBody>
+          <a:bodyPr>
+            <a:normAutofit fontScale="92500" lnSpcReduction="10000"/>
+          </a:bodyPr>
+          <a:lstStyle/>
+          <a:p>
+            <a:r>
+              <a:rPr lang="en-GB" dirty="0" smtClean="0"/>
+              <a:t>A </a:t>
+            </a:r>
+            <a:r>
+              <a:rPr lang="en-GB" dirty="0"/>
+              <a:t>total of 442,920 </a:t>
+            </a:r>
+            <a:r>
+              <a:rPr lang="en-GB" dirty="0" err="1"/>
+              <a:t>CpG</a:t>
+            </a:r>
+            <a:r>
+              <a:rPr lang="en-GB" dirty="0"/>
+              <a:t> sites based on Illumina humanmethylation450 chips on 1,146 individuals in EPIC-Norfolk study were available. Among these, 1,117 individuals also had genotype data from </a:t>
+            </a:r>
+            <a:r>
+              <a:rPr lang="en-GB" dirty="0" err="1"/>
+              <a:t>Affymetrix</a:t>
+            </a:r>
+            <a:r>
+              <a:rPr lang="en-GB" dirty="0"/>
+              <a:t> </a:t>
+            </a:r>
+            <a:r>
+              <a:rPr lang="en-GB" dirty="0" err="1"/>
+              <a:t>BioBank</a:t>
+            </a:r>
+            <a:r>
+              <a:rPr lang="en-GB" dirty="0"/>
+              <a:t> Axiom chips. </a:t>
+            </a:r>
+          </a:p>
+          <a:p>
+            <a:r>
+              <a:rPr lang="en-GB" dirty="0"/>
+              <a:t>HapMap2 SNPs from genetic data of these individuals were extracted via PLINK2 according to cis-positions of each probe and subsequently used to build weight analogous to gene expression data as implemented in computer software TWAS. </a:t>
+            </a:r>
+          </a:p>
+          <a:p>
+            <a:r>
+              <a:rPr lang="en-GB" dirty="0" smtClean="0"/>
+              <a:t>Probes were filtered according </a:t>
+            </a:r>
+            <a:r>
+              <a:rPr lang="en-GB" dirty="0"/>
+              <a:t>to their </a:t>
+            </a:r>
+            <a:r>
+              <a:rPr lang="en-GB" dirty="0" err="1"/>
+              <a:t>heritabilities</a:t>
+            </a:r>
+            <a:r>
+              <a:rPr lang="en-GB" dirty="0"/>
+              <a:t> </a:t>
+            </a:r>
+            <a:r>
+              <a:rPr lang="en-GB" dirty="0" smtClean="0"/>
+              <a:t>from </a:t>
+            </a:r>
+            <a:r>
+              <a:rPr lang="en-GB" dirty="0"/>
+              <a:t>modified GCTA software (</a:t>
+            </a:r>
+            <a:r>
+              <a:rPr lang="en-GB" dirty="0" err="1"/>
+              <a:t>gcta_nr_robust</a:t>
+            </a:r>
+            <a:r>
+              <a:rPr lang="en-GB" dirty="0"/>
+              <a:t>) </a:t>
+            </a:r>
+            <a:r>
+              <a:rPr lang="en-GB" dirty="0" smtClean="0"/>
+              <a:t>at significant </a:t>
+            </a:r>
+            <a:r>
+              <a:rPr lang="en-GB" dirty="0" smtClean="0"/>
+              <a:t>level </a:t>
+            </a:r>
+            <a:r>
+              <a:rPr lang="en-GB" dirty="0"/>
+              <a:t>of 0.01. </a:t>
+            </a:r>
+            <a:r>
+              <a:rPr lang="en-GB" dirty="0" smtClean="0"/>
+              <a:t>The </a:t>
+            </a:r>
+            <a:r>
+              <a:rPr lang="en-GB" dirty="0"/>
+              <a:t>weight generation and methylation imputation </a:t>
+            </a:r>
+            <a:r>
+              <a:rPr lang="en-GB" dirty="0" smtClean="0"/>
+              <a:t>is now part of </a:t>
+            </a:r>
+            <a:r>
+              <a:rPr lang="en-GB" dirty="0"/>
+              <a:t>EWAS-fusion. We then performed EWAS for given GWAS summary statistics. </a:t>
+            </a:r>
+          </a:p>
+          <a:p>
+            <a:endParaRPr lang="en-GB" dirty="0"/>
+          </a:p>
+        </p:txBody>
+      </p:sp>
     </p:spTree>
     <p:extLst>
       <p:ext uri="{BB962C8B-B14F-4D97-AF65-F5344CB8AC3E}">
-        <p14:creationId xmlns:p14="http://schemas.microsoft.com/office/powerpoint/2010/main" val="69305675"/>
+        <p14:creationId xmlns:p14="http://schemas.microsoft.com/office/powerpoint/2010/main" val="2782179926"/>
       </p:ext>
     </p:extLst>
   </p:cSld>
@@ -5416,7 +5347,7 @@
             <a:pPr algn="ctr"/>
             <a:r>
               <a:rPr lang="en-US" dirty="0" smtClean="0"/>
-              <a:t>EWAS-fusion I</a:t>
+              <a:t>EWAS-fusion II</a:t>
             </a:r>
             <a:endParaRPr lang="en-GB" dirty="0"/>
           </a:p>
@@ -5435,90 +5366,81 @@
         <p:spPr/>
         <p:txBody>
           <a:bodyPr>
-            <a:normAutofit fontScale="92500" lnSpcReduction="10000"/>
+            <a:normAutofit/>
           </a:bodyPr>
           <a:lstStyle/>
           <a:p>
+            <a:pPr marL="0" indent="0">
+              <a:buNone/>
+            </a:pPr>
             <a:r>
               <a:rPr lang="en-GB" dirty="0" smtClean="0"/>
-              <a:t>A </a:t>
+              <a:t>EWAS-fusion has the following components,</a:t>
+            </a:r>
+            <a:endParaRPr lang="en-US" dirty="0" smtClean="0"/>
+          </a:p>
+          <a:p>
+            <a:endParaRPr lang="en-US" dirty="0"/>
+          </a:p>
+          <a:p>
+            <a:r>
+              <a:rPr lang="en-US" dirty="0" err="1" smtClean="0"/>
+              <a:t>get_weight.qsub</a:t>
+            </a:r>
+            <a:r>
+              <a:rPr lang="en-US" dirty="0" smtClean="0"/>
+              <a:t> </a:t>
+            </a:r>
+            <a:r>
+              <a:rPr lang="en-US" dirty="0"/>
+              <a:t>is a revised script to generate probe-specific weights </a:t>
+            </a:r>
+            <a:r>
+              <a:rPr lang="en-US" dirty="0" smtClean="0"/>
+              <a:t>and ewas-fusion.sh is the script for association analysis both via </a:t>
+            </a:r>
+            <a:r>
+              <a:rPr lang="en-US" dirty="0" err="1"/>
+              <a:t>sge</a:t>
+            </a:r>
+            <a:r>
+              <a:rPr lang="en-US" dirty="0"/>
+              <a:t>.</a:t>
+            </a:r>
+            <a:endParaRPr lang="en-GB" dirty="0"/>
+          </a:p>
+          <a:p>
+            <a:r>
+              <a:rPr lang="en-GB" dirty="0" smtClean="0"/>
+              <a:t>ewas-fusion.sh conducts association </a:t>
             </a:r>
             <a:r>
               <a:rPr lang="en-GB" dirty="0"/>
-              <a:t>total of 442,920 </a:t>
-            </a:r>
-            <a:r>
-              <a:rPr lang="en-GB" dirty="0" err="1"/>
-              <a:t>CpG</a:t>
-            </a:r>
-            <a:r>
-              <a:rPr lang="en-GB" dirty="0"/>
-              <a:t> sites based on Illumina humanmethylation450 chips on 1,146 individuals in EPIC-Norfolk study were available. Among these, 1,117 individuals also had genotype data from </a:t>
-            </a:r>
-            <a:r>
-              <a:rPr lang="en-GB" dirty="0" err="1"/>
-              <a:t>Affymetrix</a:t>
-            </a:r>
-            <a:r>
-              <a:rPr lang="en-GB" dirty="0"/>
-              <a:t> </a:t>
-            </a:r>
-            <a:r>
-              <a:rPr lang="en-GB" dirty="0" err="1"/>
-              <a:t>BioBank</a:t>
-            </a:r>
-            <a:r>
-              <a:rPr lang="en-GB" dirty="0"/>
-              <a:t> Axiom chips. </a:t>
-            </a:r>
-          </a:p>
-          <a:p>
-            <a:r>
-              <a:rPr lang="en-GB" dirty="0"/>
-              <a:t>HapMap2 SNPs from genetic data of these individuals were extracted via PLINK2 according to cis-positions of each probe and subsequently used to build weight analogous to gene expression data as implemented in computer software TWAS. </a:t>
-            </a:r>
-          </a:p>
-          <a:p>
+              <a:t>as well as joint/conditional analysis using our weights and LD panel </a:t>
+            </a:r>
             <a:r>
               <a:rPr lang="en-GB" dirty="0" smtClean="0"/>
-              <a:t>Probes were filtered according </a:t>
-            </a:r>
-            <a:r>
-              <a:rPr lang="en-GB" dirty="0"/>
-              <a:t>to their </a:t>
-            </a:r>
-            <a:r>
-              <a:rPr lang="en-GB" dirty="0" err="1"/>
-              <a:t>heritabilities</a:t>
-            </a:r>
-            <a:r>
-              <a:rPr lang="en-GB" dirty="0"/>
-              <a:t> </a:t>
-            </a:r>
-            <a:r>
-              <a:rPr lang="en-GB" dirty="0" smtClean="0"/>
-              <a:t>from a revised version of GCTA with software FUSION at significant level </a:t>
-            </a:r>
-            <a:r>
-              <a:rPr lang="en-GB" dirty="0"/>
-              <a:t>of 0.01. </a:t>
-            </a:r>
-            <a:r>
-              <a:rPr lang="en-GB" dirty="0" smtClean="0"/>
-              <a:t>The </a:t>
-            </a:r>
-            <a:r>
-              <a:rPr lang="en-GB" dirty="0"/>
-              <a:t>weight generation and methylation imputation </a:t>
-            </a:r>
-            <a:r>
-              <a:rPr lang="en-GB" dirty="0" smtClean="0"/>
-              <a:t>is now part of </a:t>
-            </a:r>
-            <a:r>
-              <a:rPr lang="en-GB" dirty="0"/>
-              <a:t>EWAS-fusion. We then performed EWAS for given GWAS summary statistics. </a:t>
-            </a:r>
+              <a:t>as distributed by software FUSION.</a:t>
+            </a:r>
+          </a:p>
+          <a:p>
+            <a:r>
+              <a:rPr lang="en-US" dirty="0" err="1" smtClean="0"/>
+              <a:t>ewas-annotate.R</a:t>
+            </a:r>
+            <a:r>
+              <a:rPr lang="en-US" dirty="0" smtClean="0"/>
+              <a:t> and </a:t>
+            </a:r>
+            <a:r>
+              <a:rPr lang="en-US" dirty="0" err="1" smtClean="0"/>
+              <a:t>ewas-plot.R</a:t>
+            </a:r>
+            <a:r>
+              <a:rPr lang="en-US" dirty="0" smtClean="0"/>
+              <a:t> facilitate analysis described above.</a:t>
+            </a:r>
+            <a:endParaRPr lang="en-GB" dirty="0"/>
           </a:p>
           <a:p>
             <a:endParaRPr lang="en-GB" dirty="0"/>
@@ -5528,7 +5450,7 @@
     </p:spTree>
     <p:extLst>
       <p:ext uri="{BB962C8B-B14F-4D97-AF65-F5344CB8AC3E}">
-        <p14:creationId xmlns:p14="http://schemas.microsoft.com/office/powerpoint/2010/main" val="2782179926"/>
+        <p14:creationId xmlns:p14="http://schemas.microsoft.com/office/powerpoint/2010/main" val="1064561388"/>
       </p:ext>
     </p:extLst>
   </p:cSld>

--- a/README.pptx
+++ b/README.pptx
@@ -3061,8 +3061,8 @@
           </a:p>
         </p:txBody>
       </p:sp>
-      <mc:AlternateContent xmlns:mc="http://schemas.openxmlformats.org/markup-compatibility/2006">
-        <mc:Choice xmlns:a14="http://schemas.microsoft.com/office/drawing/2010/main" Requires="a14">
+      <mc:AlternateContent xmlns:mc="http://schemas.openxmlformats.org/markup-compatibility/2006" xmlns:a14="http://schemas.microsoft.com/office/drawing/2010/main">
+        <mc:Choice Requires="a14">
           <p:sp>
             <p:nvSpPr>
               <p:cNvPr id="3" name="Content Placeholder 2"/>
@@ -3509,7 +3509,7 @@
             </p:txBody>
           </p:sp>
         </mc:Choice>
-        <mc:Fallback>
+        <mc:Fallback xmlns="">
           <p:sp>
             <p:nvSpPr>
               <p:cNvPr id="3" name="Content Placeholder 2"/>
@@ -3631,19 +3631,7 @@
             </a:r>
             <a:r>
               <a:rPr lang="en-GB" dirty="0" smtClean="0"/>
-              <a:t>FUSION) </a:t>
-            </a:r>
-            <a:r>
-              <a:rPr lang="en-GB" dirty="0" smtClean="0"/>
-              <a:t>and </a:t>
-            </a:r>
-            <a:r>
-              <a:rPr lang="en-GB" dirty="0" smtClean="0"/>
-              <a:t> </a:t>
-            </a:r>
-            <a:r>
-              <a:rPr lang="en-GB" dirty="0" smtClean="0"/>
-              <a:t>is </a:t>
+              <a:t>FUSION) and  is </a:t>
             </a:r>
             <a:r>
               <a:rPr lang="en-GB" dirty="0"/>
@@ -4049,8 +4037,8 @@
           <a:p>
             <a:pPr algn="ctr"/>
             <a:r>
-              <a:rPr lang="en-US" dirty="0" smtClean="0"/>
-              <a:t>EWAS</a:t>
+              <a:rPr lang="en-US" smtClean="0"/>
+              <a:t>EWAS (X=E)</a:t>
             </a:r>
             <a:endParaRPr lang="en-GB" dirty="0"/>
           </a:p>
@@ -4088,8 +4076,12 @@
                   <a:t>Analogous to </a:t>
                 </a:r>
                 <a:r>
-                  <a:rPr lang="en-GB" dirty="0" err="1" smtClean="0"/>
-                  <a:t>tWAS</a:t>
+                  <a:rPr lang="en-GB" dirty="0"/>
+                  <a:t>T</a:t>
+                </a:r>
+                <a:r>
+                  <a:rPr lang="en-GB" dirty="0" smtClean="0"/>
+                  <a:t>WAS</a:t>
                 </a:r>
                 <a:r>
                   <a:rPr lang="en-GB" dirty="0" smtClean="0"/>
@@ -4384,7 +4376,6 @@
                   <a:rPr lang="en-GB" dirty="0" smtClean="0"/>
                   <a:t>.</a:t>
                 </a:r>
-                <a:endParaRPr lang="en-GB" dirty="0" smtClean="0"/>
               </a:p>
             </p:txBody>
           </p:sp>
@@ -5260,11 +5251,7 @@
             </a:r>
             <a:r>
               <a:rPr lang="en-GB" dirty="0" smtClean="0"/>
-              <a:t>at significant </a:t>
-            </a:r>
-            <a:r>
-              <a:rPr lang="en-GB" dirty="0" smtClean="0"/>
-              <a:t>level </a:t>
+              <a:t>at significant level </a:t>
             </a:r>
             <a:r>
               <a:rPr lang="en-GB" dirty="0"/>

--- a/README.pptx
+++ b/README.pptx
@@ -162,7 +162,7 @@
           </a:lstStyle>
           <a:p>
             <a:r>
-              <a:rPr lang="en-US" smtClean="0"/>
+              <a:rPr lang="en-US"/>
               <a:t>Click to edit Master title style</a:t>
             </a:r>
             <a:endParaRPr lang="en-GB"/>
@@ -227,7 +227,7 @@
           </a:lstStyle>
           <a:p>
             <a:r>
-              <a:rPr lang="en-US" smtClean="0"/>
+              <a:rPr lang="en-US"/>
               <a:t>Click to edit Master subtitle style</a:t>
             </a:r>
             <a:endParaRPr lang="en-GB"/>
@@ -251,7 +251,7 @@
           <a:p>
             <a:fld id="{138EF9FC-1996-498E-BB81-707C49C852FF}" type="datetimeFigureOut">
               <a:rPr lang="en-GB" smtClean="0"/>
-              <a:t>24/02/2018</a:t>
+              <a:t>26/02/2018</a:t>
             </a:fld>
             <a:endParaRPr lang="en-GB"/>
           </a:p>
@@ -345,7 +345,7 @@
           <a:lstStyle/>
           <a:p>
             <a:r>
-              <a:rPr lang="en-US" smtClean="0"/>
+              <a:rPr lang="en-US"/>
               <a:t>Click to edit Master title style</a:t>
             </a:r>
             <a:endParaRPr lang="en-GB"/>
@@ -369,35 +369,35 @@
           <a:p>
             <a:pPr lvl="0"/>
             <a:r>
-              <a:rPr lang="en-US" smtClean="0"/>
+              <a:rPr lang="en-US"/>
               <a:t>Edit Master text styles</a:t>
             </a:r>
           </a:p>
           <a:p>
             <a:pPr lvl="1"/>
             <a:r>
-              <a:rPr lang="en-US" smtClean="0"/>
+              <a:rPr lang="en-US"/>
               <a:t>Second level</a:t>
             </a:r>
           </a:p>
           <a:p>
             <a:pPr lvl="2"/>
             <a:r>
-              <a:rPr lang="en-US" smtClean="0"/>
+              <a:rPr lang="en-US"/>
               <a:t>Third level</a:t>
             </a:r>
           </a:p>
           <a:p>
             <a:pPr lvl="3"/>
             <a:r>
-              <a:rPr lang="en-US" smtClean="0"/>
+              <a:rPr lang="en-US"/>
               <a:t>Fourth level</a:t>
             </a:r>
           </a:p>
           <a:p>
             <a:pPr lvl="4"/>
             <a:r>
-              <a:rPr lang="en-US" smtClean="0"/>
+              <a:rPr lang="en-US"/>
               <a:t>Fifth level</a:t>
             </a:r>
             <a:endParaRPr lang="en-GB"/>
@@ -421,7 +421,7 @@
           <a:p>
             <a:fld id="{138EF9FC-1996-498E-BB81-707C49C852FF}" type="datetimeFigureOut">
               <a:rPr lang="en-GB" smtClean="0"/>
-              <a:t>24/02/2018</a:t>
+              <a:t>26/02/2018</a:t>
             </a:fld>
             <a:endParaRPr lang="en-GB"/>
           </a:p>
@@ -520,7 +520,7 @@
           <a:lstStyle/>
           <a:p>
             <a:r>
-              <a:rPr lang="en-US" smtClean="0"/>
+              <a:rPr lang="en-US"/>
               <a:t>Click to edit Master title style</a:t>
             </a:r>
             <a:endParaRPr lang="en-GB"/>
@@ -549,35 +549,35 @@
           <a:p>
             <a:pPr lvl="0"/>
             <a:r>
-              <a:rPr lang="en-US" smtClean="0"/>
+              <a:rPr lang="en-US"/>
               <a:t>Edit Master text styles</a:t>
             </a:r>
           </a:p>
           <a:p>
             <a:pPr lvl="1"/>
             <a:r>
-              <a:rPr lang="en-US" smtClean="0"/>
+              <a:rPr lang="en-US"/>
               <a:t>Second level</a:t>
             </a:r>
           </a:p>
           <a:p>
             <a:pPr lvl="2"/>
             <a:r>
-              <a:rPr lang="en-US" smtClean="0"/>
+              <a:rPr lang="en-US"/>
               <a:t>Third level</a:t>
             </a:r>
           </a:p>
           <a:p>
             <a:pPr lvl="3"/>
             <a:r>
-              <a:rPr lang="en-US" smtClean="0"/>
+              <a:rPr lang="en-US"/>
               <a:t>Fourth level</a:t>
             </a:r>
           </a:p>
           <a:p>
             <a:pPr lvl="4"/>
             <a:r>
-              <a:rPr lang="en-US" smtClean="0"/>
+              <a:rPr lang="en-US"/>
               <a:t>Fifth level</a:t>
             </a:r>
             <a:endParaRPr lang="en-GB"/>
@@ -601,7 +601,7 @@
           <a:p>
             <a:fld id="{138EF9FC-1996-498E-BB81-707C49C852FF}" type="datetimeFigureOut">
               <a:rPr lang="en-GB" smtClean="0"/>
-              <a:t>24/02/2018</a:t>
+              <a:t>26/02/2018</a:t>
             </a:fld>
             <a:endParaRPr lang="en-GB"/>
           </a:p>
@@ -695,7 +695,7 @@
           <a:lstStyle/>
           <a:p>
             <a:r>
-              <a:rPr lang="en-US" smtClean="0"/>
+              <a:rPr lang="en-US"/>
               <a:t>Click to edit Master title style</a:t>
             </a:r>
             <a:endParaRPr lang="en-GB"/>
@@ -719,35 +719,35 @@
           <a:p>
             <a:pPr lvl="0"/>
             <a:r>
-              <a:rPr lang="en-US" smtClean="0"/>
+              <a:rPr lang="en-US"/>
               <a:t>Edit Master text styles</a:t>
             </a:r>
           </a:p>
           <a:p>
             <a:pPr lvl="1"/>
             <a:r>
-              <a:rPr lang="en-US" smtClean="0"/>
+              <a:rPr lang="en-US"/>
               <a:t>Second level</a:t>
             </a:r>
           </a:p>
           <a:p>
             <a:pPr lvl="2"/>
             <a:r>
-              <a:rPr lang="en-US" smtClean="0"/>
+              <a:rPr lang="en-US"/>
               <a:t>Third level</a:t>
             </a:r>
           </a:p>
           <a:p>
             <a:pPr lvl="3"/>
             <a:r>
-              <a:rPr lang="en-US" smtClean="0"/>
+              <a:rPr lang="en-US"/>
               <a:t>Fourth level</a:t>
             </a:r>
           </a:p>
           <a:p>
             <a:pPr lvl="4"/>
             <a:r>
-              <a:rPr lang="en-US" smtClean="0"/>
+              <a:rPr lang="en-US"/>
               <a:t>Fifth level</a:t>
             </a:r>
             <a:endParaRPr lang="en-GB"/>
@@ -771,7 +771,7 @@
           <a:p>
             <a:fld id="{138EF9FC-1996-498E-BB81-707C49C852FF}" type="datetimeFigureOut">
               <a:rPr lang="en-GB" smtClean="0"/>
-              <a:t>24/02/2018</a:t>
+              <a:t>26/02/2018</a:t>
             </a:fld>
             <a:endParaRPr lang="en-GB"/>
           </a:p>
@@ -874,7 +874,7 @@
           </a:lstStyle>
           <a:p>
             <a:r>
-              <a:rPr lang="en-US" smtClean="0"/>
+              <a:rPr lang="en-US"/>
               <a:t>Click to edit Master title style</a:t>
             </a:r>
             <a:endParaRPr lang="en-GB"/>
@@ -994,7 +994,7 @@
           <a:p>
             <a:pPr lvl="0"/>
             <a:r>
-              <a:rPr lang="en-US" smtClean="0"/>
+              <a:rPr lang="en-US"/>
               <a:t>Edit Master text styles</a:t>
             </a:r>
           </a:p>
@@ -1017,7 +1017,7 @@
           <a:p>
             <a:fld id="{138EF9FC-1996-498E-BB81-707C49C852FF}" type="datetimeFigureOut">
               <a:rPr lang="en-GB" smtClean="0"/>
-              <a:t>24/02/2018</a:t>
+              <a:t>26/02/2018</a:t>
             </a:fld>
             <a:endParaRPr lang="en-GB"/>
           </a:p>
@@ -1111,7 +1111,7 @@
           <a:lstStyle/>
           <a:p>
             <a:r>
-              <a:rPr lang="en-US" smtClean="0"/>
+              <a:rPr lang="en-US"/>
               <a:t>Click to edit Master title style</a:t>
             </a:r>
             <a:endParaRPr lang="en-GB"/>
@@ -1140,35 +1140,35 @@
           <a:p>
             <a:pPr lvl="0"/>
             <a:r>
-              <a:rPr lang="en-US" smtClean="0"/>
+              <a:rPr lang="en-US"/>
               <a:t>Edit Master text styles</a:t>
             </a:r>
           </a:p>
           <a:p>
             <a:pPr lvl="1"/>
             <a:r>
-              <a:rPr lang="en-US" smtClean="0"/>
+              <a:rPr lang="en-US"/>
               <a:t>Second level</a:t>
             </a:r>
           </a:p>
           <a:p>
             <a:pPr lvl="2"/>
             <a:r>
-              <a:rPr lang="en-US" smtClean="0"/>
+              <a:rPr lang="en-US"/>
               <a:t>Third level</a:t>
             </a:r>
           </a:p>
           <a:p>
             <a:pPr lvl="3"/>
             <a:r>
-              <a:rPr lang="en-US" smtClean="0"/>
+              <a:rPr lang="en-US"/>
               <a:t>Fourth level</a:t>
             </a:r>
           </a:p>
           <a:p>
             <a:pPr lvl="4"/>
             <a:r>
-              <a:rPr lang="en-US" smtClean="0"/>
+              <a:rPr lang="en-US"/>
               <a:t>Fifth level</a:t>
             </a:r>
             <a:endParaRPr lang="en-GB"/>
@@ -1197,35 +1197,35 @@
           <a:p>
             <a:pPr lvl="0"/>
             <a:r>
-              <a:rPr lang="en-US" smtClean="0"/>
+              <a:rPr lang="en-US"/>
               <a:t>Edit Master text styles</a:t>
             </a:r>
           </a:p>
           <a:p>
             <a:pPr lvl="1"/>
             <a:r>
-              <a:rPr lang="en-US" smtClean="0"/>
+              <a:rPr lang="en-US"/>
               <a:t>Second level</a:t>
             </a:r>
           </a:p>
           <a:p>
             <a:pPr lvl="2"/>
             <a:r>
-              <a:rPr lang="en-US" smtClean="0"/>
+              <a:rPr lang="en-US"/>
               <a:t>Third level</a:t>
             </a:r>
           </a:p>
           <a:p>
             <a:pPr lvl="3"/>
             <a:r>
-              <a:rPr lang="en-US" smtClean="0"/>
+              <a:rPr lang="en-US"/>
               <a:t>Fourth level</a:t>
             </a:r>
           </a:p>
           <a:p>
             <a:pPr lvl="4"/>
             <a:r>
-              <a:rPr lang="en-US" smtClean="0"/>
+              <a:rPr lang="en-US"/>
               <a:t>Fifth level</a:t>
             </a:r>
             <a:endParaRPr lang="en-GB"/>
@@ -1249,7 +1249,7 @@
           <a:p>
             <a:fld id="{138EF9FC-1996-498E-BB81-707C49C852FF}" type="datetimeFigureOut">
               <a:rPr lang="en-GB" smtClean="0"/>
-              <a:t>24/02/2018</a:t>
+              <a:t>26/02/2018</a:t>
             </a:fld>
             <a:endParaRPr lang="en-GB"/>
           </a:p>
@@ -1348,7 +1348,7 @@
           <a:lstStyle/>
           <a:p>
             <a:r>
-              <a:rPr lang="en-US" smtClean="0"/>
+              <a:rPr lang="en-US"/>
               <a:t>Click to edit Master title style</a:t>
             </a:r>
             <a:endParaRPr lang="en-GB"/>
@@ -1414,7 +1414,7 @@
           <a:p>
             <a:pPr lvl="0"/>
             <a:r>
-              <a:rPr lang="en-US" smtClean="0"/>
+              <a:rPr lang="en-US"/>
               <a:t>Edit Master text styles</a:t>
             </a:r>
           </a:p>
@@ -1442,35 +1442,35 @@
           <a:p>
             <a:pPr lvl="0"/>
             <a:r>
-              <a:rPr lang="en-US" smtClean="0"/>
+              <a:rPr lang="en-US"/>
               <a:t>Edit Master text styles</a:t>
             </a:r>
           </a:p>
           <a:p>
             <a:pPr lvl="1"/>
             <a:r>
-              <a:rPr lang="en-US" smtClean="0"/>
+              <a:rPr lang="en-US"/>
               <a:t>Second level</a:t>
             </a:r>
           </a:p>
           <a:p>
             <a:pPr lvl="2"/>
             <a:r>
-              <a:rPr lang="en-US" smtClean="0"/>
+              <a:rPr lang="en-US"/>
               <a:t>Third level</a:t>
             </a:r>
           </a:p>
           <a:p>
             <a:pPr lvl="3"/>
             <a:r>
-              <a:rPr lang="en-US" smtClean="0"/>
+              <a:rPr lang="en-US"/>
               <a:t>Fourth level</a:t>
             </a:r>
           </a:p>
           <a:p>
             <a:pPr lvl="4"/>
             <a:r>
-              <a:rPr lang="en-US" smtClean="0"/>
+              <a:rPr lang="en-US"/>
               <a:t>Fifth level</a:t>
             </a:r>
             <a:endParaRPr lang="en-GB"/>
@@ -1536,7 +1536,7 @@
           <a:p>
             <a:pPr lvl="0"/>
             <a:r>
-              <a:rPr lang="en-US" smtClean="0"/>
+              <a:rPr lang="en-US"/>
               <a:t>Edit Master text styles</a:t>
             </a:r>
           </a:p>
@@ -1564,35 +1564,35 @@
           <a:p>
             <a:pPr lvl="0"/>
             <a:r>
-              <a:rPr lang="en-US" smtClean="0"/>
+              <a:rPr lang="en-US"/>
               <a:t>Edit Master text styles</a:t>
             </a:r>
           </a:p>
           <a:p>
             <a:pPr lvl="1"/>
             <a:r>
-              <a:rPr lang="en-US" smtClean="0"/>
+              <a:rPr lang="en-US"/>
               <a:t>Second level</a:t>
             </a:r>
           </a:p>
           <a:p>
             <a:pPr lvl="2"/>
             <a:r>
-              <a:rPr lang="en-US" smtClean="0"/>
+              <a:rPr lang="en-US"/>
               <a:t>Third level</a:t>
             </a:r>
           </a:p>
           <a:p>
             <a:pPr lvl="3"/>
             <a:r>
-              <a:rPr lang="en-US" smtClean="0"/>
+              <a:rPr lang="en-US"/>
               <a:t>Fourth level</a:t>
             </a:r>
           </a:p>
           <a:p>
             <a:pPr lvl="4"/>
             <a:r>
-              <a:rPr lang="en-US" smtClean="0"/>
+              <a:rPr lang="en-US"/>
               <a:t>Fifth level</a:t>
             </a:r>
             <a:endParaRPr lang="en-GB"/>
@@ -1616,7 +1616,7 @@
           <a:p>
             <a:fld id="{138EF9FC-1996-498E-BB81-707C49C852FF}" type="datetimeFigureOut">
               <a:rPr lang="en-GB" smtClean="0"/>
-              <a:t>24/02/2018</a:t>
+              <a:t>26/02/2018</a:t>
             </a:fld>
             <a:endParaRPr lang="en-GB"/>
           </a:p>
@@ -1710,7 +1710,7 @@
           <a:lstStyle/>
           <a:p>
             <a:r>
-              <a:rPr lang="en-US" smtClean="0"/>
+              <a:rPr lang="en-US"/>
               <a:t>Click to edit Master title style</a:t>
             </a:r>
             <a:endParaRPr lang="en-GB"/>
@@ -1734,7 +1734,7 @@
           <a:p>
             <a:fld id="{138EF9FC-1996-498E-BB81-707C49C852FF}" type="datetimeFigureOut">
               <a:rPr lang="en-GB" smtClean="0"/>
-              <a:t>24/02/2018</a:t>
+              <a:t>26/02/2018</a:t>
             </a:fld>
             <a:endParaRPr lang="en-GB"/>
           </a:p>
@@ -1829,7 +1829,7 @@
           <a:p>
             <a:fld id="{138EF9FC-1996-498E-BB81-707C49C852FF}" type="datetimeFigureOut">
               <a:rPr lang="en-GB" smtClean="0"/>
-              <a:t>24/02/2018</a:t>
+              <a:t>26/02/2018</a:t>
             </a:fld>
             <a:endParaRPr lang="en-GB"/>
           </a:p>
@@ -1932,7 +1932,7 @@
           </a:lstStyle>
           <a:p>
             <a:r>
-              <a:rPr lang="en-US" smtClean="0"/>
+              <a:rPr lang="en-US"/>
               <a:t>Click to edit Master title style</a:t>
             </a:r>
             <a:endParaRPr lang="en-GB"/>
@@ -1989,35 +1989,35 @@
           <a:p>
             <a:pPr lvl="0"/>
             <a:r>
-              <a:rPr lang="en-US" smtClean="0"/>
+              <a:rPr lang="en-US"/>
               <a:t>Edit Master text styles</a:t>
             </a:r>
           </a:p>
           <a:p>
             <a:pPr lvl="1"/>
             <a:r>
-              <a:rPr lang="en-US" smtClean="0"/>
+              <a:rPr lang="en-US"/>
               <a:t>Second level</a:t>
             </a:r>
           </a:p>
           <a:p>
             <a:pPr lvl="2"/>
             <a:r>
-              <a:rPr lang="en-US" smtClean="0"/>
+              <a:rPr lang="en-US"/>
               <a:t>Third level</a:t>
             </a:r>
           </a:p>
           <a:p>
             <a:pPr lvl="3"/>
             <a:r>
-              <a:rPr lang="en-US" smtClean="0"/>
+              <a:rPr lang="en-US"/>
               <a:t>Fourth level</a:t>
             </a:r>
           </a:p>
           <a:p>
             <a:pPr lvl="4"/>
             <a:r>
-              <a:rPr lang="en-US" smtClean="0"/>
+              <a:rPr lang="en-US"/>
               <a:t>Fifth level</a:t>
             </a:r>
             <a:endParaRPr lang="en-GB"/>
@@ -2083,7 +2083,7 @@
           <a:p>
             <a:pPr lvl="0"/>
             <a:r>
-              <a:rPr lang="en-US" smtClean="0"/>
+              <a:rPr lang="en-US"/>
               <a:t>Edit Master text styles</a:t>
             </a:r>
           </a:p>
@@ -2106,7 +2106,7 @@
           <a:p>
             <a:fld id="{138EF9FC-1996-498E-BB81-707C49C852FF}" type="datetimeFigureOut">
               <a:rPr lang="en-GB" smtClean="0"/>
-              <a:t>24/02/2018</a:t>
+              <a:t>26/02/2018</a:t>
             </a:fld>
             <a:endParaRPr lang="en-GB"/>
           </a:p>
@@ -2209,7 +2209,7 @@
           </a:lstStyle>
           <a:p>
             <a:r>
-              <a:rPr lang="en-US" smtClean="0"/>
+              <a:rPr lang="en-US"/>
               <a:t>Click to edit Master title style</a:t>
             </a:r>
             <a:endParaRPr lang="en-GB"/>
@@ -2336,7 +2336,7 @@
           <a:p>
             <a:pPr lvl="0"/>
             <a:r>
-              <a:rPr lang="en-US" smtClean="0"/>
+              <a:rPr lang="en-US"/>
               <a:t>Edit Master text styles</a:t>
             </a:r>
           </a:p>
@@ -2359,7 +2359,7 @@
           <a:p>
             <a:fld id="{138EF9FC-1996-498E-BB81-707C49C852FF}" type="datetimeFigureOut">
               <a:rPr lang="en-GB" smtClean="0"/>
-              <a:t>24/02/2018</a:t>
+              <a:t>26/02/2018</a:t>
             </a:fld>
             <a:endParaRPr lang="en-GB"/>
           </a:p>
@@ -2468,7 +2468,7 @@
           <a:lstStyle/>
           <a:p>
             <a:r>
-              <a:rPr lang="en-US" smtClean="0"/>
+              <a:rPr lang="en-US"/>
               <a:t>Click to edit Master title style</a:t>
             </a:r>
             <a:endParaRPr lang="en-GB"/>
@@ -2502,35 +2502,35 @@
           <a:p>
             <a:pPr lvl="0"/>
             <a:r>
-              <a:rPr lang="en-US" smtClean="0"/>
+              <a:rPr lang="en-US"/>
               <a:t>Edit Master text styles</a:t>
             </a:r>
           </a:p>
           <a:p>
             <a:pPr lvl="1"/>
             <a:r>
-              <a:rPr lang="en-US" smtClean="0"/>
+              <a:rPr lang="en-US"/>
               <a:t>Second level</a:t>
             </a:r>
           </a:p>
           <a:p>
             <a:pPr lvl="2"/>
             <a:r>
-              <a:rPr lang="en-US" smtClean="0"/>
+              <a:rPr lang="en-US"/>
               <a:t>Third level</a:t>
             </a:r>
           </a:p>
           <a:p>
             <a:pPr lvl="3"/>
             <a:r>
-              <a:rPr lang="en-US" smtClean="0"/>
+              <a:rPr lang="en-US"/>
               <a:t>Fourth level</a:t>
             </a:r>
           </a:p>
           <a:p>
             <a:pPr lvl="4"/>
             <a:r>
-              <a:rPr lang="en-US" smtClean="0"/>
+              <a:rPr lang="en-US"/>
               <a:t>Fifth level</a:t>
             </a:r>
             <a:endParaRPr lang="en-GB"/>
@@ -2572,7 +2572,7 @@
           <a:p>
             <a:fld id="{138EF9FC-1996-498E-BB81-707C49C852FF}" type="datetimeFigureOut">
               <a:rPr lang="en-GB" smtClean="0"/>
-              <a:t>24/02/2018</a:t>
+              <a:t>26/02/2018</a:t>
             </a:fld>
             <a:endParaRPr lang="en-GB"/>
           </a:p>
@@ -2993,7 +2993,7 @@
           <a:lstStyle/>
           <a:p>
             <a:r>
-              <a:rPr lang="en-US" dirty="0" smtClean="0"/>
+              <a:rPr lang="en-US" dirty="0"/>
               <a:t>EWAS-fusion</a:t>
             </a:r>
             <a:endParaRPr lang="en-GB" dirty="0"/>
@@ -3010,13 +3010,6 @@
   <p:clrMapOvr>
     <a:masterClrMapping/>
   </p:clrMapOvr>
-  <p:timing>
-    <p:tnLst>
-      <p:par>
-        <p:cTn id="1" dur="indefinite" restart="never" nodeType="tmRoot"/>
-      </p:par>
-    </p:tnLst>
-  </p:timing>
 </p:sld>
 </file>
 
@@ -3054,7 +3047,7 @@
           <a:p>
             <a:pPr algn="ctr"/>
             <a:r>
-              <a:rPr lang="en-US" dirty="0" smtClean="0"/>
+              <a:rPr lang="en-US" dirty="0"/>
               <a:t>TWAS</a:t>
             </a:r>
             <a:endParaRPr lang="en-GB" dirty="0"/>
@@ -3084,7 +3077,7 @@
                   <a:buNone/>
                 </a:pPr>
                 <a:r>
-                  <a:rPr lang="en-GB" dirty="0" smtClean="0"/>
+                  <a:rPr lang="en-GB" dirty="0"/>
                   <a:t>Transcriptomewide association statistic (</a:t>
                 </a:r>
                 <a14:m>
@@ -3123,20 +3116,8 @@
                   </m:oMath>
                 </a14:m>
                 <a:r>
-                  <a:rPr lang="en-GB" dirty="0" smtClean="0"/>
-                  <a:t>) was originally proposed for gene express data</a:t>
-                </a:r>
-                <a:r>
                   <a:rPr lang="en-GB" dirty="0"/>
-                  <a:t>. </a:t>
-                </a:r>
-                <a:r>
-                  <a:rPr lang="en-GB" dirty="0" smtClean="0"/>
-                  <a:t>For </a:t>
-                </a:r>
-                <a:r>
-                  <a:rPr lang="en-GB" dirty="0"/>
-                  <a:t>a given Trait of interest </a:t>
+                  <a:t>) was originally proposed for gene express data. For a given Trait of interest </a:t>
                 </a:r>
                 <a14:m>
                   <m:oMath xmlns:m="http://schemas.openxmlformats.org/officeDocument/2006/math">
@@ -3191,7 +3172,7 @@
                   <a:rPr lang="en-GB" dirty="0"/>
                   <a:t> is available, the corresponding Wald statistic for TWAS is defined such that</a:t>
                 </a:r>
-                <a:endParaRPr lang="en-US" i="1" dirty="0" smtClean="0">
+                <a:endParaRPr lang="en-US" i="1" dirty="0">
                   <a:latin typeface="Cambria Math" panose="02040503050406030204" pitchFamily="18" charset="0"/>
                 </a:endParaRPr>
               </a:p>
@@ -3389,14 +3370,14 @@
                     </m:oMath>
                   </m:oMathPara>
                 </a14:m>
-                <a:endParaRPr lang="en-US" dirty="0" smtClean="0"/>
+                <a:endParaRPr lang="en-US" dirty="0"/>
               </a:p>
               <a:p>
                 <a:pPr marL="0" indent="0">
                   <a:buNone/>
                 </a:pPr>
                 <a:r>
-                  <a:rPr lang="en-GB" dirty="0" smtClean="0"/>
+                  <a:rPr lang="en-GB" dirty="0"/>
                   <a:t>where </a:t>
                 </a:r>
                 <a14:m>
@@ -3479,7 +3460,6 @@
                   <a:rPr lang="en-GB" dirty="0"/>
                   <a:t>, respectively. </a:t>
                 </a:r>
-                <a:endParaRPr lang="en-GB" dirty="0" smtClean="0"/>
               </a:p>
               <a:p>
                 <a:pPr marL="0" indent="0">
@@ -3553,13 +3533,6 @@
   <p:clrMapOvr>
     <a:masterClrMapping/>
   </p:clrMapOvr>
-  <p:timing>
-    <p:tnLst>
-      <p:par>
-        <p:cTn id="1" dur="indefinite" restart="never" nodeType="tmRoot"/>
-      </p:par>
-    </p:tnLst>
-  </p:timing>
 </p:sld>
 </file>
 
@@ -3597,7 +3570,7 @@
           <a:p>
             <a:pPr algn="ctr"/>
             <a:r>
-              <a:rPr lang="en-US" dirty="0" smtClean="0"/>
+              <a:rPr lang="en-US" dirty="0"/>
               <a:t>FUSION I</a:t>
             </a:r>
             <a:endParaRPr lang="en-GB" dirty="0"/>
@@ -3622,20 +3595,8 @@
           <a:lstStyle/>
           <a:p>
             <a:r>
-              <a:rPr lang="en-GB" dirty="0" smtClean="0"/>
-              <a:t>It stands for Functional </a:t>
-            </a:r>
-            <a:r>
               <a:rPr lang="en-GB" dirty="0"/>
-              <a:t>Summary-based Imputation (</a:t>
-            </a:r>
-            <a:r>
-              <a:rPr lang="en-GB" dirty="0" smtClean="0"/>
-              <a:t>FUSION) and  is </a:t>
-            </a:r>
-            <a:r>
-              <a:rPr lang="en-GB" dirty="0"/>
-              <a:t>a suite of tools for performing a transcriptome-wide (or any other </a:t>
+              <a:t>It stands for Functional Summary-based Imputation (FUSION) and  is a suite of tools for performing a transcriptome-wide (or any other </a:t>
             </a:r>
             <a:r>
               <a:rPr lang="en-GB" dirty="0" err="1"/>
@@ -3643,11 +3604,7 @@
             </a:r>
             <a:r>
               <a:rPr lang="en-GB" dirty="0"/>
-              <a:t>-wide) association study by predicting functional/molecular phenotypes into GWAS using only summary statistics. The goal is to identify associations between a GWAS phenotype and a functional phenotype that was only measured in reference data</a:t>
-            </a:r>
-            <a:r>
-              <a:rPr lang="en-GB" dirty="0" smtClean="0"/>
-              <a:t>.</a:t>
+              <a:t>-wide) association study by predicting functional/molecular phenotypes into GWAS using only summary statistics. The goal is to identify associations between a GWAS phenotype and a functional phenotype that was only measured in reference data.</a:t>
             </a:r>
           </a:p>
           <a:p>
@@ -3669,15 +3626,7 @@
             </a:r>
             <a:r>
               <a:rPr lang="en-GB" dirty="0"/>
-              <a:t> disease</a:t>
-            </a:r>
-            <a:r>
-              <a:rPr lang="en-GB" dirty="0" smtClean="0"/>
-              <a:t>: challenges </a:t>
-            </a:r>
-            <a:r>
-              <a:rPr lang="en-GB" dirty="0"/>
-              <a:t>in evaluating causality. Nat Rev </a:t>
+              <a:t> disease: challenges in evaluating causality. Nat Rev </a:t>
             </a:r>
             <a:r>
               <a:rPr lang="en-GB" dirty="0" err="1"/>
@@ -3703,13 +3652,6 @@
   <p:clrMapOvr>
     <a:masterClrMapping/>
   </p:clrMapOvr>
-  <p:timing>
-    <p:tnLst>
-      <p:par>
-        <p:cTn id="1" dur="indefinite" restart="never" nodeType="tmRoot"/>
-      </p:par>
-    </p:tnLst>
-  </p:timing>
 </p:sld>
 </file>
 
@@ -3747,7 +3689,7 @@
           <a:p>
             <a:pPr algn="ctr"/>
             <a:r>
-              <a:rPr lang="en-US" dirty="0" smtClean="0"/>
+              <a:rPr lang="en-US" dirty="0"/>
               <a:t>FUSION II</a:t>
             </a:r>
             <a:endParaRPr lang="en-GB" dirty="0"/>
@@ -3773,31 +3715,7 @@
           <a:p>
             <a:r>
               <a:rPr lang="en-GB" sz="2300" dirty="0"/>
-              <a:t>The FUSION framework has several advantages</a:t>
-            </a:r>
-            <a:r>
-              <a:rPr lang="en-GB" sz="2300" dirty="0" smtClean="0"/>
-              <a:t>: 1. It </a:t>
-            </a:r>
-            <a:r>
-              <a:rPr lang="en-GB" sz="2300" dirty="0"/>
-              <a:t>integrates heritability estimation and covariate adjustment for whole-chromosomes with additional models </a:t>
-            </a:r>
-            <a:r>
-              <a:rPr lang="en-GB" sz="2300" dirty="0" smtClean="0"/>
-              <a:t>LASSO</a:t>
-            </a:r>
-            <a:r>
-              <a:rPr lang="en-GB" sz="2300" dirty="0"/>
-              <a:t>, elastic net, </a:t>
-            </a:r>
-            <a:r>
-              <a:rPr lang="en-GB" sz="2300" dirty="0" smtClean="0"/>
-              <a:t>BLUP and BSLMM.  2. It </a:t>
-            </a:r>
-            <a:r>
-              <a:rPr lang="en-GB" sz="2300" dirty="0"/>
-              <a:t>offers cross-validation, joint/conditional analyses with the output also informing top hit SNPs and inferred methylation quantitative trait locus (</a:t>
+              <a:t>The FUSION framework has several advantages: 1. It integrates heritability estimation and covariate adjustment for whole-chromosomes with additional models LASSO, elastic net, BLUP and BSLMM.  2. It offers cross-validation, joint/conditional analyses with the output also informing top hit SNPs and inferred methylation quantitative trait locus (</a:t>
             </a:r>
             <a:r>
               <a:rPr lang="en-GB" sz="2300" dirty="0" err="1"/>
@@ -3805,15 +3723,7 @@
             </a:r>
             <a:r>
               <a:rPr lang="en-GB" sz="2300" dirty="0"/>
-              <a:t>). </a:t>
-            </a:r>
-            <a:r>
-              <a:rPr lang="en-GB" sz="2300" dirty="0" smtClean="0"/>
-              <a:t>3. he </a:t>
-            </a:r>
-            <a:r>
-              <a:rPr lang="en-GB" sz="2300" dirty="0"/>
-              <a:t>new software uses modified GCTA software (</a:t>
+              <a:t>). 3. The new software uses modified GCTA software (</a:t>
             </a:r>
             <a:r>
               <a:rPr lang="en-GB" sz="2300" dirty="0" err="1"/>
@@ -3831,18 +3741,12 @@
               <a:rPr lang="en-GB" sz="2300" dirty="0"/>
               <a:t> reaching statistical significance, GEMMA giving BSLMM estimates and ability to align strands with reference panels. As both the increased number of models and cross-validation led to excessive computing time, we dropped BSLMM models and conducted five cross-validations. </a:t>
             </a:r>
-            <a:endParaRPr lang="en-GB" sz="2300" dirty="0" smtClean="0"/>
           </a:p>
           <a:p>
             <a:r>
               <a:rPr lang="en-GB" sz="2300" dirty="0"/>
-              <a:t>Mancuso N, et al. (2017). Integrating gene expression with summary association statistics to identify susceptibility genes for 30 complex traits. American Journal of Human Genetics, 2017, 100, </a:t>
-            </a:r>
-            <a:r>
-              <a:rPr lang="en-GB" sz="2300" dirty="0" smtClean="0"/>
-              <a:t>473-487.</a:t>
-            </a:r>
-            <a:endParaRPr lang="en-GB" sz="2300" dirty="0"/>
+              <a:t>Mancuso N, et al. (2017). Integrating gene expression with summary association statistics to identify susceptibility genes for 30 complex traits. American Journal of Human Genetics, 2017, 100, 473-487.</a:t>
+            </a:r>
           </a:p>
         </p:txBody>
       </p:sp>
@@ -3856,13 +3760,6 @@
   <p:clrMapOvr>
     <a:masterClrMapping/>
   </p:clrMapOvr>
-  <p:timing>
-    <p:tnLst>
-      <p:par>
-        <p:cTn id="1" dur="indefinite" restart="never" nodeType="tmRoot"/>
-      </p:par>
-    </p:tnLst>
-  </p:timing>
 </p:sld>
 </file>
 
@@ -3900,7 +3797,7 @@
           <a:p>
             <a:pPr algn="ctr"/>
             <a:r>
-              <a:rPr lang="en-US" smtClean="0"/>
+              <a:rPr lang="en-US"/>
               <a:t>XWAS-fusion</a:t>
             </a:r>
             <a:endParaRPr lang="en-GB" dirty="0"/>
@@ -3923,63 +3820,47 @@
           <a:lstStyle/>
           <a:p>
             <a:r>
-              <a:rPr lang="en-US" dirty="0" err="1" smtClean="0"/>
+              <a:rPr lang="en-US" dirty="0" err="1"/>
               <a:t>Transcriptomewide</a:t>
             </a:r>
             <a:r>
-              <a:rPr lang="en-US" dirty="0" smtClean="0"/>
+              <a:rPr lang="en-US" dirty="0"/>
               <a:t> association studies (TWAS)</a:t>
             </a:r>
-            <a:endParaRPr lang="en-GB" dirty="0" smtClean="0"/>
-          </a:p>
-          <a:p>
-            <a:r>
-              <a:rPr lang="en-GB" dirty="0" err="1" smtClean="0"/>
+            <a:endParaRPr lang="en-GB" dirty="0"/>
+          </a:p>
+          <a:p>
+            <a:r>
+              <a:rPr lang="en-GB" dirty="0" err="1"/>
               <a:t>Epigenomewide</a:t>
             </a:r>
             <a:r>
-              <a:rPr lang="en-GB" dirty="0" smtClean="0"/>
-              <a:t> </a:t>
-            </a:r>
-            <a:r>
               <a:rPr lang="en-GB" dirty="0"/>
-              <a:t>association </a:t>
-            </a:r>
-            <a:r>
-              <a:rPr lang="en-GB" dirty="0" smtClean="0"/>
-              <a:t>(</a:t>
-            </a:r>
-            <a:r>
-              <a:rPr lang="en-GB" dirty="0"/>
-              <a:t>EWAS</a:t>
-            </a:r>
-            <a:r>
-              <a:rPr lang="en-GB" dirty="0" smtClean="0"/>
-              <a:t>)</a:t>
-            </a:r>
-          </a:p>
-          <a:p>
-            <a:r>
-              <a:rPr lang="en-US" dirty="0" err="1" smtClean="0"/>
+              <a:t> association (EWAS)</a:t>
+            </a:r>
+          </a:p>
+          <a:p>
+            <a:r>
+              <a:rPr lang="en-US" dirty="0" err="1"/>
               <a:t>Proteomewide</a:t>
             </a:r>
             <a:r>
-              <a:rPr lang="en-US" dirty="0" smtClean="0"/>
+              <a:rPr lang="en-US" dirty="0"/>
               <a:t> … (PWAS)</a:t>
             </a:r>
           </a:p>
           <a:p>
             <a:r>
-              <a:rPr lang="en-US" dirty="0" smtClean="0"/>
+              <a:rPr lang="en-US" dirty="0"/>
               <a:t>Microbiome … (MWAS)</a:t>
             </a:r>
           </a:p>
           <a:p>
             <a:r>
-              <a:rPr lang="en-US" dirty="0" smtClean="0"/>
+              <a:rPr lang="en-US" dirty="0"/>
               <a:t>…</a:t>
             </a:r>
-            <a:endParaRPr lang="en-GB" dirty="0" smtClean="0"/>
+            <a:endParaRPr lang="en-GB" dirty="0"/>
           </a:p>
         </p:txBody>
       </p:sp>
@@ -3993,13 +3874,6 @@
   <p:clrMapOvr>
     <a:masterClrMapping/>
   </p:clrMapOvr>
-  <p:timing>
-    <p:tnLst>
-      <p:par>
-        <p:cTn id="1" dur="indefinite" restart="never" nodeType="tmRoot"/>
-      </p:par>
-    </p:tnLst>
-  </p:timing>
 </p:sld>
 </file>
 
@@ -4037,15 +3911,15 @@
           <a:p>
             <a:pPr algn="ctr"/>
             <a:r>
-              <a:rPr lang="en-US" smtClean="0"/>
+              <a:rPr lang="en-US"/>
               <a:t>EWAS (X=E)</a:t>
             </a:r>
             <a:endParaRPr lang="en-GB" dirty="0"/>
           </a:p>
         </p:txBody>
       </p:sp>
-      <mc:AlternateContent xmlns:mc="http://schemas.openxmlformats.org/markup-compatibility/2006">
-        <mc:Choice xmlns:a14="http://schemas.microsoft.com/office/drawing/2010/main" Requires="a14">
+      <mc:AlternateContent xmlns:mc="http://schemas.openxmlformats.org/markup-compatibility/2006" xmlns:a14="http://schemas.microsoft.com/office/drawing/2010/main">
+        <mc:Choice Requires="a14">
           <p:sp>
             <p:nvSpPr>
               <p:cNvPr id="3" name="Content Placeholder 2"/>
@@ -4072,24 +3946,8 @@
                   <a:buNone/>
                 </a:pPr>
                 <a:r>
-                  <a:rPr lang="en-GB" dirty="0" smtClean="0"/>
-                  <a:t>Analogous to </a:t>
-                </a:r>
-                <a:r>
                   <a:rPr lang="en-GB" dirty="0"/>
-                  <a:t>T</a:t>
-                </a:r>
-                <a:r>
-                  <a:rPr lang="en-GB" dirty="0" smtClean="0"/>
-                  <a:t>WAS</a:t>
-                </a:r>
-                <a:r>
-                  <a:rPr lang="en-GB" dirty="0" smtClean="0"/>
-                  <a:t>, </a:t>
-                </a:r>
-                <a:r>
-                  <a:rPr lang="en-GB" dirty="0"/>
-                  <a:t>an </a:t>
+                  <a:t>Analogous to TWAS, an </a:t>
                 </a:r>
                 <a:r>
                   <a:rPr lang="en-GB" dirty="0" err="1"/>
@@ -4097,11 +3955,7 @@
                 </a:r>
                 <a:r>
                   <a:rPr lang="en-GB" dirty="0"/>
-                  <a:t> association statistic </a:t>
-                </a:r>
-                <a:r>
-                  <a:rPr lang="en-GB" dirty="0" smtClean="0"/>
-                  <a:t>(</a:t>
+                  <a:t> association statistic (</a:t>
                 </a:r>
                 <a14:m>
                   <m:oMath xmlns:m="http://schemas.openxmlformats.org/officeDocument/2006/math">
@@ -4134,11 +3988,7 @@
                 </a14:m>
                 <a:r>
                   <a:rPr lang="en-GB" dirty="0"/>
-                  <a:t>) is defined through methylation data so </a:t>
-                </a:r>
-                <a:r>
-                  <a:rPr lang="en-GB" dirty="0" smtClean="0"/>
-                  <a:t>that</a:t>
+                  <a:t>) is defined through methylation data so that</a:t>
                 </a:r>
               </a:p>
               <a:p>
@@ -4329,14 +4179,14 @@
                     </m:oMath>
                   </m:oMathPara>
                 </a14:m>
-                <a:endParaRPr lang="en-GB" dirty="0" smtClean="0"/>
+                <a:endParaRPr lang="en-GB" dirty="0"/>
               </a:p>
               <a:p>
                 <a:pPr marL="0" indent="0">
                   <a:buNone/>
                 </a:pPr>
                 <a:r>
-                  <a:rPr lang="en-GB" dirty="0" smtClean="0"/>
+                  <a:rPr lang="en-GB" dirty="0"/>
                   <a:t>where </a:t>
                 </a:r>
                 <a14:m>
@@ -4370,17 +4220,13 @@
                 </a14:m>
                 <a:r>
                   <a:rPr lang="en-GB" dirty="0"/>
-                  <a:t> is the weight associated with methylation. Both approaches allow for imputation using GWAS summary statistics</a:t>
-                </a:r>
-                <a:r>
-                  <a:rPr lang="en-GB" dirty="0" smtClean="0"/>
-                  <a:t>.</a:t>
+                  <a:t> is the weight associated with methylation. Both approaches allow for imputation using GWAS summary statistics.</a:t>
                 </a:r>
               </a:p>
             </p:txBody>
           </p:sp>
         </mc:Choice>
-        <mc:Fallback>
+        <mc:Fallback xmlns="">
           <p:sp>
             <p:nvSpPr>
               <p:cNvPr id="3" name="Content Placeholder 2"/>
@@ -4428,13 +4274,6 @@
   <p:clrMapOvr>
     <a:masterClrMapping/>
   </p:clrMapOvr>
-  <p:timing>
-    <p:tnLst>
-      <p:par>
-        <p:cTn id="1" dur="indefinite" restart="never" nodeType="tmRoot"/>
-      </p:par>
-    </p:tnLst>
-  </p:timing>
 </p:sld>
 </file>
 
@@ -4483,7 +4322,7 @@
           <a:lstStyle/>
           <a:p>
             <a:r>
-              <a:rPr lang="en-US" sz="2400" b="1" dirty="0" smtClean="0"/>
+              <a:rPr lang="en-US" sz="2400" b="1" dirty="0"/>
               <a:t>SNP</a:t>
             </a:r>
             <a:endParaRPr lang="en-GB" sz="2400" b="1" dirty="0"/>
@@ -4530,7 +4369,7 @@
           <a:p>
             <a:pPr algn="ctr"/>
             <a:r>
-              <a:rPr lang="en-US" sz="2400" b="1" dirty="0" smtClean="0"/>
+              <a:rPr lang="en-US" sz="2400" b="1" dirty="0"/>
               <a:t>SNP</a:t>
             </a:r>
             <a:endParaRPr lang="en-GB" sz="2400" b="1" dirty="0"/>
@@ -4577,7 +4416,7 @@
           <a:p>
             <a:pPr algn="ctr"/>
             <a:r>
-              <a:rPr lang="en-US" sz="2400" b="1" dirty="0" smtClean="0"/>
+              <a:rPr lang="en-US" sz="2400" b="1" dirty="0"/>
               <a:t>SNP</a:t>
             </a:r>
             <a:endParaRPr lang="en-GB" sz="2400" b="1" dirty="0"/>
@@ -4624,7 +4463,7 @@
           <a:p>
             <a:pPr algn="ctr"/>
             <a:r>
-              <a:rPr lang="en-US" sz="2400" b="1" dirty="0" smtClean="0"/>
+              <a:rPr lang="en-US" sz="2400" b="1" dirty="0"/>
               <a:t>Trait</a:t>
             </a:r>
             <a:endParaRPr lang="en-GB" sz="2400" b="1" dirty="0"/>
@@ -4673,7 +4512,7 @@
           <a:p>
             <a:pPr algn="ctr"/>
             <a:r>
-              <a:rPr lang="en-US" sz="2400" b="1" dirty="0" smtClean="0"/>
+              <a:rPr lang="en-US" sz="2400" b="1" dirty="0"/>
               <a:t>Methylation</a:t>
             </a:r>
             <a:endParaRPr lang="en-GB" sz="2400" b="1" dirty="0"/>
@@ -4863,7 +4702,7 @@
           <a:lstStyle/>
           <a:p>
             <a:r>
-              <a:rPr lang="en-US" sz="2400" b="1" dirty="0" smtClean="0"/>
+              <a:rPr lang="en-US" sz="2400" b="1" dirty="0"/>
               <a:t>EWAS Reference panel</a:t>
             </a:r>
             <a:endParaRPr lang="en-GB" sz="2400" b="1" dirty="0"/>
@@ -4896,7 +4735,7 @@
           <a:lstStyle/>
           <a:p>
             <a:r>
-              <a:rPr lang="en-US" sz="2400" b="1" dirty="0" smtClean="0"/>
+              <a:rPr lang="en-US" sz="2400" b="1" dirty="0"/>
               <a:t>GWAS summary statistics</a:t>
             </a:r>
             <a:endParaRPr lang="en-GB" sz="2400" b="1" dirty="0"/>
@@ -4931,7 +4770,7 @@
           <a:lstStyle/>
           <a:p>
             <a:r>
-              <a:rPr lang="en-US" sz="2400" b="1" dirty="0" smtClean="0"/>
+              <a:rPr lang="en-US" sz="2400" b="1" dirty="0"/>
               <a:t>LD Reference panel</a:t>
             </a:r>
             <a:endParaRPr lang="en-GB" sz="2400" b="1" dirty="0"/>
@@ -4964,31 +4803,31 @@
           <a:lstStyle/>
           <a:p>
             <a:r>
-              <a:rPr lang="en-US" sz="2400" b="1" dirty="0" smtClean="0"/>
+              <a:rPr lang="en-US" sz="2400" b="1" dirty="0"/>
               <a:t>(top1, </a:t>
             </a:r>
             <a:r>
-              <a:rPr lang="en-US" sz="2400" b="1" dirty="0" err="1" smtClean="0"/>
+              <a:rPr lang="en-US" sz="2400" b="1" dirty="0" err="1"/>
               <a:t>blup</a:t>
             </a:r>
             <a:r>
-              <a:rPr lang="en-US" sz="2400" b="1" dirty="0" smtClean="0"/>
+              <a:rPr lang="en-US" sz="2400" b="1" dirty="0"/>
               <a:t>, lasso, </a:t>
             </a:r>
             <a:r>
-              <a:rPr lang="en-US" sz="2400" b="1" dirty="0" err="1" smtClean="0"/>
+              <a:rPr lang="en-US" sz="2400" b="1" dirty="0" err="1"/>
               <a:t>enet</a:t>
             </a:r>
             <a:r>
-              <a:rPr lang="en-US" sz="2400" b="1" dirty="0" smtClean="0"/>
+              <a:rPr lang="en-US" sz="2400" b="1" dirty="0"/>
               <a:t>, </a:t>
             </a:r>
             <a:r>
-              <a:rPr lang="en-US" sz="2400" b="1" dirty="0" err="1" smtClean="0"/>
+              <a:rPr lang="en-US" sz="2400" b="1" dirty="0" err="1"/>
               <a:t>bslmm</a:t>
             </a:r>
             <a:r>
-              <a:rPr lang="en-US" sz="2400" b="1" dirty="0" smtClean="0"/>
+              <a:rPr lang="en-US" sz="2400" b="1" dirty="0"/>
               <a:t>)</a:t>
             </a:r>
             <a:endParaRPr lang="en-GB" sz="2400" b="1" dirty="0"/>
@@ -5021,7 +4860,7 @@
           <a:lstStyle/>
           <a:p>
             <a:r>
-              <a:rPr lang="en-US" sz="2400" b="1" dirty="0" smtClean="0"/>
+              <a:rPr lang="en-US" sz="2400" b="1" dirty="0"/>
               <a:t>(SNP, A1, A2, Z)</a:t>
             </a:r>
             <a:endParaRPr lang="en-GB" sz="2400" b="1" dirty="0"/>
@@ -5054,15 +4893,15 @@
           <a:lstStyle/>
           <a:p>
             <a:r>
-              <a:rPr lang="en-US" sz="2400" b="1" dirty="0" smtClean="0"/>
+              <a:rPr lang="en-US" sz="2400" b="1" dirty="0"/>
               <a:t>(bed, </a:t>
             </a:r>
             <a:r>
-              <a:rPr lang="en-US" sz="2400" b="1" dirty="0" err="1" smtClean="0"/>
+              <a:rPr lang="en-US" sz="2400" b="1" dirty="0" err="1"/>
               <a:t>bim</a:t>
             </a:r>
             <a:r>
-              <a:rPr lang="en-US" sz="2400" b="1" dirty="0" smtClean="0"/>
+              <a:rPr lang="en-US" sz="2400" b="1" dirty="0"/>
               <a:t>, fam)</a:t>
             </a:r>
             <a:endParaRPr lang="en-GB" sz="2400" b="1" dirty="0"/>
@@ -5092,7 +4931,7 @@
           <a:lstStyle/>
           <a:p>
             <a:r>
-              <a:rPr lang="en-US" sz="2800" b="1" dirty="0" smtClean="0"/>
+              <a:rPr lang="en-US" sz="2800" b="1" dirty="0"/>
               <a:t>EWAS-fusion flowchart</a:t>
             </a:r>
             <a:endParaRPr lang="en-GB" sz="2800" b="1" dirty="0"/>
@@ -5109,13 +4948,6 @@
   <p:clrMapOvr>
     <a:masterClrMapping/>
   </p:clrMapOvr>
-  <p:timing>
-    <p:tnLst>
-      <p:par>
-        <p:cTn id="1" dur="indefinite" restart="never" nodeType="tmRoot"/>
-      </p:par>
-    </p:tnLst>
-  </p:timing>
 </p:sld>
 </file>
 
@@ -5153,7 +4985,7 @@
           <a:p>
             <a:pPr algn="ctr"/>
             <a:r>
-              <a:rPr lang="en-US" dirty="0" smtClean="0"/>
+              <a:rPr lang="en-US" dirty="0"/>
               <a:t>EWAS-fusion I</a:t>
             </a:r>
             <a:endParaRPr lang="en-GB" dirty="0"/>
@@ -5178,12 +5010,8 @@
           <a:lstStyle/>
           <a:p>
             <a:r>
-              <a:rPr lang="en-GB" dirty="0" smtClean="0"/>
-              <a:t>A </a:t>
-            </a:r>
-            <a:r>
               <a:rPr lang="en-GB" dirty="0"/>
-              <a:t>total of 442,920 </a:t>
+              <a:t>A total of 442,920 </a:t>
             </a:r>
             <a:r>
               <a:rPr lang="en-GB" dirty="0" err="1"/>
@@ -5218,12 +5046,8 @@
           </a:p>
           <a:p>
             <a:r>
-              <a:rPr lang="en-GB" dirty="0" smtClean="0"/>
-              <a:t>Probes were filtered according </a:t>
-            </a:r>
-            <a:r>
               <a:rPr lang="en-GB" dirty="0"/>
-              <a:t>to their </a:t>
+              <a:t>Probes were filtered according to their </a:t>
             </a:r>
             <a:r>
               <a:rPr lang="en-GB" dirty="0" err="1"/>
@@ -5231,15 +5055,7 @@
             </a:r>
             <a:r>
               <a:rPr lang="en-GB" dirty="0"/>
-              <a:t> </a:t>
-            </a:r>
-            <a:r>
-              <a:rPr lang="en-GB" dirty="0" smtClean="0"/>
-              <a:t>from </a:t>
-            </a:r>
-            <a:r>
-              <a:rPr lang="en-GB" dirty="0"/>
-              <a:t>modified GCTA software (</a:t>
+              <a:t> from modified GCTA software (</a:t>
             </a:r>
             <a:r>
               <a:rPr lang="en-GB" dirty="0" err="1"/>
@@ -5247,31 +5063,7 @@
             </a:r>
             <a:r>
               <a:rPr lang="en-GB" dirty="0"/>
-              <a:t>) </a:t>
-            </a:r>
-            <a:r>
-              <a:rPr lang="en-GB" dirty="0" smtClean="0"/>
-              <a:t>at significant level </a:t>
-            </a:r>
-            <a:r>
-              <a:rPr lang="en-GB" dirty="0"/>
-              <a:t>of 0.01. </a:t>
-            </a:r>
-            <a:r>
-              <a:rPr lang="en-GB" dirty="0" smtClean="0"/>
-              <a:t>The </a:t>
-            </a:r>
-            <a:r>
-              <a:rPr lang="en-GB" dirty="0"/>
-              <a:t>weight generation and methylation imputation </a:t>
-            </a:r>
-            <a:r>
-              <a:rPr lang="en-GB" dirty="0" smtClean="0"/>
-              <a:t>is now part of </a:t>
-            </a:r>
-            <a:r>
-              <a:rPr lang="en-GB" dirty="0"/>
-              <a:t>EWAS-fusion. We then performed EWAS for given GWAS summary statistics. </a:t>
+              <a:t>) at significant level of 0.01. The weight generation and methylation imputation is now part of EWAS-fusion. We then performed EWAS for given GWAS summary statistics. </a:t>
             </a:r>
           </a:p>
           <a:p>
@@ -5289,13 +5081,6 @@
   <p:clrMapOvr>
     <a:masterClrMapping/>
   </p:clrMapOvr>
-  <p:timing>
-    <p:tnLst>
-      <p:par>
-        <p:cTn id="1" dur="indefinite" restart="never" nodeType="tmRoot"/>
-      </p:par>
-    </p:tnLst>
-  </p:timing>
 </p:sld>
 </file>
 
@@ -5333,7 +5118,7 @@
           <a:p>
             <a:pPr algn="ctr"/>
             <a:r>
-              <a:rPr lang="en-US" dirty="0" smtClean="0"/>
+              <a:rPr lang="en-US" dirty="0"/>
               <a:t>EWAS-fusion II</a:t>
             </a:r>
             <a:endParaRPr lang="en-GB" dirty="0"/>
@@ -5361,30 +5146,22 @@
               <a:buNone/>
             </a:pPr>
             <a:r>
-              <a:rPr lang="en-GB" dirty="0" smtClean="0"/>
+              <a:rPr lang="en-GB" dirty="0"/>
               <a:t>EWAS-fusion has the following components,</a:t>
             </a:r>
-            <a:endParaRPr lang="en-US" dirty="0" smtClean="0"/>
-          </a:p>
-          <a:p>
             <a:endParaRPr lang="en-US" dirty="0"/>
           </a:p>
           <a:p>
-            <a:r>
-              <a:rPr lang="en-US" dirty="0" err="1" smtClean="0"/>
+            <a:endParaRPr lang="en-US" dirty="0"/>
+          </a:p>
+          <a:p>
+            <a:r>
+              <a:rPr lang="en-US" dirty="0" err="1"/>
               <a:t>get_weight.qsub</a:t>
             </a:r>
             <a:r>
-              <a:rPr lang="en-US" dirty="0" smtClean="0"/>
-              <a:t> </a:t>
-            </a:r>
-            <a:r>
               <a:rPr lang="en-US" dirty="0"/>
-              <a:t>is a revised script to generate probe-specific weights </a:t>
-            </a:r>
-            <a:r>
-              <a:rPr lang="en-US" dirty="0" smtClean="0"/>
-              <a:t>and ewas-fusion.sh is the script for association analysis both via </a:t>
+              <a:t> is a revised script to generate probe-specific weights and ewas-fusion.sh is the script for association analysis both via </a:t>
             </a:r>
             <a:r>
               <a:rPr lang="en-US" dirty="0" err="1"/>
@@ -5398,33 +5175,25 @@
           </a:p>
           <a:p>
             <a:r>
-              <a:rPr lang="en-GB" dirty="0" smtClean="0"/>
-              <a:t>ewas-fusion.sh conducts association </a:t>
-            </a:r>
-            <a:r>
               <a:rPr lang="en-GB" dirty="0"/>
-              <a:t>as well as joint/conditional analysis using our weights and LD panel </a:t>
-            </a:r>
-            <a:r>
-              <a:rPr lang="en-GB" dirty="0" smtClean="0"/>
-              <a:t>as distributed by software FUSION.</a:t>
-            </a:r>
-          </a:p>
-          <a:p>
-            <a:r>
-              <a:rPr lang="en-US" dirty="0" err="1" smtClean="0"/>
+              <a:t>ewas-fusion.sh conducts association as well as joint/conditional analysis using our weights and LD panel as distributed by software FUSION.</a:t>
+            </a:r>
+          </a:p>
+          <a:p>
+            <a:r>
+              <a:rPr lang="en-US" dirty="0" err="1"/>
               <a:t>ewas-annotate.R</a:t>
             </a:r>
             <a:r>
-              <a:rPr lang="en-US" dirty="0" smtClean="0"/>
+              <a:rPr lang="en-US" dirty="0"/>
               <a:t> and </a:t>
             </a:r>
             <a:r>
-              <a:rPr lang="en-US" dirty="0" err="1" smtClean="0"/>
+              <a:rPr lang="en-US" dirty="0" err="1"/>
               <a:t>ewas-plot.R</a:t>
             </a:r>
             <a:r>
-              <a:rPr lang="en-US" dirty="0" smtClean="0"/>
+              <a:rPr lang="en-US" dirty="0"/>
               <a:t> facilitate analysis described above.</a:t>
             </a:r>
             <a:endParaRPr lang="en-GB" dirty="0"/>
@@ -5444,13 +5213,6 @@
   <p:clrMapOvr>
     <a:masterClrMapping/>
   </p:clrMapOvr>
-  <p:timing>
-    <p:tnLst>
-      <p:par>
-        <p:cTn id="1" dur="indefinite" restart="never" nodeType="tmRoot"/>
-      </p:par>
-    </p:tnLst>
-  </p:timing>
 </p:sld>
 </file>
 

--- a/README.pptx
+++ b/README.pptx
@@ -12,8 +12,9 @@
     <p:sldId id="257" r:id="rId6"/>
     <p:sldId id="259" r:id="rId7"/>
     <p:sldId id="267" r:id="rId8"/>
-    <p:sldId id="266" r:id="rId9"/>
-    <p:sldId id="262" r:id="rId10"/>
+    <p:sldId id="268" r:id="rId9"/>
+    <p:sldId id="266" r:id="rId10"/>
+    <p:sldId id="262" r:id="rId11"/>
   </p:sldIdLst>
   <p:sldSz cx="12192000" cy="6858000"/>
   <p:notesSz cx="6858000" cy="9144000"/>
@@ -114,7 +115,7 @@
   </p:defaultTextStyle>
   <p:extLst>
     <p:ext uri="{EFAFB233-063F-42B5-8137-9DF3F51BA10A}">
-      <p15:sldGuideLst xmlns:p15="http://schemas.microsoft.com/office/powerpoint/2012/main"/>
+      <p15:sldGuideLst xmlns="" xmlns:p15="http://schemas.microsoft.com/office/powerpoint/2012/main"/>
     </p:ext>
   </p:extLst>
 </p:presentation>
@@ -251,7 +252,7 @@
           <a:p>
             <a:fld id="{138EF9FC-1996-498E-BB81-707C49C852FF}" type="datetimeFigureOut">
               <a:rPr lang="en-GB" smtClean="0"/>
-              <a:t>26/02/2018</a:t>
+              <a:t>27/02/2018</a:t>
             </a:fld>
             <a:endParaRPr lang="en-GB"/>
           </a:p>
@@ -421,7 +422,7 @@
           <a:p>
             <a:fld id="{138EF9FC-1996-498E-BB81-707C49C852FF}" type="datetimeFigureOut">
               <a:rPr lang="en-GB" smtClean="0"/>
-              <a:t>26/02/2018</a:t>
+              <a:t>27/02/2018</a:t>
             </a:fld>
             <a:endParaRPr lang="en-GB"/>
           </a:p>
@@ -601,7 +602,7 @@
           <a:p>
             <a:fld id="{138EF9FC-1996-498E-BB81-707C49C852FF}" type="datetimeFigureOut">
               <a:rPr lang="en-GB" smtClean="0"/>
-              <a:t>26/02/2018</a:t>
+              <a:t>27/02/2018</a:t>
             </a:fld>
             <a:endParaRPr lang="en-GB"/>
           </a:p>
@@ -771,7 +772,7 @@
           <a:p>
             <a:fld id="{138EF9FC-1996-498E-BB81-707C49C852FF}" type="datetimeFigureOut">
               <a:rPr lang="en-GB" smtClean="0"/>
-              <a:t>26/02/2018</a:t>
+              <a:t>27/02/2018</a:t>
             </a:fld>
             <a:endParaRPr lang="en-GB"/>
           </a:p>
@@ -1017,7 +1018,7 @@
           <a:p>
             <a:fld id="{138EF9FC-1996-498E-BB81-707C49C852FF}" type="datetimeFigureOut">
               <a:rPr lang="en-GB" smtClean="0"/>
-              <a:t>26/02/2018</a:t>
+              <a:t>27/02/2018</a:t>
             </a:fld>
             <a:endParaRPr lang="en-GB"/>
           </a:p>
@@ -1249,7 +1250,7 @@
           <a:p>
             <a:fld id="{138EF9FC-1996-498E-BB81-707C49C852FF}" type="datetimeFigureOut">
               <a:rPr lang="en-GB" smtClean="0"/>
-              <a:t>26/02/2018</a:t>
+              <a:t>27/02/2018</a:t>
             </a:fld>
             <a:endParaRPr lang="en-GB"/>
           </a:p>
@@ -1616,7 +1617,7 @@
           <a:p>
             <a:fld id="{138EF9FC-1996-498E-BB81-707C49C852FF}" type="datetimeFigureOut">
               <a:rPr lang="en-GB" smtClean="0"/>
-              <a:t>26/02/2018</a:t>
+              <a:t>27/02/2018</a:t>
             </a:fld>
             <a:endParaRPr lang="en-GB"/>
           </a:p>
@@ -1734,7 +1735,7 @@
           <a:p>
             <a:fld id="{138EF9FC-1996-498E-BB81-707C49C852FF}" type="datetimeFigureOut">
               <a:rPr lang="en-GB" smtClean="0"/>
-              <a:t>26/02/2018</a:t>
+              <a:t>27/02/2018</a:t>
             </a:fld>
             <a:endParaRPr lang="en-GB"/>
           </a:p>
@@ -1829,7 +1830,7 @@
           <a:p>
             <a:fld id="{138EF9FC-1996-498E-BB81-707C49C852FF}" type="datetimeFigureOut">
               <a:rPr lang="en-GB" smtClean="0"/>
-              <a:t>26/02/2018</a:t>
+              <a:t>27/02/2018</a:t>
             </a:fld>
             <a:endParaRPr lang="en-GB"/>
           </a:p>
@@ -2106,7 +2107,7 @@
           <a:p>
             <a:fld id="{138EF9FC-1996-498E-BB81-707C49C852FF}" type="datetimeFigureOut">
               <a:rPr lang="en-GB" smtClean="0"/>
-              <a:t>26/02/2018</a:t>
+              <a:t>27/02/2018</a:t>
             </a:fld>
             <a:endParaRPr lang="en-GB"/>
           </a:p>
@@ -2359,7 +2360,7 @@
           <a:p>
             <a:fld id="{138EF9FC-1996-498E-BB81-707C49C852FF}" type="datetimeFigureOut">
               <a:rPr lang="en-GB" smtClean="0"/>
-              <a:t>26/02/2018</a:t>
+              <a:t>27/02/2018</a:t>
             </a:fld>
             <a:endParaRPr lang="en-GB"/>
           </a:p>
@@ -2572,7 +2573,7 @@
           <a:p>
             <a:fld id="{138EF9FC-1996-498E-BB81-707C49C852FF}" type="datetimeFigureOut">
               <a:rPr lang="en-GB" smtClean="0"/>
-              <a:t>26/02/2018</a:t>
+              <a:t>27/02/2018</a:t>
             </a:fld>
             <a:endParaRPr lang="en-GB"/>
           </a:p>
@@ -3013,6 +3014,138 @@
 </p:sld>
 </file>
 
+<file path=ppt/slides/slide10.xml><?xml version="1.0" encoding="utf-8"?>
+<p:sld xmlns:a="http://schemas.openxmlformats.org/drawingml/2006/main" xmlns:r="http://schemas.openxmlformats.org/officeDocument/2006/relationships" xmlns:p="http://schemas.openxmlformats.org/presentationml/2006/main">
+  <p:cSld>
+    <p:spTree>
+      <p:nvGrpSpPr>
+        <p:cNvPr id="1" name=""/>
+        <p:cNvGrpSpPr/>
+        <p:nvPr/>
+      </p:nvGrpSpPr>
+      <p:grpSpPr>
+        <a:xfrm>
+          <a:off x="0" y="0"/>
+          <a:ext cx="0" cy="0"/>
+          <a:chOff x="0" y="0"/>
+          <a:chExt cx="0" cy="0"/>
+        </a:xfrm>
+      </p:grpSpPr>
+      <p:sp>
+        <p:nvSpPr>
+          <p:cNvPr id="2" name="Title 1"/>
+          <p:cNvSpPr>
+            <a:spLocks noGrp="1"/>
+          </p:cNvSpPr>
+          <p:nvPr>
+            <p:ph type="title"/>
+          </p:nvPr>
+        </p:nvSpPr>
+        <p:spPr/>
+        <p:txBody>
+          <a:bodyPr/>
+          <a:lstStyle/>
+          <a:p>
+            <a:pPr algn="ctr"/>
+            <a:r>
+              <a:rPr lang="en-US" dirty="0"/>
+              <a:t>EWAS-fusion II</a:t>
+            </a:r>
+            <a:endParaRPr lang="en-GB" dirty="0"/>
+          </a:p>
+        </p:txBody>
+      </p:sp>
+      <p:sp>
+        <p:nvSpPr>
+          <p:cNvPr id="3" name="Content Placeholder 2"/>
+          <p:cNvSpPr>
+            <a:spLocks noGrp="1"/>
+          </p:cNvSpPr>
+          <p:nvPr>
+            <p:ph idx="1"/>
+          </p:nvPr>
+        </p:nvSpPr>
+        <p:spPr/>
+        <p:txBody>
+          <a:bodyPr>
+            <a:normAutofit/>
+          </a:bodyPr>
+          <a:lstStyle/>
+          <a:p>
+            <a:pPr marL="0" indent="0">
+              <a:buNone/>
+            </a:pPr>
+            <a:r>
+              <a:rPr lang="en-GB" dirty="0"/>
+              <a:t>EWAS-fusion has the following components,</a:t>
+            </a:r>
+            <a:endParaRPr lang="en-US" dirty="0"/>
+          </a:p>
+          <a:p>
+            <a:endParaRPr lang="en-US" dirty="0"/>
+          </a:p>
+          <a:p>
+            <a:r>
+              <a:rPr lang="en-US" dirty="0" err="1"/>
+              <a:t>get_weight.qsub</a:t>
+            </a:r>
+            <a:r>
+              <a:rPr lang="en-US" dirty="0"/>
+              <a:t> is a revised script to generate probe-specific weights and ewas-fusion.sh is the script for association analysis both via </a:t>
+            </a:r>
+            <a:r>
+              <a:rPr lang="en-US" dirty="0" err="1"/>
+              <a:t>sge</a:t>
+            </a:r>
+            <a:r>
+              <a:rPr lang="en-US" dirty="0"/>
+              <a:t>.</a:t>
+            </a:r>
+            <a:endParaRPr lang="en-GB" dirty="0"/>
+          </a:p>
+          <a:p>
+            <a:r>
+              <a:rPr lang="en-GB" dirty="0"/>
+              <a:t>ewas-fusion.sh conducts association as well as joint/conditional analysis using our weights and LD panel as distributed by software FUSION.</a:t>
+            </a:r>
+          </a:p>
+          <a:p>
+            <a:r>
+              <a:rPr lang="en-US" dirty="0" err="1"/>
+              <a:t>ewas-annotate.R</a:t>
+            </a:r>
+            <a:r>
+              <a:rPr lang="en-US" dirty="0"/>
+              <a:t> and </a:t>
+            </a:r>
+            <a:r>
+              <a:rPr lang="en-US" dirty="0" err="1"/>
+              <a:t>ewas-plot.R</a:t>
+            </a:r>
+            <a:r>
+              <a:rPr lang="en-US" dirty="0"/>
+              <a:t> facilitate analysis described above.</a:t>
+            </a:r>
+            <a:endParaRPr lang="en-GB" dirty="0"/>
+          </a:p>
+          <a:p>
+            <a:endParaRPr lang="en-GB" dirty="0"/>
+          </a:p>
+        </p:txBody>
+      </p:sp>
+    </p:spTree>
+    <p:extLst>
+      <p:ext uri="{BB962C8B-B14F-4D97-AF65-F5344CB8AC3E}">
+        <p14:creationId xmlns:p14="http://schemas.microsoft.com/office/powerpoint/2010/main" val="1064561388"/>
+      </p:ext>
+    </p:extLst>
+  </p:cSld>
+  <p:clrMapOvr>
+    <a:masterClrMapping/>
+  </p:clrMapOvr>
+</p:sld>
+</file>
+
 <file path=ppt/slides/slide2.xml><?xml version="1.0" encoding="utf-8"?>
 <p:sld xmlns:a="http://schemas.openxmlformats.org/drawingml/2006/main" xmlns:r="http://schemas.openxmlformats.org/officeDocument/2006/relationships" xmlns:p="http://schemas.openxmlformats.org/presentationml/2006/main">
   <p:cSld>
@@ -3086,7 +3219,7 @@
                       <m:sSubPr>
                         <m:ctrlPr>
                           <a:rPr lang="en-GB" i="1">
-                            <a:latin typeface="Cambria Math" panose="02040503050406030204" pitchFamily="18" charset="0"/>
+                            <a:latin typeface="Cambria Math"/>
                           </a:rPr>
                         </m:ctrlPr>
                       </m:sSubPr>
@@ -3139,7 +3272,7 @@
                       <m:sSubPr>
                         <m:ctrlPr>
                           <a:rPr lang="en-GB" i="1">
-                            <a:latin typeface="Cambria Math" panose="02040503050406030204" pitchFamily="18" charset="0"/>
+                            <a:latin typeface="Cambria Math"/>
                           </a:rPr>
                         </m:ctrlPr>
                       </m:sSubPr>
@@ -3196,7 +3329,7 @@
                         <m:sSubPr>
                           <m:ctrlPr>
                             <a:rPr lang="en-GB" i="1">
-                              <a:latin typeface="Cambria Math" panose="02040503050406030204" pitchFamily="18" charset="0"/>
+                              <a:latin typeface="Cambria Math"/>
                             </a:rPr>
                           </m:ctrlPr>
                         </m:sSubPr>
@@ -3227,7 +3360,7 @@
                         <m:fPr>
                           <m:ctrlPr>
                             <a:rPr lang="en-GB" i="1">
-                              <a:latin typeface="Cambria Math" panose="02040503050406030204" pitchFamily="18" charset="0"/>
+                              <a:latin typeface="Cambria Math"/>
                             </a:rPr>
                           </m:ctrlPr>
                         </m:fPr>
@@ -3236,7 +3369,7 @@
                             <m:sSubPr>
                               <m:ctrlPr>
                                 <a:rPr lang="en-GB" i="1">
-                                  <a:latin typeface="Cambria Math" panose="02040503050406030204" pitchFamily="18" charset="0"/>
+                                  <a:latin typeface="Cambria Math"/>
                                 </a:rPr>
                               </m:ctrlPr>
                             </m:sSubPr>
@@ -3267,7 +3400,7 @@
                             <m:sSubPr>
                               <m:ctrlPr>
                                 <a:rPr lang="en-GB" i="1">
-                                  <a:latin typeface="Cambria Math" panose="02040503050406030204" pitchFamily="18" charset="0"/>
+                                  <a:latin typeface="Cambria Math"/>
                                 </a:rPr>
                               </m:ctrlPr>
                             </m:sSubPr>
@@ -3295,7 +3428,7 @@
                               <m:degHide m:val="on"/>
                               <m:ctrlPr>
                                 <a:rPr lang="en-GB" i="1">
-                                  <a:latin typeface="Cambria Math" panose="02040503050406030204" pitchFamily="18" charset="0"/>
+                                  <a:latin typeface="Cambria Math"/>
                                 </a:rPr>
                               </m:ctrlPr>
                             </m:radPr>
@@ -3305,7 +3438,7 @@
                                 <m:sSubPr>
                                   <m:ctrlPr>
                                     <a:rPr lang="en-GB" i="1">
-                                      <a:latin typeface="Cambria Math" panose="02040503050406030204" pitchFamily="18" charset="0"/>
+                                      <a:latin typeface="Cambria Math"/>
                                     </a:rPr>
                                   </m:ctrlPr>
                                 </m:sSubPr>
@@ -3342,7 +3475,7 @@
                                 <m:sSubPr>
                                   <m:ctrlPr>
                                     <a:rPr lang="en-GB" i="1">
-                                      <a:latin typeface="Cambria Math" panose="02040503050406030204" pitchFamily="18" charset="0"/>
+                                      <a:latin typeface="Cambria Math"/>
                                     </a:rPr>
                                   </m:ctrlPr>
                                 </m:sSubPr>
@@ -3386,7 +3519,7 @@
                       <m:sSubPr>
                         <m:ctrlPr>
                           <a:rPr lang="en-GB" i="1">
-                            <a:latin typeface="Cambria Math" panose="02040503050406030204" pitchFamily="18" charset="0"/>
+                            <a:latin typeface="Cambria Math"/>
                           </a:rPr>
                         </m:ctrlPr>
                       </m:sSubPr>
@@ -3433,7 +3566,7 @@
                       <m:sSubPr>
                         <m:ctrlPr>
                           <a:rPr lang="en-GB" i="1">
-                            <a:latin typeface="Cambria Math" panose="02040503050406030204" pitchFamily="18" charset="0"/>
+                            <a:latin typeface="Cambria Math"/>
                           </a:rPr>
                         </m:ctrlPr>
                       </m:sSubPr>
@@ -3963,7 +4096,7 @@
                       <m:sSubPr>
                         <m:ctrlPr>
                           <a:rPr lang="en-GB" i="1">
-                            <a:latin typeface="Cambria Math" panose="02040503050406030204" pitchFamily="18" charset="0"/>
+                            <a:latin typeface="Cambria Math"/>
                           </a:rPr>
                         </m:ctrlPr>
                       </m:sSubPr>
@@ -4005,7 +4138,7 @@
                         <m:sSubPr>
                           <m:ctrlPr>
                             <a:rPr lang="en-GB" i="1">
-                              <a:latin typeface="Cambria Math" panose="02040503050406030204" pitchFamily="18" charset="0"/>
+                              <a:latin typeface="Cambria Math"/>
                             </a:rPr>
                           </m:ctrlPr>
                         </m:sSubPr>
@@ -4036,7 +4169,7 @@
                         <m:fPr>
                           <m:ctrlPr>
                             <a:rPr lang="en-GB" i="1">
-                              <a:latin typeface="Cambria Math" panose="02040503050406030204" pitchFamily="18" charset="0"/>
+                              <a:latin typeface="Cambria Math"/>
                             </a:rPr>
                           </m:ctrlPr>
                         </m:fPr>
@@ -4045,7 +4178,7 @@
                             <m:sSubPr>
                               <m:ctrlPr>
                                 <a:rPr lang="en-GB" i="1">
-                                  <a:latin typeface="Cambria Math" panose="02040503050406030204" pitchFamily="18" charset="0"/>
+                                  <a:latin typeface="Cambria Math"/>
                                 </a:rPr>
                               </m:ctrlPr>
                             </m:sSubPr>
@@ -4076,7 +4209,7 @@
                             <m:sSubPr>
                               <m:ctrlPr>
                                 <a:rPr lang="en-GB" i="1">
-                                  <a:latin typeface="Cambria Math" panose="02040503050406030204" pitchFamily="18" charset="0"/>
+                                  <a:latin typeface="Cambria Math"/>
                                 </a:rPr>
                               </m:ctrlPr>
                             </m:sSubPr>
@@ -4104,7 +4237,7 @@
                               <m:degHide m:val="on"/>
                               <m:ctrlPr>
                                 <a:rPr lang="en-GB" i="1">
-                                  <a:latin typeface="Cambria Math" panose="02040503050406030204" pitchFamily="18" charset="0"/>
+                                  <a:latin typeface="Cambria Math"/>
                                 </a:rPr>
                               </m:ctrlPr>
                             </m:radPr>
@@ -4114,7 +4247,7 @@
                                 <m:sSubPr>
                                   <m:ctrlPr>
                                     <a:rPr lang="en-GB" i="1">
-                                      <a:latin typeface="Cambria Math" panose="02040503050406030204" pitchFamily="18" charset="0"/>
+                                      <a:latin typeface="Cambria Math"/>
                                     </a:rPr>
                                   </m:ctrlPr>
                                 </m:sSubPr>
@@ -4151,7 +4284,7 @@
                                 <m:sSubPr>
                                   <m:ctrlPr>
                                     <a:rPr lang="en-GB" i="1">
-                                      <a:latin typeface="Cambria Math" panose="02040503050406030204" pitchFamily="18" charset="0"/>
+                                      <a:latin typeface="Cambria Math"/>
                                     </a:rPr>
                                   </m:ctrlPr>
                                 </m:sSubPr>
@@ -4195,7 +4328,7 @@
                       <m:sSubPr>
                         <m:ctrlPr>
                           <a:rPr lang="en-GB" i="1">
-                            <a:latin typeface="Cambria Math" panose="02040503050406030204" pitchFamily="18" charset="0"/>
+                            <a:latin typeface="Cambria Math"/>
                           </a:rPr>
                         </m:ctrlPr>
                       </m:sSubPr>
@@ -4916,8 +5049,8 @@
         </p:nvSpPr>
         <p:spPr>
           <a:xfrm>
-            <a:off x="4895274" y="4781966"/>
-            <a:ext cx="3602205" cy="523220"/>
+            <a:off x="5956934" y="4509886"/>
+            <a:ext cx="2088200" cy="523220"/>
           </a:xfrm>
           <a:prstGeom prst="rect">
             <a:avLst/>
@@ -4931,8 +5064,8 @@
           <a:lstStyle/>
           <a:p>
             <a:r>
-              <a:rPr lang="en-US" sz="2800" b="1" dirty="0"/>
-              <a:t>EWAS-fusion flowchart</a:t>
+              <a:rPr lang="en-US" sz="2800" b="1" dirty="0" smtClean="0"/>
+              <a:t>EWAS-fusion</a:t>
             </a:r>
             <a:endParaRPr lang="en-GB" sz="2800" b="1" dirty="0"/>
           </a:p>
@@ -4970,111 +5103,454 @@
       </p:grpSpPr>
       <p:sp>
         <p:nvSpPr>
-          <p:cNvPr id="2" name="Title 1"/>
-          <p:cNvSpPr>
-            <a:spLocks noGrp="1"/>
-          </p:cNvSpPr>
-          <p:nvPr>
-            <p:ph type="title"/>
-          </p:nvPr>
-        </p:nvSpPr>
-        <p:spPr/>
-        <p:txBody>
-          <a:bodyPr/>
+          <p:cNvPr id="8" name="Rectangle 7"/>
+          <p:cNvSpPr/>
+          <p:nvPr/>
+        </p:nvSpPr>
+        <p:spPr>
+          <a:xfrm>
+            <a:off x="3491346" y="3043382"/>
+            <a:ext cx="1403928" cy="628073"/>
+          </a:xfrm>
+          <a:prstGeom prst="rect">
+            <a:avLst/>
+          </a:prstGeom>
+          <a:ln w="38100" cmpd="sng">
+            <a:solidFill>
+              <a:schemeClr val="accent6"/>
+            </a:solidFill>
+          </a:ln>
+        </p:spPr>
+        <p:style>
+          <a:lnRef idx="2">
+            <a:schemeClr val="accent6"/>
+          </a:lnRef>
+          <a:fillRef idx="1">
+            <a:schemeClr val="lt1"/>
+          </a:fillRef>
+          <a:effectRef idx="0">
+            <a:schemeClr val="accent6"/>
+          </a:effectRef>
+          <a:fontRef idx="minor">
+            <a:schemeClr val="dk1"/>
+          </a:fontRef>
+        </p:style>
+        <p:txBody>
+          <a:bodyPr rtlCol="0" anchor="ctr"/>
           <a:lstStyle/>
           <a:p>
             <a:pPr algn="ctr"/>
             <a:r>
-              <a:rPr lang="en-US" dirty="0"/>
-              <a:t>EWAS-fusion I</a:t>
-            </a:r>
-            <a:endParaRPr lang="en-GB" dirty="0"/>
-          </a:p>
-        </p:txBody>
-      </p:sp>
-      <p:sp>
-        <p:nvSpPr>
-          <p:cNvPr id="3" name="Content Placeholder 2"/>
-          <p:cNvSpPr>
-            <a:spLocks noGrp="1"/>
-          </p:cNvSpPr>
-          <p:nvPr>
-            <p:ph idx="1"/>
-          </p:nvPr>
-        </p:nvSpPr>
-        <p:spPr/>
-        <p:txBody>
-          <a:bodyPr>
-            <a:normAutofit fontScale="92500" lnSpcReduction="10000"/>
+              <a:rPr lang="en-US" sz="2400" b="1" dirty="0"/>
+              <a:t>SNP</a:t>
+            </a:r>
+            <a:endParaRPr lang="en-GB" sz="2400" b="1" dirty="0"/>
+          </a:p>
+        </p:txBody>
+      </p:sp>
+      <p:sp>
+        <p:nvSpPr>
+          <p:cNvPr id="9" name="Rectangle 8"/>
+          <p:cNvSpPr/>
+          <p:nvPr/>
+        </p:nvSpPr>
+        <p:spPr>
+          <a:xfrm>
+            <a:off x="9305636" y="3043381"/>
+            <a:ext cx="1870363" cy="628073"/>
+          </a:xfrm>
+          <a:prstGeom prst="rect">
+            <a:avLst/>
+          </a:prstGeom>
+          <a:ln w="38100" cmpd="sng">
+            <a:solidFill>
+              <a:schemeClr val="accent6"/>
+            </a:solidFill>
+          </a:ln>
+        </p:spPr>
+        <p:style>
+          <a:lnRef idx="2">
+            <a:schemeClr val="accent6"/>
+          </a:lnRef>
+          <a:fillRef idx="1">
+            <a:schemeClr val="lt1"/>
+          </a:fillRef>
+          <a:effectRef idx="0">
+            <a:schemeClr val="accent6"/>
+          </a:effectRef>
+          <a:fontRef idx="minor">
+            <a:schemeClr val="dk1"/>
+          </a:fontRef>
+        </p:style>
+        <p:txBody>
+          <a:bodyPr rtlCol="0" anchor="ctr"/>
+          <a:lstStyle/>
+          <a:p>
+            <a:pPr algn="ctr"/>
+            <a:r>
+              <a:rPr lang="en-US" sz="2400" b="1" dirty="0"/>
+              <a:t>Trait</a:t>
+            </a:r>
+            <a:endParaRPr lang="en-GB" sz="2400" b="1" dirty="0"/>
+          </a:p>
+        </p:txBody>
+      </p:sp>
+      <p:sp>
+        <p:nvSpPr>
+          <p:cNvPr id="10" name="Rectangle 9"/>
+          <p:cNvSpPr/>
+          <p:nvPr/>
+        </p:nvSpPr>
+        <p:spPr>
+          <a:xfrm>
+            <a:off x="5954149" y="1089281"/>
+            <a:ext cx="1870364" cy="628073"/>
+          </a:xfrm>
+          <a:prstGeom prst="rect">
+            <a:avLst/>
+          </a:prstGeom>
+          <a:ln w="38100" cmpd="sng">
+            <a:solidFill>
+              <a:schemeClr val="accent6">
+                <a:alpha val="97000"/>
+              </a:schemeClr>
+            </a:solidFill>
+          </a:ln>
+        </p:spPr>
+        <p:style>
+          <a:lnRef idx="2">
+            <a:schemeClr val="accent6"/>
+          </a:lnRef>
+          <a:fillRef idx="1">
+            <a:schemeClr val="lt1"/>
+          </a:fillRef>
+          <a:effectRef idx="0">
+            <a:schemeClr val="accent6"/>
+          </a:effectRef>
+          <a:fontRef idx="minor">
+            <a:schemeClr val="dk1"/>
+          </a:fontRef>
+        </p:style>
+        <p:txBody>
+          <a:bodyPr rtlCol="0" anchor="ctr"/>
+          <a:lstStyle/>
+          <a:p>
+            <a:pPr algn="ctr"/>
+            <a:r>
+              <a:rPr lang="en-US" sz="2400" b="1" dirty="0"/>
+              <a:t>Methylation</a:t>
+            </a:r>
+            <a:endParaRPr lang="en-GB" sz="2400" b="1" dirty="0"/>
+          </a:p>
+        </p:txBody>
+      </p:sp>
+      <p:cxnSp>
+        <p:nvCxnSpPr>
+          <p:cNvPr id="18" name="Elbow Connector 17"/>
+          <p:cNvCxnSpPr>
+            <a:stCxn id="8" idx="3"/>
+            <a:endCxn id="9" idx="1"/>
+          </p:cNvCxnSpPr>
+          <p:nvPr/>
+        </p:nvCxnSpPr>
+        <p:spPr>
+          <a:xfrm flipV="1">
+            <a:off x="4895274" y="3357418"/>
+            <a:ext cx="4410362" cy="1"/>
+          </a:xfrm>
+          <a:prstGeom prst="bentConnector3">
+            <a:avLst/>
+          </a:prstGeom>
+          <a:ln w="38100" cmpd="sng">
+            <a:solidFill>
+              <a:schemeClr val="accent6"/>
+            </a:solidFill>
+            <a:tailEnd type="triangle"/>
+          </a:ln>
+        </p:spPr>
+        <p:style>
+          <a:lnRef idx="1">
+            <a:schemeClr val="accent1"/>
+          </a:lnRef>
+          <a:fillRef idx="0">
+            <a:schemeClr val="accent1"/>
+          </a:fillRef>
+          <a:effectRef idx="0">
+            <a:schemeClr val="accent1"/>
+          </a:effectRef>
+          <a:fontRef idx="minor">
+            <a:schemeClr val="tx1"/>
+          </a:fontRef>
+        </p:style>
+      </p:cxnSp>
+      <p:cxnSp>
+        <p:nvCxnSpPr>
+          <p:cNvPr id="28" name="Straight Arrow Connector 27"/>
+          <p:cNvCxnSpPr>
+            <a:stCxn id="10" idx="3"/>
+          </p:cNvCxnSpPr>
+          <p:nvPr/>
+        </p:nvCxnSpPr>
+        <p:spPr>
+          <a:xfrm>
+            <a:off x="7824513" y="1403318"/>
+            <a:ext cx="2416304" cy="1640063"/>
+          </a:xfrm>
+          <a:prstGeom prst="straightConnector1">
+            <a:avLst/>
+          </a:prstGeom>
+          <a:ln w="38100" cmpd="sng">
+            <a:solidFill>
+              <a:schemeClr val="accent6"/>
+            </a:solidFill>
+            <a:tailEnd type="triangle"/>
+          </a:ln>
+        </p:spPr>
+        <p:style>
+          <a:lnRef idx="1">
+            <a:schemeClr val="accent1"/>
+          </a:lnRef>
+          <a:fillRef idx="0">
+            <a:schemeClr val="accent1"/>
+          </a:fillRef>
+          <a:effectRef idx="0">
+            <a:schemeClr val="accent1"/>
+          </a:effectRef>
+          <a:fontRef idx="minor">
+            <a:schemeClr val="tx1"/>
+          </a:fontRef>
+        </p:style>
+      </p:cxnSp>
+      <p:sp>
+        <p:nvSpPr>
+          <p:cNvPr id="29" name="TextBox 28"/>
+          <p:cNvSpPr txBox="1"/>
+          <p:nvPr/>
+        </p:nvSpPr>
+        <p:spPr>
+          <a:xfrm flipH="1">
+            <a:off x="980631" y="1568071"/>
+            <a:ext cx="3040391" cy="461665"/>
+          </a:xfrm>
+          <a:prstGeom prst="rect">
+            <a:avLst/>
+          </a:prstGeom>
+          <a:noFill/>
+          <a:ln w="38100" cmpd="sng">
+            <a:noFill/>
+          </a:ln>
+        </p:spPr>
+        <p:txBody>
+          <a:bodyPr wrap="square" rtlCol="0">
+            <a:spAutoFit/>
           </a:bodyPr>
           <a:lstStyle/>
           <a:p>
             <a:r>
-              <a:rPr lang="en-GB" dirty="0"/>
-              <a:t>A total of 442,920 </a:t>
-            </a:r>
-            <a:r>
-              <a:rPr lang="en-GB" dirty="0" err="1"/>
-              <a:t>CpG</a:t>
-            </a:r>
-            <a:r>
-              <a:rPr lang="en-GB" dirty="0"/>
-              <a:t> sites based on Illumina humanmethylation450 chips on 1,146 individuals in EPIC-Norfolk study were available. Among these, 1,117 individuals also had genotype data from </a:t>
-            </a:r>
-            <a:r>
-              <a:rPr lang="en-GB" dirty="0" err="1"/>
-              <a:t>Affymetrix</a:t>
-            </a:r>
-            <a:r>
-              <a:rPr lang="en-GB" dirty="0"/>
-              <a:t> </a:t>
-            </a:r>
-            <a:r>
-              <a:rPr lang="en-GB" dirty="0" err="1"/>
-              <a:t>BioBank</a:t>
-            </a:r>
-            <a:r>
-              <a:rPr lang="en-GB" dirty="0"/>
-              <a:t> Axiom chips. </a:t>
-            </a:r>
-          </a:p>
-          <a:p>
-            <a:r>
-              <a:rPr lang="en-GB" dirty="0"/>
-              <a:t>HapMap2 SNPs from genetic data of these individuals were extracted via PLINK2 according to cis-positions of each probe and subsequently used to build weight analogous to gene expression data as implemented in computer software TWAS. </a:t>
-            </a:r>
-          </a:p>
-          <a:p>
-            <a:r>
-              <a:rPr lang="en-GB" dirty="0"/>
-              <a:t>Probes were filtered according to their </a:t>
-            </a:r>
-            <a:r>
-              <a:rPr lang="en-GB" dirty="0" err="1"/>
-              <a:t>heritabilities</a:t>
-            </a:r>
-            <a:r>
-              <a:rPr lang="en-GB" dirty="0"/>
-              <a:t> from modified GCTA software (</a:t>
-            </a:r>
-            <a:r>
-              <a:rPr lang="en-GB" dirty="0" err="1"/>
-              <a:t>gcta_nr_robust</a:t>
-            </a:r>
-            <a:r>
-              <a:rPr lang="en-GB" dirty="0"/>
-              <a:t>) at significant level of 0.01. The weight generation and methylation imputation is now part of EWAS-fusion. We then performed EWAS for given GWAS summary statistics. </a:t>
-            </a:r>
-          </a:p>
-          <a:p>
-            <a:endParaRPr lang="en-GB" dirty="0"/>
-          </a:p>
-        </p:txBody>
-      </p:sp>
+              <a:rPr lang="en-US" sz="2400" b="1" dirty="0"/>
+              <a:t>EWAS Reference panel</a:t>
+            </a:r>
+            <a:endParaRPr lang="en-GB" sz="2400" b="1" dirty="0"/>
+          </a:p>
+        </p:txBody>
+      </p:sp>
+      <p:sp>
+        <p:nvSpPr>
+          <p:cNvPr id="32" name="TextBox 31"/>
+          <p:cNvSpPr txBox="1"/>
+          <p:nvPr/>
+        </p:nvSpPr>
+        <p:spPr>
+          <a:xfrm flipH="1">
+            <a:off x="5301545" y="2871177"/>
+            <a:ext cx="3398979" cy="461665"/>
+          </a:xfrm>
+          <a:prstGeom prst="rect">
+            <a:avLst/>
+          </a:prstGeom>
+          <a:noFill/>
+          <a:ln w="38100" cmpd="sng">
+            <a:noFill/>
+          </a:ln>
+        </p:spPr>
+        <p:txBody>
+          <a:bodyPr wrap="square" rtlCol="0">
+            <a:spAutoFit/>
+          </a:bodyPr>
+          <a:lstStyle/>
+          <a:p>
+            <a:r>
+              <a:rPr lang="en-US" sz="2400" b="1" dirty="0"/>
+              <a:t>GWAS summary statistics</a:t>
+            </a:r>
+            <a:endParaRPr lang="en-GB" sz="2400" b="1" dirty="0"/>
+          </a:p>
+        </p:txBody>
+      </p:sp>
+      <p:sp>
+        <p:nvSpPr>
+          <p:cNvPr id="19" name="TextBox 18"/>
+          <p:cNvSpPr txBox="1"/>
+          <p:nvPr/>
+        </p:nvSpPr>
+        <p:spPr>
+          <a:xfrm flipH="1">
+            <a:off x="374154" y="2029736"/>
+            <a:ext cx="4253346" cy="461665"/>
+          </a:xfrm>
+          <a:prstGeom prst="rect">
+            <a:avLst/>
+          </a:prstGeom>
+          <a:noFill/>
+          <a:ln w="38100" cmpd="sng">
+            <a:noFill/>
+          </a:ln>
+        </p:spPr>
+        <p:txBody>
+          <a:bodyPr wrap="square" rtlCol="0">
+            <a:spAutoFit/>
+          </a:bodyPr>
+          <a:lstStyle/>
+          <a:p>
+            <a:r>
+              <a:rPr lang="en-US" sz="2400" b="1" dirty="0"/>
+              <a:t>(top1, </a:t>
+            </a:r>
+            <a:r>
+              <a:rPr lang="en-US" sz="2400" b="1" dirty="0" err="1"/>
+              <a:t>blup</a:t>
+            </a:r>
+            <a:r>
+              <a:rPr lang="en-US" sz="2400" b="1" dirty="0"/>
+              <a:t>, lasso, </a:t>
+            </a:r>
+            <a:r>
+              <a:rPr lang="en-US" sz="2400" b="1" dirty="0" err="1"/>
+              <a:t>enet</a:t>
+            </a:r>
+            <a:r>
+              <a:rPr lang="en-US" sz="2400" b="1" dirty="0"/>
+              <a:t>, </a:t>
+            </a:r>
+            <a:r>
+              <a:rPr lang="en-US" sz="2400" b="1" dirty="0" err="1"/>
+              <a:t>bslmm</a:t>
+            </a:r>
+            <a:r>
+              <a:rPr lang="en-US" sz="2400" b="1" dirty="0"/>
+              <a:t>)</a:t>
+            </a:r>
+            <a:endParaRPr lang="en-GB" sz="2400" b="1" dirty="0"/>
+          </a:p>
+        </p:txBody>
+      </p:sp>
+      <p:sp>
+        <p:nvSpPr>
+          <p:cNvPr id="20" name="TextBox 19"/>
+          <p:cNvSpPr txBox="1"/>
+          <p:nvPr/>
+        </p:nvSpPr>
+        <p:spPr>
+          <a:xfrm flipH="1">
+            <a:off x="5861509" y="3341439"/>
+            <a:ext cx="2480428" cy="461665"/>
+          </a:xfrm>
+          <a:prstGeom prst="rect">
+            <a:avLst/>
+          </a:prstGeom>
+          <a:noFill/>
+          <a:ln w="38100" cmpd="sng">
+            <a:noFill/>
+          </a:ln>
+        </p:spPr>
+        <p:txBody>
+          <a:bodyPr wrap="square" rtlCol="0">
+            <a:spAutoFit/>
+          </a:bodyPr>
+          <a:lstStyle/>
+          <a:p>
+            <a:r>
+              <a:rPr lang="en-US" sz="2400" b="1" dirty="0"/>
+              <a:t>(SNP, A1, A2, Z)</a:t>
+            </a:r>
+            <a:endParaRPr lang="en-GB" sz="2400" b="1" dirty="0"/>
+          </a:p>
+        </p:txBody>
+      </p:sp>
+      <p:sp>
+        <p:nvSpPr>
+          <p:cNvPr id="2" name="TextBox 1"/>
+          <p:cNvSpPr txBox="1"/>
+          <p:nvPr/>
+        </p:nvSpPr>
+        <p:spPr>
+          <a:xfrm>
+            <a:off x="4895274" y="4520356"/>
+            <a:ext cx="4126322" cy="523220"/>
+          </a:xfrm>
+          <a:prstGeom prst="rect">
+            <a:avLst/>
+          </a:prstGeom>
+          <a:noFill/>
+        </p:spPr>
+        <p:txBody>
+          <a:bodyPr wrap="none" rtlCol="0">
+            <a:spAutoFit/>
+          </a:bodyPr>
+          <a:lstStyle/>
+          <a:p>
+            <a:r>
+              <a:rPr lang="en-US" sz="2800" b="1" dirty="0" smtClean="0"/>
+              <a:t>Mendelian </a:t>
+            </a:r>
+            <a:r>
+              <a:rPr lang="en-US" sz="2800" b="1" dirty="0" err="1" smtClean="0"/>
+              <a:t>Randomisation</a:t>
+            </a:r>
+            <a:endParaRPr lang="en-GB" sz="2800" b="1" dirty="0"/>
+          </a:p>
+        </p:txBody>
+      </p:sp>
+      <p:cxnSp>
+        <p:nvCxnSpPr>
+          <p:cNvPr id="22" name="Straight Arrow Connector 21"/>
+          <p:cNvCxnSpPr/>
+          <p:nvPr/>
+        </p:nvCxnSpPr>
+        <p:spPr>
+          <a:xfrm flipV="1">
+            <a:off x="4081607" y="1403317"/>
+            <a:ext cx="1872542" cy="1640065"/>
+          </a:xfrm>
+          <a:prstGeom prst="straightConnector1">
+            <a:avLst/>
+          </a:prstGeom>
+          <a:ln w="38100" cmpd="sng">
+            <a:solidFill>
+              <a:schemeClr val="accent6"/>
+            </a:solidFill>
+            <a:tailEnd type="triangle"/>
+          </a:ln>
+        </p:spPr>
+        <p:style>
+          <a:lnRef idx="1">
+            <a:schemeClr val="accent1"/>
+          </a:lnRef>
+          <a:fillRef idx="0">
+            <a:schemeClr val="accent1"/>
+          </a:fillRef>
+          <a:effectRef idx="0">
+            <a:schemeClr val="accent1"/>
+          </a:effectRef>
+          <a:fontRef idx="minor">
+            <a:schemeClr val="tx1"/>
+          </a:fontRef>
+        </p:style>
+      </p:cxnSp>
     </p:spTree>
     <p:extLst>
       <p:ext uri="{BB962C8B-B14F-4D97-AF65-F5344CB8AC3E}">
-        <p14:creationId xmlns:p14="http://schemas.microsoft.com/office/powerpoint/2010/main" val="2782179926"/>
+        <p14:creationId xmlns:p14="http://schemas.microsoft.com/office/powerpoint/2010/main" val="3367378622"/>
       </p:ext>
     </p:extLst>
   </p:cSld>
@@ -5119,7 +5595,7 @@
             <a:pPr algn="ctr"/>
             <a:r>
               <a:rPr lang="en-US" dirty="0"/>
-              <a:t>EWAS-fusion II</a:t>
+              <a:t>EWAS-fusion I</a:t>
             </a:r>
             <a:endParaRPr lang="en-GB" dirty="0"/>
           </a:p>
@@ -5138,65 +5614,66 @@
         <p:spPr/>
         <p:txBody>
           <a:bodyPr>
-            <a:normAutofit/>
+            <a:normAutofit fontScale="92500" lnSpcReduction="10000"/>
           </a:bodyPr>
           <a:lstStyle/>
           <a:p>
-            <a:pPr marL="0" indent="0">
-              <a:buNone/>
-            </a:pPr>
             <a:r>
               <a:rPr lang="en-GB" dirty="0"/>
-              <a:t>EWAS-fusion has the following components,</a:t>
-            </a:r>
-            <a:endParaRPr lang="en-US" dirty="0"/>
-          </a:p>
-          <a:p>
-            <a:endParaRPr lang="en-US" dirty="0"/>
-          </a:p>
-          <a:p>
-            <a:r>
-              <a:rPr lang="en-US" dirty="0" err="1"/>
-              <a:t>get_weight.qsub</a:t>
-            </a:r>
-            <a:r>
-              <a:rPr lang="en-US" dirty="0"/>
-              <a:t> is a revised script to generate probe-specific weights and ewas-fusion.sh is the script for association analysis both via </a:t>
-            </a:r>
-            <a:r>
-              <a:rPr lang="en-US" dirty="0" err="1"/>
-              <a:t>sge</a:t>
-            </a:r>
-            <a:r>
-              <a:rPr lang="en-US" dirty="0"/>
-              <a:t>.</a:t>
-            </a:r>
-            <a:endParaRPr lang="en-GB" dirty="0"/>
-          </a:p>
-          <a:p>
+              <a:t>A total of 442,920 </a:t>
+            </a:r>
+            <a:r>
+              <a:rPr lang="en-GB" dirty="0" err="1"/>
+              <a:t>CpG</a:t>
+            </a:r>
             <a:r>
               <a:rPr lang="en-GB" dirty="0"/>
-              <a:t>ewas-fusion.sh conducts association as well as joint/conditional analysis using our weights and LD panel as distributed by software FUSION.</a:t>
-            </a:r>
-          </a:p>
-          <a:p>
-            <a:r>
-              <a:rPr lang="en-US" dirty="0" err="1"/>
-              <a:t>ewas-annotate.R</a:t>
-            </a:r>
-            <a:r>
-              <a:rPr lang="en-US" dirty="0"/>
-              <a:t> and </a:t>
-            </a:r>
-            <a:r>
-              <a:rPr lang="en-US" dirty="0" err="1"/>
-              <a:t>ewas-plot.R</a:t>
-            </a:r>
-            <a:r>
-              <a:rPr lang="en-US" dirty="0"/>
-              <a:t> facilitate analysis described above.</a:t>
-            </a:r>
-            <a:endParaRPr lang="en-GB" dirty="0"/>
+              <a:t> sites based on Illumina humanmethylation450 chips on 1,146 individuals in EPIC-Norfolk study were available. Among these, 1,117 individuals also had genotype data from </a:t>
+            </a:r>
+            <a:r>
+              <a:rPr lang="en-GB" dirty="0" err="1"/>
+              <a:t>Affymetrix</a:t>
+            </a:r>
+            <a:r>
+              <a:rPr lang="en-GB" dirty="0"/>
+              <a:t> </a:t>
+            </a:r>
+            <a:r>
+              <a:rPr lang="en-GB" dirty="0" err="1"/>
+              <a:t>BioBank</a:t>
+            </a:r>
+            <a:r>
+              <a:rPr lang="en-GB" dirty="0"/>
+              <a:t> Axiom chips. </a:t>
+            </a:r>
+          </a:p>
+          <a:p>
+            <a:r>
+              <a:rPr lang="en-GB" dirty="0"/>
+              <a:t>HapMap2 SNPs from genetic data of these individuals were extracted via PLINK2 according to cis-positions of each probe and subsequently used to build weight analogous to gene expression data as implemented in computer software TWAS. </a:t>
+            </a:r>
+          </a:p>
+          <a:p>
+            <a:r>
+              <a:rPr lang="en-GB" dirty="0"/>
+              <a:t>Probes were filtered according to their </a:t>
+            </a:r>
+            <a:r>
+              <a:rPr lang="en-GB" dirty="0" err="1"/>
+              <a:t>heritabilities</a:t>
+            </a:r>
+            <a:r>
+              <a:rPr lang="en-GB" dirty="0"/>
+              <a:t> from modified GCTA software (</a:t>
+            </a:r>
+            <a:r>
+              <a:rPr lang="en-GB" dirty="0" err="1"/>
+              <a:t>gcta_nr_robust</a:t>
+            </a:r>
+            <a:r>
+              <a:rPr lang="en-GB" dirty="0"/>
+              <a:t>) at significant level of 0.01. The weight generation and methylation imputation is now part of EWAS-fusion. We then performed EWAS for given GWAS summary statistics. </a:t>
+            </a:r>
           </a:p>
           <a:p>
             <a:endParaRPr lang="en-GB" dirty="0"/>
@@ -5206,7 +5683,7 @@
     </p:spTree>
     <p:extLst>
       <p:ext uri="{BB962C8B-B14F-4D97-AF65-F5344CB8AC3E}">
-        <p14:creationId xmlns:p14="http://schemas.microsoft.com/office/powerpoint/2010/main" val="1064561388"/>
+        <p14:creationId xmlns:p14="http://schemas.microsoft.com/office/powerpoint/2010/main" val="2782179926"/>
       </p:ext>
     </p:extLst>
   </p:cSld>
@@ -5471,7 +5948,7 @@
   <a:extraClrSchemeLst/>
   <a:extLst>
     <a:ext uri="{05A4C25C-085E-4340-85A3-A5531E510DB2}">
-      <thm15:themeFamily xmlns:thm15="http://schemas.microsoft.com/office/thememl/2012/main" name="Office Theme" id="{62F939B6-93AF-4DB8-9C6B-D6C7DFDC589F}" vid="{4A3C46E8-61CC-4603-A589-7422A47A8E4A}"/>
+      <thm15:themeFamily xmlns="" xmlns:thm15="http://schemas.microsoft.com/office/thememl/2012/main" name="Office Theme" id="{62F939B6-93AF-4DB8-9C6B-D6C7DFDC589F}" vid="{4A3C46E8-61CC-4603-A589-7422A47A8E4A}"/>
     </a:ext>
   </a:extLst>
 </a:theme>

--- a/README.pptx
+++ b/README.pptx
@@ -115,7 +115,7 @@
   </p:defaultTextStyle>
   <p:extLst>
     <p:ext uri="{EFAFB233-063F-42B5-8137-9DF3F51BA10A}">
-      <p15:sldGuideLst xmlns="" xmlns:p15="http://schemas.microsoft.com/office/powerpoint/2012/main"/>
+      <p15:sldGuideLst xmlns:p15="http://schemas.microsoft.com/office/powerpoint/2012/main" xmlns=""/>
     </p:ext>
   </p:extLst>
 </p:presentation>
@@ -3011,6 +3011,13 @@
   <p:clrMapOvr>
     <a:masterClrMapping/>
   </p:clrMapOvr>
+  <p:timing>
+    <p:tnLst>
+      <p:par>
+        <p:cTn id="1" dur="indefinite" restart="never" nodeType="tmRoot"/>
+      </p:par>
+    </p:tnLst>
+  </p:timing>
 </p:sld>
 </file>
 
@@ -3143,6 +3150,13 @@
   <p:clrMapOvr>
     <a:masterClrMapping/>
   </p:clrMapOvr>
+  <p:timing>
+    <p:tnLst>
+      <p:par>
+        <p:cTn id="1" dur="indefinite" restart="never" nodeType="tmRoot"/>
+      </p:par>
+    </p:tnLst>
+  </p:timing>
 </p:sld>
 </file>
 
@@ -3666,6 +3680,13 @@
   <p:clrMapOvr>
     <a:masterClrMapping/>
   </p:clrMapOvr>
+  <p:timing>
+    <p:tnLst>
+      <p:par>
+        <p:cTn id="1" dur="indefinite" restart="never" nodeType="tmRoot"/>
+      </p:par>
+    </p:tnLst>
+  </p:timing>
 </p:sld>
 </file>
 
@@ -3785,6 +3806,13 @@
   <p:clrMapOvr>
     <a:masterClrMapping/>
   </p:clrMapOvr>
+  <p:timing>
+    <p:tnLst>
+      <p:par>
+        <p:cTn id="1" dur="indefinite" restart="never" nodeType="tmRoot"/>
+      </p:par>
+    </p:tnLst>
+  </p:timing>
 </p:sld>
 </file>
 
@@ -3846,6 +3874,9 @@
           </a:bodyPr>
           <a:lstStyle/>
           <a:p>
+            <a:pPr marL="0" indent="0">
+              <a:buNone/>
+            </a:pPr>
             <a:r>
               <a:rPr lang="en-GB" sz="2300" dirty="0"/>
               <a:t>The FUSION framework has several advantages: 1. It integrates heritability estimation and covariate adjustment for whole-chromosomes with additional models LASSO, elastic net, BLUP and BSLMM.  2. It offers cross-validation, joint/conditional analyses with the output also informing top hit SNPs and inferred methylation quantitative trait locus (</a:t>
@@ -3876,9 +3907,16 @@
             </a:r>
           </a:p>
           <a:p>
+            <a:pPr marL="0" indent="0">
+              <a:buNone/>
+            </a:pPr>
+            <a:r>
+              <a:rPr lang="en-GB" sz="2300" smtClean="0"/>
+              <a:t>Mancuso </a:t>
+            </a:r>
             <a:r>
               <a:rPr lang="en-GB" sz="2300" dirty="0"/>
-              <a:t>Mancuso N, et al. (2017). Integrating gene expression with summary association statistics to identify susceptibility genes for 30 complex traits. American Journal of Human Genetics, 2017, 100, 473-487.</a:t>
+              <a:t>N, et al. (2017). Integrating gene expression with summary association statistics to identify susceptibility genes for 30 complex traits. American Journal of Human Genetics, 2017, 100, 473-487.</a:t>
             </a:r>
           </a:p>
         </p:txBody>
@@ -3893,6 +3931,13 @@
   <p:clrMapOvr>
     <a:masterClrMapping/>
   </p:clrMapOvr>
+  <p:timing>
+    <p:tnLst>
+      <p:par>
+        <p:cTn id="1" dur="indefinite" restart="never" nodeType="tmRoot"/>
+      </p:par>
+    </p:tnLst>
+  </p:timing>
 </p:sld>
 </file>
 
@@ -4007,6 +4052,13 @@
   <p:clrMapOvr>
     <a:masterClrMapping/>
   </p:clrMapOvr>
+  <p:timing>
+    <p:tnLst>
+      <p:par>
+        <p:cTn id="1" dur="indefinite" restart="never" nodeType="tmRoot"/>
+      </p:par>
+    </p:tnLst>
+  </p:timing>
 </p:sld>
 </file>
 
@@ -4407,6 +4459,13 @@
   <p:clrMapOvr>
     <a:masterClrMapping/>
   </p:clrMapOvr>
+  <p:timing>
+    <p:tnLst>
+      <p:par>
+        <p:cTn id="1" dur="indefinite" restart="never" nodeType="tmRoot"/>
+      </p:par>
+    </p:tnLst>
+  </p:timing>
 </p:sld>
 </file>
 
@@ -5081,6 +5140,13 @@
   <p:clrMapOvr>
     <a:masterClrMapping/>
   </p:clrMapOvr>
+  <p:timing>
+    <p:tnLst>
+      <p:par>
+        <p:cTn id="1" dur="indefinite" restart="never" nodeType="tmRoot"/>
+      </p:par>
+    </p:tnLst>
+  </p:timing>
 </p:sld>
 </file>
 
@@ -5557,6 +5623,13 @@
   <p:clrMapOvr>
     <a:masterClrMapping/>
   </p:clrMapOvr>
+  <p:timing>
+    <p:tnLst>
+      <p:par>
+        <p:cTn id="1" dur="indefinite" restart="never" nodeType="tmRoot"/>
+      </p:par>
+    </p:tnLst>
+  </p:timing>
 </p:sld>
 </file>
 
@@ -5690,6 +5763,13 @@
   <p:clrMapOvr>
     <a:masterClrMapping/>
   </p:clrMapOvr>
+  <p:timing>
+    <p:tnLst>
+      <p:par>
+        <p:cTn id="1" dur="indefinite" restart="never" nodeType="tmRoot"/>
+      </p:par>
+    </p:tnLst>
+  </p:timing>
 </p:sld>
 </file>
 
@@ -5948,7 +6028,7 @@
   <a:extraClrSchemeLst/>
   <a:extLst>
     <a:ext uri="{05A4C25C-085E-4340-85A3-A5531E510DB2}">
-      <thm15:themeFamily xmlns="" xmlns:thm15="http://schemas.microsoft.com/office/thememl/2012/main" name="Office Theme" id="{62F939B6-93AF-4DB8-9C6B-D6C7DFDC589F}" vid="{4A3C46E8-61CC-4603-A589-7422A47A8E4A}"/>
+      <thm15:themeFamily xmlns:thm15="http://schemas.microsoft.com/office/thememl/2012/main" xmlns="" name="Office Theme" id="{62F939B6-93AF-4DB8-9C6B-D6C7DFDC589F}" vid="{4A3C46E8-61CC-4603-A589-7422A47A8E4A}"/>
     </a:ext>
   </a:extLst>
 </a:theme>

--- a/README.pptx
+++ b/README.pptx
@@ -115,7 +115,7 @@
   </p:defaultTextStyle>
   <p:extLst>
     <p:ext uri="{EFAFB233-063F-42B5-8137-9DF3F51BA10A}">
-      <p15:sldGuideLst xmlns:p15="http://schemas.microsoft.com/office/powerpoint/2012/main" xmlns=""/>
+      <p15:sldGuideLst xmlns="" xmlns:p15="http://schemas.microsoft.com/office/powerpoint/2012/main"/>
     </p:ext>
   </p:extLst>
 </p:presentation>
@@ -252,7 +252,7 @@
           <a:p>
             <a:fld id="{138EF9FC-1996-498E-BB81-707C49C852FF}" type="datetimeFigureOut">
               <a:rPr lang="en-GB" smtClean="0"/>
-              <a:t>27/02/2018</a:t>
+              <a:t>28/02/2018</a:t>
             </a:fld>
             <a:endParaRPr lang="en-GB"/>
           </a:p>
@@ -422,7 +422,7 @@
           <a:p>
             <a:fld id="{138EF9FC-1996-498E-BB81-707C49C852FF}" type="datetimeFigureOut">
               <a:rPr lang="en-GB" smtClean="0"/>
-              <a:t>27/02/2018</a:t>
+              <a:t>28/02/2018</a:t>
             </a:fld>
             <a:endParaRPr lang="en-GB"/>
           </a:p>
@@ -602,7 +602,7 @@
           <a:p>
             <a:fld id="{138EF9FC-1996-498E-BB81-707C49C852FF}" type="datetimeFigureOut">
               <a:rPr lang="en-GB" smtClean="0"/>
-              <a:t>27/02/2018</a:t>
+              <a:t>28/02/2018</a:t>
             </a:fld>
             <a:endParaRPr lang="en-GB"/>
           </a:p>
@@ -772,7 +772,7 @@
           <a:p>
             <a:fld id="{138EF9FC-1996-498E-BB81-707C49C852FF}" type="datetimeFigureOut">
               <a:rPr lang="en-GB" smtClean="0"/>
-              <a:t>27/02/2018</a:t>
+              <a:t>28/02/2018</a:t>
             </a:fld>
             <a:endParaRPr lang="en-GB"/>
           </a:p>
@@ -1018,7 +1018,7 @@
           <a:p>
             <a:fld id="{138EF9FC-1996-498E-BB81-707C49C852FF}" type="datetimeFigureOut">
               <a:rPr lang="en-GB" smtClean="0"/>
-              <a:t>27/02/2018</a:t>
+              <a:t>28/02/2018</a:t>
             </a:fld>
             <a:endParaRPr lang="en-GB"/>
           </a:p>
@@ -1250,7 +1250,7 @@
           <a:p>
             <a:fld id="{138EF9FC-1996-498E-BB81-707C49C852FF}" type="datetimeFigureOut">
               <a:rPr lang="en-GB" smtClean="0"/>
-              <a:t>27/02/2018</a:t>
+              <a:t>28/02/2018</a:t>
             </a:fld>
             <a:endParaRPr lang="en-GB"/>
           </a:p>
@@ -1617,7 +1617,7 @@
           <a:p>
             <a:fld id="{138EF9FC-1996-498E-BB81-707C49C852FF}" type="datetimeFigureOut">
               <a:rPr lang="en-GB" smtClean="0"/>
-              <a:t>27/02/2018</a:t>
+              <a:t>28/02/2018</a:t>
             </a:fld>
             <a:endParaRPr lang="en-GB"/>
           </a:p>
@@ -1735,7 +1735,7 @@
           <a:p>
             <a:fld id="{138EF9FC-1996-498E-BB81-707C49C852FF}" type="datetimeFigureOut">
               <a:rPr lang="en-GB" smtClean="0"/>
-              <a:t>27/02/2018</a:t>
+              <a:t>28/02/2018</a:t>
             </a:fld>
             <a:endParaRPr lang="en-GB"/>
           </a:p>
@@ -1830,7 +1830,7 @@
           <a:p>
             <a:fld id="{138EF9FC-1996-498E-BB81-707C49C852FF}" type="datetimeFigureOut">
               <a:rPr lang="en-GB" smtClean="0"/>
-              <a:t>27/02/2018</a:t>
+              <a:t>28/02/2018</a:t>
             </a:fld>
             <a:endParaRPr lang="en-GB"/>
           </a:p>
@@ -2107,7 +2107,7 @@
           <a:p>
             <a:fld id="{138EF9FC-1996-498E-BB81-707C49C852FF}" type="datetimeFigureOut">
               <a:rPr lang="en-GB" smtClean="0"/>
-              <a:t>27/02/2018</a:t>
+              <a:t>28/02/2018</a:t>
             </a:fld>
             <a:endParaRPr lang="en-GB"/>
           </a:p>
@@ -2360,7 +2360,7 @@
           <a:p>
             <a:fld id="{138EF9FC-1996-498E-BB81-707C49C852FF}" type="datetimeFigureOut">
               <a:rPr lang="en-GB" smtClean="0"/>
-              <a:t>27/02/2018</a:t>
+              <a:t>28/02/2018</a:t>
             </a:fld>
             <a:endParaRPr lang="en-GB"/>
           </a:p>
@@ -2573,7 +2573,7 @@
           <a:p>
             <a:fld id="{138EF9FC-1996-498E-BB81-707C49C852FF}" type="datetimeFigureOut">
               <a:rPr lang="en-GB" smtClean="0"/>
-              <a:t>27/02/2018</a:t>
+              <a:t>28/02/2018</a:t>
             </a:fld>
             <a:endParaRPr lang="en-GB"/>
           </a:p>
@@ -3201,8 +3201,8 @@
           </a:p>
         </p:txBody>
       </p:sp>
-      <mc:AlternateContent xmlns:mc="http://schemas.openxmlformats.org/markup-compatibility/2006" xmlns:a14="http://schemas.microsoft.com/office/drawing/2010/main">
-        <mc:Choice Requires="a14">
+      <mc:AlternateContent xmlns:mc="http://schemas.openxmlformats.org/markup-compatibility/2006">
+        <mc:Choice xmlns:a14="http://schemas.microsoft.com/office/drawing/2010/main" Requires="a14">
           <p:sp>
             <p:nvSpPr>
               <p:cNvPr id="3" name="Content Placeholder 2"/>
@@ -3624,8 +3624,21 @@
                 </a:r>
                 <a:r>
                   <a:rPr lang="en-GB" dirty="0"/>
-                  <a:t> A, et al. (2016). Integrative approaches for large-scale transcriptome-wide association studies. Nature Genetics, 48, 245-252</a:t>
+                  <a:t> A, et al. (2016). Integrative approaches for large-scale transcriptome-wide association studies. </a:t>
                 </a:r>
+                <a:r>
+                  <a:rPr lang="en-GB" i="1" dirty="0"/>
+                  <a:t>Nature Genetics</a:t>
+                </a:r>
+                <a:r>
+                  <a:rPr lang="en-GB" dirty="0"/>
+                  <a:t>, </a:t>
+                </a:r>
+                <a:r>
+                  <a:rPr lang="en-GB" dirty="0" smtClean="0"/>
+                  <a:t>48:245-252</a:t>
+                </a:r>
+                <a:endParaRPr lang="en-GB" dirty="0"/>
               </a:p>
               <a:p>
                 <a:pPr marL="0" indent="0">
@@ -3636,7 +3649,7 @@
             </p:txBody>
           </p:sp>
         </mc:Choice>
-        <mc:Fallback xmlns="">
+        <mc:Fallback>
           <p:sp>
             <p:nvSpPr>
               <p:cNvPr id="3" name="Content Placeholder 2"/>
@@ -3648,10 +3661,10 @@
               </p:nvPr>
             </p:nvSpPr>
             <p:spPr>
-              <a:blipFill>
+              <a:blipFill rotWithShape="1">
                 <a:blip r:embed="rId2"/>
                 <a:stretch>
-                  <a:fillRect l="-1043" t="-3501" r="-1043"/>
+                  <a:fillRect l="-1043" t="-3501" r="-1101"/>
                 </a:stretch>
               </a:blipFill>
             </p:spPr>
@@ -3780,16 +3793,25 @@
             </a:r>
             <a:r>
               <a:rPr lang="en-GB" dirty="0"/>
-              <a:t> disease: challenges in evaluating causality. Nat Rev </a:t>
-            </a:r>
-            <a:r>
-              <a:rPr lang="en-GB" dirty="0" err="1"/>
-              <a:t>Cardiol</a:t>
+              <a:t> disease: challenges in evaluating causality. </a:t>
+            </a:r>
+            <a:r>
+              <a:rPr lang="en-GB" i="1" dirty="0"/>
+              <a:t>Nature Reviews Cardiology</a:t>
+            </a:r>
+            <a:r>
+              <a:rPr lang="en-GB" dirty="0" smtClean="0"/>
+              <a:t>, </a:t>
             </a:r>
             <a:r>
               <a:rPr lang="en-GB" dirty="0"/>
+              <a:t>14(10):577-590</a:t>
+            </a:r>
+            <a:r>
+              <a:rPr lang="en-GB" dirty="0" smtClean="0"/>
               <a:t>.</a:t>
             </a:r>
+            <a:endParaRPr lang="en-GB" dirty="0"/>
           </a:p>
           <a:p>
             <a:endParaRPr lang="en-GB" dirty="0"/>
@@ -3911,12 +3933,24 @@
               <a:buNone/>
             </a:pPr>
             <a:r>
-              <a:rPr lang="en-GB" sz="2300" smtClean="0"/>
+              <a:rPr lang="en-GB" sz="2300" dirty="0" smtClean="0"/>
               <a:t>Mancuso </a:t>
             </a:r>
             <a:r>
               <a:rPr lang="en-GB" sz="2300" dirty="0"/>
-              <a:t>N, et al. (2017). Integrating gene expression with summary association statistics to identify susceptibility genes for 30 complex traits. American Journal of Human Genetics, 2017, 100, 473-487.</a:t>
+              <a:t>N, et al. (2017). Integrating gene expression with summary association statistics to identify susceptibility genes for 30 complex traits. </a:t>
+            </a:r>
+            <a:r>
+              <a:rPr lang="en-GB" sz="2300" i="1" dirty="0"/>
+              <a:t>American Journal of Human Genetics</a:t>
+            </a:r>
+            <a:r>
+              <a:rPr lang="en-GB" sz="2300" dirty="0" smtClean="0"/>
+              <a:t>, 100:473-487</a:t>
+            </a:r>
+            <a:r>
+              <a:rPr lang="en-GB" sz="2300" dirty="0"/>
+              <a:t>.</a:t>
             </a:r>
           </a:p>
         </p:txBody>
@@ -6028,7 +6062,7 @@
   <a:extraClrSchemeLst/>
   <a:extLst>
     <a:ext uri="{05A4C25C-085E-4340-85A3-A5531E510DB2}">
-      <thm15:themeFamily xmlns:thm15="http://schemas.microsoft.com/office/thememl/2012/main" xmlns="" name="Office Theme" id="{62F939B6-93AF-4DB8-9C6B-D6C7DFDC589F}" vid="{4A3C46E8-61CC-4603-A589-7422A47A8E4A}"/>
+      <thm15:themeFamily xmlns="" xmlns:thm15="http://schemas.microsoft.com/office/thememl/2012/main" name="Office Theme" id="{62F939B6-93AF-4DB8-9C6B-D6C7DFDC589F}" vid="{4A3C46E8-61CC-4603-A589-7422A47A8E4A}"/>
     </a:ext>
   </a:extLst>
 </a:theme>

--- a/README.pptx
+++ b/README.pptx
@@ -115,7 +115,7 @@
   </p:defaultTextStyle>
   <p:extLst>
     <p:ext uri="{EFAFB233-063F-42B5-8137-9DF3F51BA10A}">
-      <p15:sldGuideLst xmlns="" xmlns:p15="http://schemas.microsoft.com/office/powerpoint/2012/main"/>
+      <p15:sldGuideLst xmlns:p15="http://schemas.microsoft.com/office/powerpoint/2012/main" xmlns=""/>
     </p:ext>
   </p:extLst>
 </p:presentation>
@@ -2988,16 +2988,109 @@
             <p:ph type="ctrTitle"/>
           </p:nvPr>
         </p:nvSpPr>
-        <p:spPr/>
-        <p:txBody>
-          <a:bodyPr/>
-          <a:lstStyle/>
-          <a:p>
-            <a:r>
-              <a:rPr lang="en-US" dirty="0"/>
+        <p:spPr>
+          <a:xfrm>
+            <a:off x="1154623" y="2929179"/>
+            <a:ext cx="10337369" cy="1983783"/>
+          </a:xfrm>
+        </p:spPr>
+        <p:txBody>
+          <a:bodyPr>
+            <a:normAutofit fontScale="90000"/>
+          </a:bodyPr>
+          <a:lstStyle/>
+          <a:p>
+            <a:r>
+              <a:rPr lang="en-US" dirty="0" smtClean="0"/>
               <a:t>EWAS-fusion</a:t>
             </a:r>
-            <a:endParaRPr lang="en-GB" dirty="0"/>
+            <a:br>
+              <a:rPr lang="en-US" dirty="0" smtClean="0"/>
+            </a:br>
+            <a:r>
+              <a:rPr lang="en-US" dirty="0" smtClean="0"/>
+              <a:t/>
+            </a:r>
+            <a:br>
+              <a:rPr lang="en-US" dirty="0" smtClean="0"/>
+            </a:br>
+            <a:r>
+              <a:rPr lang="en-GB" sz="3100" dirty="0" err="1" smtClean="0">
+                <a:latin typeface="+mn-lt"/>
+              </a:rPr>
+              <a:t>Epigenomewide</a:t>
+            </a:r>
+            <a:r>
+              <a:rPr lang="en-GB" sz="3100" dirty="0" smtClean="0">
+                <a:latin typeface="+mn-lt"/>
+              </a:rPr>
+              <a:t> </a:t>
+            </a:r>
+            <a:r>
+              <a:rPr lang="en-GB" sz="3100" dirty="0">
+                <a:latin typeface="+mn-lt"/>
+              </a:rPr>
+              <a:t>association study (EWAS) </a:t>
+            </a:r>
+            <a:r>
+              <a:rPr lang="en-GB" sz="3100" dirty="0" smtClean="0">
+                <a:latin typeface="+mn-lt"/>
+              </a:rPr>
+              <a:t/>
+            </a:r>
+            <a:br>
+              <a:rPr lang="en-GB" sz="3100" dirty="0" smtClean="0">
+                <a:latin typeface="+mn-lt"/>
+              </a:rPr>
+            </a:br>
+            <a:r>
+              <a:rPr lang="en-GB" sz="3100" dirty="0" smtClean="0">
+                <a:latin typeface="+mn-lt"/>
+              </a:rPr>
+              <a:t/>
+            </a:r>
+            <a:br>
+              <a:rPr lang="en-GB" sz="3100" dirty="0" smtClean="0">
+                <a:latin typeface="+mn-lt"/>
+              </a:rPr>
+            </a:br>
+            <a:r>
+              <a:rPr lang="en-GB" sz="3100" dirty="0" smtClean="0">
+                <a:latin typeface="+mn-lt"/>
+              </a:rPr>
+              <a:t>&amp; </a:t>
+            </a:r>
+            <a:br>
+              <a:rPr lang="en-GB" sz="3100" dirty="0" smtClean="0">
+                <a:latin typeface="+mn-lt"/>
+              </a:rPr>
+            </a:br>
+            <a:r>
+              <a:rPr lang="en-GB" sz="3100" dirty="0" smtClean="0">
+                <a:latin typeface="+mn-lt"/>
+              </a:rPr>
+              <a:t/>
+            </a:r>
+            <a:br>
+              <a:rPr lang="en-GB" sz="3100" dirty="0" smtClean="0">
+                <a:latin typeface="+mn-lt"/>
+              </a:rPr>
+            </a:br>
+            <a:r>
+              <a:rPr lang="en-GB" sz="3100" dirty="0" smtClean="0">
+                <a:latin typeface="+mn-lt"/>
+              </a:rPr>
+              <a:t>Functional </a:t>
+            </a:r>
+            <a:r>
+              <a:rPr lang="en-GB" sz="3100" dirty="0">
+                <a:latin typeface="+mn-lt"/>
+              </a:rPr>
+              <a:t>Summary-based Imputation (FUSION) association analyses</a:t>
+            </a:r>
+            <a:endParaRPr lang="en-GB" sz="3100" dirty="0">
+              <a:latin typeface="+mn-lt"/>
+            </a:endParaRPr>
           </a:p>
         </p:txBody>
       </p:sp>
@@ -3201,8 +3294,8 @@
           </a:p>
         </p:txBody>
       </p:sp>
-      <mc:AlternateContent xmlns:mc="http://schemas.openxmlformats.org/markup-compatibility/2006">
-        <mc:Choice xmlns:a14="http://schemas.microsoft.com/office/drawing/2010/main" Requires="a14">
+      <mc:AlternateContent xmlns:mc="http://schemas.openxmlformats.org/markup-compatibility/2006" xmlns:a14="http://schemas.microsoft.com/office/drawing/2010/main">
+        <mc:Choice Requires="a14">
           <p:sp>
             <p:nvSpPr>
               <p:cNvPr id="3" name="Content Placeholder 2"/>
@@ -3649,7 +3742,7 @@
             </p:txBody>
           </p:sp>
         </mc:Choice>
-        <mc:Fallback>
+        <mc:Fallback xmlns="">
           <p:sp>
             <p:nvSpPr>
               <p:cNvPr id="3" name="Content Placeholder 2"/>
@@ -6062,7 +6155,7 @@
   <a:extraClrSchemeLst/>
   <a:extLst>
     <a:ext uri="{05A4C25C-085E-4340-85A3-A5531E510DB2}">
-      <thm15:themeFamily xmlns="" xmlns:thm15="http://schemas.microsoft.com/office/thememl/2012/main" name="Office Theme" id="{62F939B6-93AF-4DB8-9C6B-D6C7DFDC589F}" vid="{4A3C46E8-61CC-4603-A589-7422A47A8E4A}"/>
+      <thm15:themeFamily xmlns:thm15="http://schemas.microsoft.com/office/thememl/2012/main" xmlns="" name="Office Theme" id="{62F939B6-93AF-4DB8-9C6B-D6C7DFDC589F}" vid="{4A3C46E8-61CC-4603-A589-7422A47A8E4A}"/>
     </a:ext>
   </a:extLst>
 </a:theme>
